--- a/content/diagrams.pptx
+++ b/content/diagrams.pptx
@@ -8,8 +8,8 @@
     <p:notesMasterId r:id="rId4"/>
   </p:notesMasterIdLst>
   <p:sldIdLst>
-    <p:sldId id="2147470361" r:id="rId2"/>
-    <p:sldId id="2147470360" r:id="rId3"/>
+    <p:sldId id="2147470347" r:id="rId2"/>
+    <p:sldId id="2147470362" r:id="rId3"/>
   </p:sldIdLst>
   <p:sldSz cx="12192000" cy="6858000"/>
   <p:notesSz cx="6858000" cy="9144000"/>
@@ -108,6 +108,11 @@
       </a:defRPr>
     </a:lvl9pPr>
   </p:defaultTextStyle>
+  <p:extLst>
+    <p:ext uri="{EFAFB233-063F-42B5-8137-9DF3F51BA10A}">
+      <p15:sldGuideLst xmlns:p15="http://schemas.microsoft.com/office/powerpoint/2012/main"/>
+    </p:ext>
+  </p:extLst>
 </p:presentation>
 </file>
 
@@ -465,13 +470,7 @@
   <p:cSld>
     <p:spTree>
       <p:nvGrpSpPr>
-        <p:cNvPr id="1" name="">
-          <a:extLst>
-            <a:ext uri="{FF2B5EF4-FFF2-40B4-BE49-F238E27FC236}">
-              <a16:creationId xmlns:a16="http://schemas.microsoft.com/office/drawing/2014/main" id="{4BCCD900-3816-A878-97AF-0464A60F4A5D}"/>
-            </a:ext>
-          </a:extLst>
-        </p:cNvPr>
+        <p:cNvPr id="1" name=""/>
         <p:cNvGrpSpPr/>
         <p:nvPr/>
       </p:nvGrpSpPr>
@@ -485,13 +484,7 @@
       </p:grpSpPr>
       <p:sp>
         <p:nvSpPr>
-          <p:cNvPr id="2" name="Slide Image Placeholder 1">
-            <a:extLst>
-              <a:ext uri="{FF2B5EF4-FFF2-40B4-BE49-F238E27FC236}">
-                <a16:creationId xmlns:a16="http://schemas.microsoft.com/office/drawing/2014/main" id="{84D7B923-17EA-BF30-6AA0-9ED6B820ED89}"/>
-              </a:ext>
-            </a:extLst>
-          </p:cNvPr>
+          <p:cNvPr id="2" name="Slide Image Placeholder 1"/>
           <p:cNvSpPr>
             <a:spLocks noGrp="1" noRot="1" noChangeAspect="1"/>
           </p:cNvSpPr>
@@ -503,13 +496,7 @@
       </p:sp>
       <p:sp>
         <p:nvSpPr>
-          <p:cNvPr id="3" name="Notes Placeholder 2">
-            <a:extLst>
-              <a:ext uri="{FF2B5EF4-FFF2-40B4-BE49-F238E27FC236}">
-                <a16:creationId xmlns:a16="http://schemas.microsoft.com/office/drawing/2014/main" id="{53B9993E-05B0-EAAF-E92F-5A0B9DC20293}"/>
-              </a:ext>
-            </a:extLst>
-          </p:cNvPr>
+          <p:cNvPr id="3" name="Notes Placeholder 2"/>
           <p:cNvSpPr>
             <a:spLocks noGrp="1"/>
           </p:cNvSpPr>
@@ -528,13 +515,7 @@
       </p:sp>
       <p:sp>
         <p:nvSpPr>
-          <p:cNvPr id="4" name="Slide Number Placeholder 3">
-            <a:extLst>
-              <a:ext uri="{FF2B5EF4-FFF2-40B4-BE49-F238E27FC236}">
-                <a16:creationId xmlns:a16="http://schemas.microsoft.com/office/drawing/2014/main" id="{A1A1E796-3DAE-BB1D-0AC2-39A0D7FF64A9}"/>
-              </a:ext>
-            </a:extLst>
-          </p:cNvPr>
+          <p:cNvPr id="4" name="Slide Number Placeholder 3"/>
           <p:cNvSpPr>
             <a:spLocks noGrp="1"/>
           </p:cNvSpPr>
@@ -620,7 +601,7 @@
     </p:spTree>
     <p:extLst>
       <p:ext uri="{BB962C8B-B14F-4D97-AF65-F5344CB8AC3E}">
-        <p14:creationId xmlns:p14="http://schemas.microsoft.com/office/powerpoint/2010/main" val="2155069451"/>
+        <p14:creationId xmlns:p14="http://schemas.microsoft.com/office/powerpoint/2010/main" val="1935789047"/>
       </p:ext>
     </p:extLst>
   </p:cSld>
@@ -638,7 +619,7 @@
         <p:cNvPr id="1" name="">
           <a:extLst>
             <a:ext uri="{FF2B5EF4-FFF2-40B4-BE49-F238E27FC236}">
-              <a16:creationId xmlns:a16="http://schemas.microsoft.com/office/drawing/2014/main" id="{8AE2E049-C477-EDEF-BEEC-88702D05217A}"/>
+              <a16:creationId xmlns:a16="http://schemas.microsoft.com/office/drawing/2014/main" id="{4BCCD900-3816-A878-97AF-0464A60F4A5D}"/>
             </a:ext>
           </a:extLst>
         </p:cNvPr>
@@ -658,7 +639,7 @@
           <p:cNvPr id="2" name="Slide Image Placeholder 1">
             <a:extLst>
               <a:ext uri="{FF2B5EF4-FFF2-40B4-BE49-F238E27FC236}">
-                <a16:creationId xmlns:a16="http://schemas.microsoft.com/office/drawing/2014/main" id="{B055E322-393D-C9D2-9A9C-DE57B911CAEE}"/>
+                <a16:creationId xmlns:a16="http://schemas.microsoft.com/office/drawing/2014/main" id="{84D7B923-17EA-BF30-6AA0-9ED6B820ED89}"/>
               </a:ext>
             </a:extLst>
           </p:cNvPr>
@@ -676,7 +657,7 @@
           <p:cNvPr id="3" name="Notes Placeholder 2">
             <a:extLst>
               <a:ext uri="{FF2B5EF4-FFF2-40B4-BE49-F238E27FC236}">
-                <a16:creationId xmlns:a16="http://schemas.microsoft.com/office/drawing/2014/main" id="{C3FE3631-4E62-0EE4-61F4-F9303FAB14F3}"/>
+                <a16:creationId xmlns:a16="http://schemas.microsoft.com/office/drawing/2014/main" id="{53B9993E-05B0-EAAF-E92F-5A0B9DC20293}"/>
               </a:ext>
             </a:extLst>
           </p:cNvPr>
@@ -701,7 +682,7 @@
           <p:cNvPr id="4" name="Slide Number Placeholder 3">
             <a:extLst>
               <a:ext uri="{FF2B5EF4-FFF2-40B4-BE49-F238E27FC236}">
-                <a16:creationId xmlns:a16="http://schemas.microsoft.com/office/drawing/2014/main" id="{DD31BF60-1247-7B8C-D372-41498C2375A1}"/>
+                <a16:creationId xmlns:a16="http://schemas.microsoft.com/office/drawing/2014/main" id="{A1A1E796-3DAE-BB1D-0AC2-39A0D7FF64A9}"/>
               </a:ext>
             </a:extLst>
           </p:cNvPr>
@@ -790,7 +771,7 @@
     </p:spTree>
     <p:extLst>
       <p:ext uri="{BB962C8B-B14F-4D97-AF65-F5344CB8AC3E}">
-        <p14:creationId xmlns:p14="http://schemas.microsoft.com/office/powerpoint/2010/main" val="936928485"/>
+        <p14:creationId xmlns:p14="http://schemas.microsoft.com/office/powerpoint/2010/main" val="2155069451"/>
       </p:ext>
     </p:extLst>
   </p:cSld>
@@ -7879,6 +7860,2817 @@
   <p:cSld>
     <p:spTree>
       <p:nvGrpSpPr>
+        <p:cNvPr id="1" name=""/>
+        <p:cNvGrpSpPr/>
+        <p:nvPr/>
+      </p:nvGrpSpPr>
+      <p:grpSpPr>
+        <a:xfrm>
+          <a:off x="0" y="0"/>
+          <a:ext cx="0" cy="0"/>
+          <a:chOff x="0" y="0"/>
+          <a:chExt cx="0" cy="0"/>
+        </a:xfrm>
+      </p:grpSpPr>
+      <p:sp>
+        <p:nvSpPr>
+          <p:cNvPr id="19" name="TextBox 31">
+            <a:extLst>
+              <a:ext uri="{FF2B5EF4-FFF2-40B4-BE49-F238E27FC236}">
+                <a16:creationId xmlns:a16="http://schemas.microsoft.com/office/drawing/2014/main" id="{F5C12047-F7F6-579C-AD5D-9FBE338D6134}"/>
+              </a:ext>
+            </a:extLst>
+          </p:cNvPr>
+          <p:cNvSpPr txBox="1">
+            <a:spLocks noChangeArrowheads="1"/>
+          </p:cNvSpPr>
+          <p:nvPr/>
+        </p:nvSpPr>
+        <p:spPr bwMode="auto">
+          <a:xfrm>
+            <a:off x="4690244" y="3604648"/>
+            <a:ext cx="2279640" cy="400110"/>
+          </a:xfrm>
+          <a:prstGeom prst="rect">
+            <a:avLst/>
+          </a:prstGeom>
+          <a:noFill/>
+          <a:ln w="9525">
+            <a:noFill/>
+            <a:miter lim="800000"/>
+            <a:headEnd/>
+            <a:tailEnd/>
+          </a:ln>
+        </p:spPr>
+        <p:txBody>
+          <a:bodyPr wrap="square">
+            <a:spAutoFit/>
+          </a:bodyPr>
+          <a:lstStyle/>
+          <a:p>
+            <a:pPr algn="ctr" defTabSz="914240"/>
+            <a:r>
+              <a:rPr lang="en-US" sz="1000" b="1" dirty="0">
+                <a:solidFill>
+                  <a:srgbClr val="246090"/>
+                </a:solidFill>
+                <a:latin typeface="Arial" panose="020B0604020202020204" pitchFamily="34" charset="0"/>
+                <a:ea typeface="Verdana" pitchFamily="34" charset="0"/>
+                <a:cs typeface="Arial" panose="020B0604020202020204" pitchFamily="34" charset="0"/>
+              </a:rPr>
+              <a:t>Private Subnet – AZ2</a:t>
+            </a:r>
+            <a:br>
+              <a:rPr lang="en-US" sz="1000" b="1" dirty="0">
+                <a:solidFill>
+                  <a:srgbClr val="246090"/>
+                </a:solidFill>
+                <a:latin typeface="Arial" panose="020B0604020202020204" pitchFamily="34" charset="0"/>
+                <a:ea typeface="Verdana" pitchFamily="34" charset="0"/>
+                <a:cs typeface="Arial" panose="020B0604020202020204" pitchFamily="34" charset="0"/>
+              </a:rPr>
+            </a:br>
+            <a:r>
+              <a:rPr lang="en-US" sz="1000" b="1" dirty="0">
+                <a:solidFill>
+                  <a:srgbClr val="246090"/>
+                </a:solidFill>
+                <a:latin typeface="Arial" panose="020B0604020202020204" pitchFamily="34" charset="0"/>
+                <a:ea typeface="Verdana" pitchFamily="34" charset="0"/>
+                <a:cs typeface="Arial" panose="020B0604020202020204" pitchFamily="34" charset="0"/>
+              </a:rPr>
+              <a:t>10.0.20.0/24</a:t>
+            </a:r>
+          </a:p>
+        </p:txBody>
+      </p:sp>
+      <p:sp>
+        <p:nvSpPr>
+          <p:cNvPr id="92" name="TextBox 31">
+            <a:extLst>
+              <a:ext uri="{FF2B5EF4-FFF2-40B4-BE49-F238E27FC236}">
+                <a16:creationId xmlns:a16="http://schemas.microsoft.com/office/drawing/2014/main" id="{19BD8434-FD98-0D42-8E49-033DD75B60AC}"/>
+              </a:ext>
+            </a:extLst>
+          </p:cNvPr>
+          <p:cNvSpPr txBox="1">
+            <a:spLocks noChangeArrowheads="1"/>
+          </p:cNvSpPr>
+          <p:nvPr/>
+        </p:nvSpPr>
+        <p:spPr bwMode="auto">
+          <a:xfrm>
+            <a:off x="1628799" y="2182896"/>
+            <a:ext cx="2279646" cy="400110"/>
+          </a:xfrm>
+          <a:prstGeom prst="rect">
+            <a:avLst/>
+          </a:prstGeom>
+          <a:noFill/>
+          <a:ln w="9525">
+            <a:noFill/>
+            <a:miter lim="800000"/>
+            <a:headEnd/>
+            <a:tailEnd/>
+          </a:ln>
+        </p:spPr>
+        <p:txBody>
+          <a:bodyPr wrap="square">
+            <a:spAutoFit/>
+          </a:bodyPr>
+          <a:lstStyle/>
+          <a:p>
+            <a:pPr algn="ctr" defTabSz="914240"/>
+            <a:r>
+              <a:rPr lang="en-US" sz="1000" b="1" dirty="0">
+                <a:solidFill>
+                  <a:srgbClr val="009946"/>
+                </a:solidFill>
+                <a:latin typeface="Arial" panose="020B0604020202020204" pitchFamily="34" charset="0"/>
+                <a:ea typeface="Verdana" pitchFamily="34" charset="0"/>
+                <a:cs typeface="Arial" panose="020B0604020202020204" pitchFamily="34" charset="0"/>
+              </a:rPr>
+              <a:t>Public Subnet – AZ1</a:t>
+            </a:r>
+            <a:br>
+              <a:rPr lang="en-US" sz="1000" b="1" dirty="0">
+                <a:solidFill>
+                  <a:srgbClr val="009946"/>
+                </a:solidFill>
+                <a:latin typeface="Arial" panose="020B0604020202020204" pitchFamily="34" charset="0"/>
+                <a:ea typeface="Verdana" pitchFamily="34" charset="0"/>
+                <a:cs typeface="Arial" panose="020B0604020202020204" pitchFamily="34" charset="0"/>
+              </a:rPr>
+            </a:br>
+            <a:r>
+              <a:rPr lang="en-US" sz="1000" b="1" dirty="0">
+                <a:solidFill>
+                  <a:srgbClr val="009946"/>
+                </a:solidFill>
+                <a:latin typeface="Arial" panose="020B0604020202020204" pitchFamily="34" charset="0"/>
+                <a:ea typeface="Verdana" pitchFamily="34" charset="0"/>
+                <a:cs typeface="Arial" panose="020B0604020202020204" pitchFamily="34" charset="0"/>
+              </a:rPr>
+              <a:t>10.0.1.0/24</a:t>
+            </a:r>
+          </a:p>
+        </p:txBody>
+      </p:sp>
+      <p:pic>
+        <p:nvPicPr>
+          <p:cNvPr id="75" name="Graphic 74">
+            <a:extLst>
+              <a:ext uri="{FF2B5EF4-FFF2-40B4-BE49-F238E27FC236}">
+                <a16:creationId xmlns:a16="http://schemas.microsoft.com/office/drawing/2014/main" id="{B0570AD5-D9CA-6F47-A514-F6AC5CE3143E}"/>
+              </a:ext>
+            </a:extLst>
+          </p:cNvPr>
+          <p:cNvPicPr>
+            <a:picLocks noChangeAspect="1"/>
+          </p:cNvPicPr>
+          <p:nvPr/>
+        </p:nvPicPr>
+        <p:blipFill>
+          <a:blip r:embed="rId3">
+            <a:extLst>
+              <a:ext uri="{96DAC541-7B7A-43D3-8B79-37D633B846F1}">
+                <asvg:svgBlip xmlns:asvg="http://schemas.microsoft.com/office/drawing/2016/SVG/main" r:embed="rId4"/>
+              </a:ext>
+            </a:extLst>
+          </a:blip>
+          <a:stretch>
+            <a:fillRect/>
+          </a:stretch>
+        </p:blipFill>
+        <p:spPr>
+          <a:xfrm>
+            <a:off x="1056170" y="1645792"/>
+            <a:ext cx="261100" cy="261100"/>
+          </a:xfrm>
+          <a:prstGeom prst="rect">
+            <a:avLst/>
+          </a:prstGeom>
+        </p:spPr>
+      </p:pic>
+      <p:pic>
+        <p:nvPicPr>
+          <p:cNvPr id="111" name="Graphic 110">
+            <a:extLst>
+              <a:ext uri="{FF2B5EF4-FFF2-40B4-BE49-F238E27FC236}">
+                <a16:creationId xmlns:a16="http://schemas.microsoft.com/office/drawing/2014/main" id="{F920A97C-F7B6-1E4E-A3B1-DAF7D36CB905}"/>
+              </a:ext>
+            </a:extLst>
+          </p:cNvPr>
+          <p:cNvPicPr>
+            <a:picLocks noChangeAspect="1"/>
+          </p:cNvPicPr>
+          <p:nvPr/>
+        </p:nvPicPr>
+        <p:blipFill>
+          <a:blip r:embed="rId5">
+            <a:extLst>
+              <a:ext uri="{96DAC541-7B7A-43D3-8B79-37D633B846F1}">
+                <asvg:svgBlip xmlns:asvg="http://schemas.microsoft.com/office/drawing/2016/SVG/main" r:embed="rId6"/>
+              </a:ext>
+            </a:extLst>
+          </a:blip>
+          <a:stretch>
+            <a:fillRect/>
+          </a:stretch>
+        </p:blipFill>
+        <p:spPr>
+          <a:xfrm>
+            <a:off x="1632293" y="3608812"/>
+            <a:ext cx="208969" cy="208969"/>
+          </a:xfrm>
+          <a:prstGeom prst="rect">
+            <a:avLst/>
+          </a:prstGeom>
+        </p:spPr>
+      </p:pic>
+      <p:pic>
+        <p:nvPicPr>
+          <p:cNvPr id="132" name="Graphic 131">
+            <a:extLst>
+              <a:ext uri="{FF2B5EF4-FFF2-40B4-BE49-F238E27FC236}">
+                <a16:creationId xmlns:a16="http://schemas.microsoft.com/office/drawing/2014/main" id="{0A3C29CE-0DC5-1B48-A453-59B35CDA0423}"/>
+              </a:ext>
+            </a:extLst>
+          </p:cNvPr>
+          <p:cNvPicPr>
+            <a:picLocks noChangeAspect="1"/>
+          </p:cNvPicPr>
+          <p:nvPr/>
+        </p:nvPicPr>
+        <p:blipFill>
+          <a:blip r:embed="rId7">
+            <a:extLst>
+              <a:ext uri="{96DAC541-7B7A-43D3-8B79-37D633B846F1}">
+                <asvg:svgBlip xmlns:asvg="http://schemas.microsoft.com/office/drawing/2016/SVG/main" r:embed="rId8"/>
+              </a:ext>
+            </a:extLst>
+          </a:blip>
+          <a:stretch>
+            <a:fillRect/>
+          </a:stretch>
+        </p:blipFill>
+        <p:spPr>
+          <a:xfrm>
+            <a:off x="725498" y="1340996"/>
+            <a:ext cx="279290" cy="279290"/>
+          </a:xfrm>
+          <a:prstGeom prst="rect">
+            <a:avLst/>
+          </a:prstGeom>
+        </p:spPr>
+      </p:pic>
+      <p:sp>
+        <p:nvSpPr>
+          <p:cNvPr id="85" name="Rectangle 84">
+            <a:extLst>
+              <a:ext uri="{FF2B5EF4-FFF2-40B4-BE49-F238E27FC236}">
+                <a16:creationId xmlns:a16="http://schemas.microsoft.com/office/drawing/2014/main" id="{79791545-E256-8845-B455-7560811397C8}"/>
+              </a:ext>
+            </a:extLst>
+          </p:cNvPr>
+          <p:cNvSpPr/>
+          <p:nvPr/>
+        </p:nvSpPr>
+        <p:spPr>
+          <a:xfrm>
+            <a:off x="1050806" y="1638902"/>
+            <a:ext cx="6619377" cy="4642628"/>
+          </a:xfrm>
+          <a:prstGeom prst="rect">
+            <a:avLst/>
+          </a:prstGeom>
+          <a:noFill/>
+          <a:ln w="12700">
+            <a:solidFill>
+              <a:schemeClr val="tx1"/>
+            </a:solidFill>
+          </a:ln>
+        </p:spPr>
+        <p:style>
+          <a:lnRef idx="2">
+            <a:schemeClr val="accent1">
+              <a:shade val="50000"/>
+            </a:schemeClr>
+          </a:lnRef>
+          <a:fillRef idx="1">
+            <a:schemeClr val="accent1"/>
+          </a:fillRef>
+          <a:effectRef idx="0">
+            <a:schemeClr val="accent1"/>
+          </a:effectRef>
+          <a:fontRef idx="minor">
+            <a:schemeClr val="lt1"/>
+          </a:fontRef>
+        </p:style>
+        <p:txBody>
+          <a:bodyPr rot="0" spcFirstLastPara="0" vertOverflow="overflow" horzOverflow="overflow" vert="horz" wrap="square" lIns="457081" tIns="91416" rIns="91416" bIns="45708" numCol="1" spcCol="0" rtlCol="0" fromWordArt="0" anchor="t" anchorCtr="0" forceAA="0" compatLnSpc="1">
+            <a:prstTxWarp prst="textNoShape">
+              <a:avLst/>
+            </a:prstTxWarp>
+            <a:noAutofit/>
+          </a:bodyPr>
+          <a:lstStyle/>
+          <a:p>
+            <a:pPr defTabSz="914240"/>
+            <a:r>
+              <a:rPr lang="en-US" sz="1100" dirty="0">
+                <a:ln w="0"/>
+                <a:solidFill>
+                  <a:srgbClr val="000000"/>
+                </a:solidFill>
+                <a:latin typeface="Arial" panose="020B0604020202020204" pitchFamily="34" charset="0"/>
+                <a:cs typeface="Arial" panose="020B0604020202020204" pitchFamily="34" charset="0"/>
+              </a:rPr>
+              <a:t>Example VPC  10.0.0.0/16</a:t>
+            </a:r>
+          </a:p>
+        </p:txBody>
+      </p:sp>
+      <p:sp>
+        <p:nvSpPr>
+          <p:cNvPr id="86" name="Rectangle 85">
+            <a:extLst>
+              <a:ext uri="{FF2B5EF4-FFF2-40B4-BE49-F238E27FC236}">
+                <a16:creationId xmlns:a16="http://schemas.microsoft.com/office/drawing/2014/main" id="{309DB46F-98C7-4F48-9E91-419E0D9B8719}"/>
+              </a:ext>
+            </a:extLst>
+          </p:cNvPr>
+          <p:cNvSpPr/>
+          <p:nvPr/>
+        </p:nvSpPr>
+        <p:spPr>
+          <a:xfrm>
+            <a:off x="720781" y="1335926"/>
+            <a:ext cx="7222173" cy="5044997"/>
+          </a:xfrm>
+          <a:prstGeom prst="rect">
+            <a:avLst/>
+          </a:prstGeom>
+          <a:noFill/>
+          <a:ln w="12700">
+            <a:solidFill>
+              <a:schemeClr val="tx1"/>
+            </a:solidFill>
+            <a:prstDash val="sysDash"/>
+          </a:ln>
+        </p:spPr>
+        <p:style>
+          <a:lnRef idx="2">
+            <a:schemeClr val="accent1">
+              <a:shade val="50000"/>
+            </a:schemeClr>
+          </a:lnRef>
+          <a:fillRef idx="1">
+            <a:schemeClr val="accent1"/>
+          </a:fillRef>
+          <a:effectRef idx="0">
+            <a:schemeClr val="accent1"/>
+          </a:effectRef>
+          <a:fontRef idx="minor">
+            <a:schemeClr val="lt1"/>
+          </a:fontRef>
+        </p:style>
+        <p:txBody>
+          <a:bodyPr rot="0" spcFirstLastPara="0" vertOverflow="overflow" horzOverflow="overflow" vert="horz" wrap="square" lIns="457081" tIns="91416" rIns="91416" bIns="45708" numCol="1" spcCol="0" rtlCol="0" fromWordArt="0" anchor="t" anchorCtr="0" forceAA="0" compatLnSpc="1">
+            <a:prstTxWarp prst="textNoShape">
+              <a:avLst/>
+            </a:prstTxWarp>
+            <a:noAutofit/>
+          </a:bodyPr>
+          <a:lstStyle/>
+          <a:p>
+            <a:pPr defTabSz="914240"/>
+            <a:endParaRPr lang="en-US" sz="1200" dirty="0">
+              <a:solidFill>
+                <a:srgbClr val="000000"/>
+              </a:solidFill>
+              <a:latin typeface="Arial" panose="020B0604020202020204" pitchFamily="34" charset="0"/>
+              <a:cs typeface="Arial" panose="020B0604020202020204" pitchFamily="34" charset="0"/>
+            </a:endParaRPr>
+          </a:p>
+        </p:txBody>
+      </p:sp>
+      <p:sp>
+        <p:nvSpPr>
+          <p:cNvPr id="97" name="TextBox 96">
+            <a:extLst>
+              <a:ext uri="{FF2B5EF4-FFF2-40B4-BE49-F238E27FC236}">
+                <a16:creationId xmlns:a16="http://schemas.microsoft.com/office/drawing/2014/main" id="{23BFD901-3772-6541-BAA1-3DFDD149CB6C}"/>
+              </a:ext>
+            </a:extLst>
+          </p:cNvPr>
+          <p:cNvSpPr txBox="1"/>
+          <p:nvPr/>
+        </p:nvSpPr>
+        <p:spPr>
+          <a:xfrm>
+            <a:off x="1063561" y="1349440"/>
+            <a:ext cx="1865131" cy="296927"/>
+          </a:xfrm>
+          <a:prstGeom prst="rect">
+            <a:avLst/>
+          </a:prstGeom>
+          <a:noFill/>
+        </p:spPr>
+        <p:txBody>
+          <a:bodyPr wrap="square" rtlCol="0">
+            <a:spAutoFit/>
+          </a:bodyPr>
+          <a:lstStyle/>
+          <a:p>
+            <a:pPr defTabSz="457052">
+              <a:lnSpc>
+                <a:spcPct val="95000"/>
+              </a:lnSpc>
+              <a:spcAft>
+                <a:spcPts val="600"/>
+              </a:spcAft>
+            </a:pPr>
+            <a:r>
+              <a:rPr lang="en-US" sz="1400" dirty="0">
+                <a:solidFill>
+                  <a:srgbClr val="000000"/>
+                </a:solidFill>
+                <a:latin typeface="Arial" panose="020B0604020202020204" pitchFamily="34" charset="0"/>
+                <a:cs typeface="Arial" panose="020B0604020202020204" pitchFamily="34" charset="0"/>
+              </a:rPr>
+              <a:t>AWS Region</a:t>
+            </a:r>
+          </a:p>
+        </p:txBody>
+      </p:sp>
+      <p:sp>
+        <p:nvSpPr>
+          <p:cNvPr id="74" name="Rectangle 73">
+            <a:extLst>
+              <a:ext uri="{FF2B5EF4-FFF2-40B4-BE49-F238E27FC236}">
+                <a16:creationId xmlns:a16="http://schemas.microsoft.com/office/drawing/2014/main" id="{C88FB304-7F2C-B041-A32C-7512F6E3ABCB}"/>
+              </a:ext>
+            </a:extLst>
+          </p:cNvPr>
+          <p:cNvSpPr/>
+          <p:nvPr/>
+        </p:nvSpPr>
+        <p:spPr bwMode="auto">
+          <a:xfrm>
+            <a:off x="1628799" y="3601366"/>
+            <a:ext cx="2279646" cy="1203049"/>
+          </a:xfrm>
+          <a:prstGeom prst="rect">
+            <a:avLst/>
+          </a:prstGeom>
+          <a:noFill/>
+          <a:ln w="12700">
+            <a:solidFill>
+              <a:schemeClr val="tx1"/>
+            </a:solidFill>
+            <a:prstDash val="sysDot"/>
+            <a:headEnd type="none" w="med" len="med"/>
+            <a:tailEnd type="none" w="med" len="med"/>
+          </a:ln>
+          <a:effectLst/>
+        </p:spPr>
+        <p:style>
+          <a:lnRef idx="1">
+            <a:schemeClr val="accent2"/>
+          </a:lnRef>
+          <a:fillRef idx="3">
+            <a:schemeClr val="accent2"/>
+          </a:fillRef>
+          <a:effectRef idx="2">
+            <a:schemeClr val="accent2"/>
+          </a:effectRef>
+          <a:fontRef idx="minor">
+            <a:schemeClr val="lt1"/>
+          </a:fontRef>
+        </p:style>
+        <p:txBody>
+          <a:bodyPr rot="0" spcFirstLastPara="0" vertOverflow="overflow" horzOverflow="overflow" vert="horz" wrap="square" lIns="182784" tIns="146228" rIns="182784" bIns="146228" numCol="1" spcCol="0" rtlCol="0" fromWordArt="0" anchor="t" anchorCtr="0" forceAA="0" compatLnSpc="1">
+            <a:prstTxWarp prst="textNoShape">
+              <a:avLst/>
+            </a:prstTxWarp>
+            <a:noAutofit/>
+          </a:bodyPr>
+          <a:lstStyle/>
+          <a:p>
+            <a:pPr algn="ctr" defTabSz="931912" fontAlgn="base">
+              <a:lnSpc>
+                <a:spcPct val="90000"/>
+              </a:lnSpc>
+              <a:spcBef>
+                <a:spcPct val="0"/>
+              </a:spcBef>
+              <a:spcAft>
+                <a:spcPct val="0"/>
+              </a:spcAft>
+              <a:defRPr/>
+            </a:pPr>
+            <a:endParaRPr lang="en-US" sz="2398" dirty="0">
+              <a:solidFill>
+                <a:srgbClr val="000000"/>
+              </a:solidFill>
+              <a:latin typeface="Arial" panose="020B0604020202020204" pitchFamily="34" charset="0"/>
+              <a:cs typeface="Arial" panose="020B0604020202020204" pitchFamily="34" charset="0"/>
+            </a:endParaRPr>
+          </a:p>
+        </p:txBody>
+      </p:sp>
+      <p:sp>
+        <p:nvSpPr>
+          <p:cNvPr id="83" name="Rectangle 82">
+            <a:extLst>
+              <a:ext uri="{FF2B5EF4-FFF2-40B4-BE49-F238E27FC236}">
+                <a16:creationId xmlns:a16="http://schemas.microsoft.com/office/drawing/2014/main" id="{8BC8E35C-4F9F-D041-A99B-937F76E0140F}"/>
+              </a:ext>
+            </a:extLst>
+          </p:cNvPr>
+          <p:cNvSpPr/>
+          <p:nvPr/>
+        </p:nvSpPr>
+        <p:spPr bwMode="auto">
+          <a:xfrm>
+            <a:off x="1628799" y="2175492"/>
+            <a:ext cx="2279646" cy="1372522"/>
+          </a:xfrm>
+          <a:prstGeom prst="rect">
+            <a:avLst/>
+          </a:prstGeom>
+          <a:noFill/>
+          <a:ln w="12700">
+            <a:solidFill>
+              <a:schemeClr val="tx1"/>
+            </a:solidFill>
+            <a:prstDash val="sysDot"/>
+            <a:headEnd type="none" w="med" len="med"/>
+            <a:tailEnd type="none" w="med" len="med"/>
+          </a:ln>
+          <a:effectLst/>
+        </p:spPr>
+        <p:style>
+          <a:lnRef idx="1">
+            <a:schemeClr val="accent2"/>
+          </a:lnRef>
+          <a:fillRef idx="3">
+            <a:schemeClr val="accent2"/>
+          </a:fillRef>
+          <a:effectRef idx="2">
+            <a:schemeClr val="accent2"/>
+          </a:effectRef>
+          <a:fontRef idx="minor">
+            <a:schemeClr val="lt1"/>
+          </a:fontRef>
+        </p:style>
+        <p:txBody>
+          <a:bodyPr rot="0" spcFirstLastPara="0" vertOverflow="overflow" horzOverflow="overflow" vert="horz" wrap="square" lIns="182784" tIns="146228" rIns="182784" bIns="146228" numCol="1" spcCol="0" rtlCol="0" fromWordArt="0" anchor="t" anchorCtr="0" forceAA="0" compatLnSpc="1">
+            <a:prstTxWarp prst="textNoShape">
+              <a:avLst/>
+            </a:prstTxWarp>
+            <a:noAutofit/>
+          </a:bodyPr>
+          <a:lstStyle/>
+          <a:p>
+            <a:pPr algn="ctr" defTabSz="931912" fontAlgn="base">
+              <a:lnSpc>
+                <a:spcPct val="90000"/>
+              </a:lnSpc>
+              <a:spcBef>
+                <a:spcPct val="0"/>
+              </a:spcBef>
+              <a:spcAft>
+                <a:spcPct val="0"/>
+              </a:spcAft>
+              <a:defRPr/>
+            </a:pPr>
+            <a:endParaRPr lang="en-US" sz="2398" dirty="0">
+              <a:solidFill>
+                <a:srgbClr val="000000"/>
+              </a:solidFill>
+              <a:latin typeface="Arial" panose="020B0604020202020204" pitchFamily="34" charset="0"/>
+              <a:cs typeface="Arial" panose="020B0604020202020204" pitchFamily="34" charset="0"/>
+            </a:endParaRPr>
+          </a:p>
+        </p:txBody>
+      </p:sp>
+      <p:sp>
+        <p:nvSpPr>
+          <p:cNvPr id="94" name="TextBox 31">
+            <a:extLst>
+              <a:ext uri="{FF2B5EF4-FFF2-40B4-BE49-F238E27FC236}">
+                <a16:creationId xmlns:a16="http://schemas.microsoft.com/office/drawing/2014/main" id="{D0239A3F-F73D-504E-B13C-ECBF9611FB37}"/>
+              </a:ext>
+            </a:extLst>
+          </p:cNvPr>
+          <p:cNvSpPr txBox="1">
+            <a:spLocks noChangeArrowheads="1"/>
+          </p:cNvSpPr>
+          <p:nvPr/>
+        </p:nvSpPr>
+        <p:spPr bwMode="auto">
+          <a:xfrm>
+            <a:off x="1628799" y="3609478"/>
+            <a:ext cx="2279640" cy="400110"/>
+          </a:xfrm>
+          <a:prstGeom prst="rect">
+            <a:avLst/>
+          </a:prstGeom>
+          <a:noFill/>
+          <a:ln w="9525">
+            <a:noFill/>
+            <a:miter lim="800000"/>
+            <a:headEnd/>
+            <a:tailEnd/>
+          </a:ln>
+        </p:spPr>
+        <p:txBody>
+          <a:bodyPr wrap="square">
+            <a:spAutoFit/>
+          </a:bodyPr>
+          <a:lstStyle/>
+          <a:p>
+            <a:pPr algn="ctr" defTabSz="914240"/>
+            <a:r>
+              <a:rPr lang="en-US" sz="1000" b="1" dirty="0">
+                <a:solidFill>
+                  <a:srgbClr val="246090"/>
+                </a:solidFill>
+                <a:latin typeface="Arial" panose="020B0604020202020204" pitchFamily="34" charset="0"/>
+                <a:ea typeface="Verdana" pitchFamily="34" charset="0"/>
+                <a:cs typeface="Arial" panose="020B0604020202020204" pitchFamily="34" charset="0"/>
+              </a:rPr>
+              <a:t>Private Subnet – AZ1  </a:t>
+            </a:r>
+            <a:br>
+              <a:rPr lang="en-US" sz="1000" b="1" dirty="0">
+                <a:solidFill>
+                  <a:srgbClr val="246090"/>
+                </a:solidFill>
+                <a:latin typeface="Arial" panose="020B0604020202020204" pitchFamily="34" charset="0"/>
+                <a:ea typeface="Verdana" pitchFamily="34" charset="0"/>
+                <a:cs typeface="Arial" panose="020B0604020202020204" pitchFamily="34" charset="0"/>
+              </a:rPr>
+            </a:br>
+            <a:r>
+              <a:rPr lang="en-US" sz="1000" b="1" dirty="0">
+                <a:solidFill>
+                  <a:srgbClr val="246090"/>
+                </a:solidFill>
+                <a:latin typeface="Arial" panose="020B0604020202020204" pitchFamily="34" charset="0"/>
+                <a:ea typeface="Verdana" pitchFamily="34" charset="0"/>
+                <a:cs typeface="Arial" panose="020B0604020202020204" pitchFamily="34" charset="0"/>
+              </a:rPr>
+              <a:t>10.0.2.0/24</a:t>
+            </a:r>
+          </a:p>
+        </p:txBody>
+      </p:sp>
+      <p:sp>
+        <p:nvSpPr>
+          <p:cNvPr id="104" name="Rectangle 103">
+            <a:extLst>
+              <a:ext uri="{FF2B5EF4-FFF2-40B4-BE49-F238E27FC236}">
+                <a16:creationId xmlns:a16="http://schemas.microsoft.com/office/drawing/2014/main" id="{BFB4009B-D071-9D45-B72F-AE61FE717A47}"/>
+              </a:ext>
+            </a:extLst>
+          </p:cNvPr>
+          <p:cNvSpPr/>
+          <p:nvPr/>
+        </p:nvSpPr>
+        <p:spPr>
+          <a:xfrm>
+            <a:off x="1364637" y="1946328"/>
+            <a:ext cx="2801448" cy="3970161"/>
+          </a:xfrm>
+          <a:prstGeom prst="rect">
+            <a:avLst/>
+          </a:prstGeom>
+          <a:noFill/>
+          <a:ln w="12700">
+            <a:solidFill>
+              <a:schemeClr val="tx1"/>
+            </a:solidFill>
+            <a:prstDash val="dash"/>
+          </a:ln>
+        </p:spPr>
+        <p:style>
+          <a:lnRef idx="2">
+            <a:schemeClr val="accent1">
+              <a:shade val="50000"/>
+            </a:schemeClr>
+          </a:lnRef>
+          <a:fillRef idx="1">
+            <a:schemeClr val="accent1"/>
+          </a:fillRef>
+          <a:effectRef idx="0">
+            <a:schemeClr val="accent1"/>
+          </a:effectRef>
+          <a:fontRef idx="minor">
+            <a:schemeClr val="lt1"/>
+          </a:fontRef>
+        </p:style>
+        <p:txBody>
+          <a:bodyPr rot="0" spcFirstLastPara="0" vertOverflow="overflow" horzOverflow="overflow" vert="horz" wrap="square" lIns="91416" tIns="91416" rIns="91416" bIns="45708" numCol="1" spcCol="0" rtlCol="0" fromWordArt="0" anchor="t" anchorCtr="0" forceAA="0" compatLnSpc="1">
+            <a:prstTxWarp prst="textNoShape">
+              <a:avLst/>
+            </a:prstTxWarp>
+            <a:noAutofit/>
+          </a:bodyPr>
+          <a:lstStyle/>
+          <a:p>
+            <a:pPr algn="ctr" defTabSz="914240"/>
+            <a:endParaRPr lang="en-US" sz="1200" dirty="0">
+              <a:solidFill>
+                <a:srgbClr val="000000"/>
+              </a:solidFill>
+              <a:latin typeface="Arial" panose="020B0604020202020204" pitchFamily="34" charset="0"/>
+              <a:cs typeface="Arial" panose="020B0604020202020204" pitchFamily="34" charset="0"/>
+            </a:endParaRPr>
+          </a:p>
+        </p:txBody>
+      </p:sp>
+      <p:sp>
+        <p:nvSpPr>
+          <p:cNvPr id="142" name="Rectangle 141">
+            <a:extLst>
+              <a:ext uri="{FF2B5EF4-FFF2-40B4-BE49-F238E27FC236}">
+                <a16:creationId xmlns:a16="http://schemas.microsoft.com/office/drawing/2014/main" id="{1CD0AD65-3B0E-C443-ABD0-6D0060800320}"/>
+              </a:ext>
+            </a:extLst>
+          </p:cNvPr>
+          <p:cNvSpPr/>
+          <p:nvPr/>
+        </p:nvSpPr>
+        <p:spPr>
+          <a:xfrm>
+            <a:off x="2137558" y="5975900"/>
+            <a:ext cx="1255472" cy="246221"/>
+          </a:xfrm>
+          <a:prstGeom prst="rect">
+            <a:avLst/>
+          </a:prstGeom>
+        </p:spPr>
+        <p:txBody>
+          <a:bodyPr wrap="none">
+            <a:spAutoFit/>
+          </a:bodyPr>
+          <a:lstStyle/>
+          <a:p>
+            <a:pPr defTabSz="914240"/>
+            <a:r>
+              <a:rPr lang="en-US" sz="1000" dirty="0">
+                <a:solidFill>
+                  <a:srgbClr val="000000"/>
+                </a:solidFill>
+                <a:latin typeface="Arial" panose="020B0604020202020204" pitchFamily="34" charset="0"/>
+                <a:cs typeface="Arial" panose="020B0604020202020204" pitchFamily="34" charset="0"/>
+              </a:rPr>
+              <a:t> Availability Zone 1</a:t>
+            </a:r>
+          </a:p>
+        </p:txBody>
+      </p:sp>
+      <p:pic>
+        <p:nvPicPr>
+          <p:cNvPr id="100" name="Graphic 99">
+            <a:extLst>
+              <a:ext uri="{FF2B5EF4-FFF2-40B4-BE49-F238E27FC236}">
+                <a16:creationId xmlns:a16="http://schemas.microsoft.com/office/drawing/2014/main" id="{91B9BD18-2036-DC45-9874-B8F210E02677}"/>
+              </a:ext>
+            </a:extLst>
+          </p:cNvPr>
+          <p:cNvPicPr>
+            <a:picLocks noChangeAspect="1"/>
+          </p:cNvPicPr>
+          <p:nvPr/>
+        </p:nvPicPr>
+        <p:blipFill>
+          <a:blip r:embed="rId9">
+            <a:extLst>
+              <a:ext uri="{96DAC541-7B7A-43D3-8B79-37D633B846F1}">
+                <asvg:svgBlip xmlns:asvg="http://schemas.microsoft.com/office/drawing/2016/SVG/main" r:embed="rId10"/>
+              </a:ext>
+            </a:extLst>
+          </a:blip>
+          <a:stretch>
+            <a:fillRect/>
+          </a:stretch>
+        </p:blipFill>
+        <p:spPr>
+          <a:xfrm>
+            <a:off x="1638139" y="2177665"/>
+            <a:ext cx="197276" cy="197276"/>
+          </a:xfrm>
+          <a:prstGeom prst="rect">
+            <a:avLst/>
+          </a:prstGeom>
+        </p:spPr>
+      </p:pic>
+      <p:sp>
+        <p:nvSpPr>
+          <p:cNvPr id="11" name="TextBox 10">
+            <a:extLst>
+              <a:ext uri="{FF2B5EF4-FFF2-40B4-BE49-F238E27FC236}">
+                <a16:creationId xmlns:a16="http://schemas.microsoft.com/office/drawing/2014/main" id="{D2732F1B-0778-C244-892E-931759D66B84}"/>
+              </a:ext>
+            </a:extLst>
+          </p:cNvPr>
+          <p:cNvSpPr txBox="1"/>
+          <p:nvPr/>
+        </p:nvSpPr>
+        <p:spPr>
+          <a:xfrm>
+            <a:off x="3164947" y="-384911"/>
+            <a:ext cx="184683" cy="296927"/>
+          </a:xfrm>
+          <a:prstGeom prst="rect">
+            <a:avLst/>
+          </a:prstGeom>
+          <a:noFill/>
+        </p:spPr>
+        <p:txBody>
+          <a:bodyPr wrap="none" rtlCol="0">
+            <a:spAutoFit/>
+          </a:bodyPr>
+          <a:lstStyle/>
+          <a:p>
+            <a:pPr algn="ctr" defTabSz="457052">
+              <a:lnSpc>
+                <a:spcPct val="95000"/>
+              </a:lnSpc>
+              <a:spcAft>
+                <a:spcPts val="600"/>
+              </a:spcAft>
+            </a:pPr>
+            <a:endParaRPr lang="en-US" sz="1400" dirty="0">
+              <a:solidFill>
+                <a:srgbClr val="000000"/>
+              </a:solidFill>
+              <a:latin typeface="Arial"/>
+              <a:cs typeface="Arial" panose="020B0604020202020204" pitchFamily="34" charset="0"/>
+            </a:endParaRPr>
+          </a:p>
+        </p:txBody>
+      </p:sp>
+      <p:graphicFrame>
+        <p:nvGraphicFramePr>
+          <p:cNvPr id="65" name="Table 64">
+            <a:extLst>
+              <a:ext uri="{FF2B5EF4-FFF2-40B4-BE49-F238E27FC236}">
+                <a16:creationId xmlns:a16="http://schemas.microsoft.com/office/drawing/2014/main" id="{5679986D-2717-CA4D-A079-96C92AD4148C}"/>
+              </a:ext>
+            </a:extLst>
+          </p:cNvPr>
+          <p:cNvGraphicFramePr>
+            <a:graphicFrameLocks noGrp="1"/>
+          </p:cNvGraphicFramePr>
+          <p:nvPr/>
+        </p:nvGraphicFramePr>
+        <p:xfrm>
+          <a:off x="1950382" y="5169457"/>
+          <a:ext cx="1571854" cy="678209"/>
+        </p:xfrm>
+        <a:graphic>
+          <a:graphicData uri="http://schemas.openxmlformats.org/drawingml/2006/table">
+            <a:tbl>
+              <a:tblPr firstRow="1" bandRow="1">
+                <a:tableStyleId>{073A0DAA-6AF3-43AB-8588-CEC1D06C72B9}</a:tableStyleId>
+              </a:tblPr>
+              <a:tblGrid>
+                <a:gridCol w="761706">
+                  <a:extLst>
+                    <a:ext uri="{9D8B030D-6E8A-4147-A177-3AD203B41FA5}">
+                      <a16:colId xmlns:a16="http://schemas.microsoft.com/office/drawing/2014/main" val="1496157643"/>
+                    </a:ext>
+                  </a:extLst>
+                </a:gridCol>
+                <a:gridCol w="810148">
+                  <a:extLst>
+                    <a:ext uri="{9D8B030D-6E8A-4147-A177-3AD203B41FA5}">
+                      <a16:colId xmlns:a16="http://schemas.microsoft.com/office/drawing/2014/main" val="1555211470"/>
+                    </a:ext>
+                  </a:extLst>
+                </a:gridCol>
+              </a:tblGrid>
+              <a:tr h="213304">
+                <a:tc>
+                  <a:txBody>
+                    <a:bodyPr/>
+                    <a:lstStyle/>
+                    <a:p>
+                      <a:pPr algn="ctr"/>
+                      <a:r>
+                        <a:rPr lang="en-US" sz="800" dirty="0"/>
+                        <a:t>Destination</a:t>
+                      </a:r>
+                    </a:p>
+                  </a:txBody>
+                  <a:tcPr marL="91416" marR="91416" marT="45708" marB="45708" anchor="ctr"/>
+                </a:tc>
+                <a:tc>
+                  <a:txBody>
+                    <a:bodyPr/>
+                    <a:lstStyle/>
+                    <a:p>
+                      <a:pPr algn="ctr"/>
+                      <a:r>
+                        <a:rPr lang="en-US" sz="800" dirty="0"/>
+                        <a:t>Target</a:t>
+                      </a:r>
+                    </a:p>
+                  </a:txBody>
+                  <a:tcPr marL="91416" marR="91416" marT="45708" marB="45708" anchor="ctr"/>
+                </a:tc>
+                <a:extLst>
+                  <a:ext uri="{0D108BD9-81ED-4DB2-BD59-A6C34878D82A}">
+                    <a16:rowId xmlns:a16="http://schemas.microsoft.com/office/drawing/2014/main" val="3762613218"/>
+                  </a:ext>
+                </a:extLst>
+              </a:tr>
+              <a:tr h="213304">
+                <a:tc>
+                  <a:txBody>
+                    <a:bodyPr/>
+                    <a:lstStyle/>
+                    <a:p>
+                      <a:pPr algn="ctr"/>
+                      <a:r>
+                        <a:rPr lang="en-US" sz="800" dirty="0"/>
+                        <a:t>10.0.0.0/16</a:t>
+                      </a:r>
+                    </a:p>
+                  </a:txBody>
+                  <a:tcPr marL="91416" marR="91416" marT="45708" marB="45708" anchor="ctr"/>
+                </a:tc>
+                <a:tc>
+                  <a:txBody>
+                    <a:bodyPr/>
+                    <a:lstStyle/>
+                    <a:p>
+                      <a:pPr algn="ctr"/>
+                      <a:r>
+                        <a:rPr lang="en-US" sz="800" dirty="0"/>
+                        <a:t>Local</a:t>
+                      </a:r>
+                    </a:p>
+                  </a:txBody>
+                  <a:tcPr marL="91416" marR="91416" marT="45708" marB="45708" anchor="ctr"/>
+                </a:tc>
+                <a:extLst>
+                  <a:ext uri="{0D108BD9-81ED-4DB2-BD59-A6C34878D82A}">
+                    <a16:rowId xmlns:a16="http://schemas.microsoft.com/office/drawing/2014/main" val="2464361127"/>
+                  </a:ext>
+                </a:extLst>
+              </a:tr>
+              <a:tr h="251537">
+                <a:tc>
+                  <a:txBody>
+                    <a:bodyPr/>
+                    <a:lstStyle/>
+                    <a:p>
+                      <a:pPr algn="ctr"/>
+                      <a:r>
+                        <a:rPr lang="en-US" sz="800" dirty="0"/>
+                        <a:t>0.0.0.0/0</a:t>
+                      </a:r>
+                    </a:p>
+                  </a:txBody>
+                  <a:tcPr marL="91416" marR="91416" marT="45708" marB="45708" anchor="ctr"/>
+                </a:tc>
+                <a:tc>
+                  <a:txBody>
+                    <a:bodyPr/>
+                    <a:lstStyle/>
+                    <a:p>
+                      <a:pPr algn="ctr"/>
+                      <a:r>
+                        <a:rPr lang="en-US" sz="800" b="1" u="none" dirty="0">
+                          <a:solidFill>
+                            <a:schemeClr val="tx1"/>
+                          </a:solidFill>
+                        </a:rPr>
+                        <a:t>Internet GW</a:t>
+                      </a:r>
+                    </a:p>
+                  </a:txBody>
+                  <a:tcPr marL="91416" marR="91416" marT="45708" marB="45708" anchor="ctr"/>
+                </a:tc>
+                <a:extLst>
+                  <a:ext uri="{0D108BD9-81ED-4DB2-BD59-A6C34878D82A}">
+                    <a16:rowId xmlns:a16="http://schemas.microsoft.com/office/drawing/2014/main" val="505317756"/>
+                  </a:ext>
+                </a:extLst>
+              </a:tr>
+            </a:tbl>
+          </a:graphicData>
+        </a:graphic>
+      </p:graphicFrame>
+      <p:pic>
+        <p:nvPicPr>
+          <p:cNvPr id="79" name="Graphic 78">
+            <a:extLst>
+              <a:ext uri="{FF2B5EF4-FFF2-40B4-BE49-F238E27FC236}">
+                <a16:creationId xmlns:a16="http://schemas.microsoft.com/office/drawing/2014/main" id="{2E2E611A-99FB-5C45-AAFE-5BB5DA9FA406}"/>
+              </a:ext>
+            </a:extLst>
+          </p:cNvPr>
+          <p:cNvPicPr>
+            <a:picLocks noChangeAspect="1"/>
+          </p:cNvPicPr>
+          <p:nvPr/>
+        </p:nvPicPr>
+        <p:blipFill>
+          <a:blip r:embed="rId11">
+            <a:extLst>
+              <a:ext uri="{96DAC541-7B7A-43D3-8B79-37D633B846F1}">
+                <asvg:svgBlip xmlns:asvg="http://schemas.microsoft.com/office/drawing/2016/SVG/main" r:embed="rId12"/>
+              </a:ext>
+            </a:extLst>
+          </a:blip>
+          <a:stretch>
+            <a:fillRect/>
+          </a:stretch>
+        </p:blipFill>
+        <p:spPr>
+          <a:xfrm>
+            <a:off x="4061661" y="1407835"/>
+            <a:ext cx="469778" cy="469778"/>
+          </a:xfrm>
+          <a:prstGeom prst="rect">
+            <a:avLst/>
+          </a:prstGeom>
+        </p:spPr>
+      </p:pic>
+      <p:sp>
+        <p:nvSpPr>
+          <p:cNvPr id="91" name="Rectangle 90">
+            <a:extLst>
+              <a:ext uri="{FF2B5EF4-FFF2-40B4-BE49-F238E27FC236}">
+                <a16:creationId xmlns:a16="http://schemas.microsoft.com/office/drawing/2014/main" id="{C3E21D9B-8072-FA4D-B3AD-4C0CB19AB381}"/>
+              </a:ext>
+            </a:extLst>
+          </p:cNvPr>
+          <p:cNvSpPr/>
+          <p:nvPr/>
+        </p:nvSpPr>
+        <p:spPr>
+          <a:xfrm>
+            <a:off x="3898166" y="1123553"/>
+            <a:ext cx="766357" cy="215388"/>
+          </a:xfrm>
+          <a:prstGeom prst="rect">
+            <a:avLst/>
+          </a:prstGeom>
+        </p:spPr>
+        <p:txBody>
+          <a:bodyPr wrap="none">
+            <a:spAutoFit/>
+          </a:bodyPr>
+          <a:lstStyle/>
+          <a:p>
+            <a:pPr defTabSz="914240"/>
+            <a:r>
+              <a:rPr lang="en-US" sz="800" b="1" dirty="0">
+                <a:solidFill>
+                  <a:srgbClr val="000000"/>
+                </a:solidFill>
+                <a:latin typeface="Arial"/>
+              </a:rPr>
+              <a:t>Internet GW</a:t>
+            </a:r>
+          </a:p>
+        </p:txBody>
+      </p:sp>
+      <p:sp>
+        <p:nvSpPr>
+          <p:cNvPr id="15" name="TextBox 31">
+            <a:extLst>
+              <a:ext uri="{FF2B5EF4-FFF2-40B4-BE49-F238E27FC236}">
+                <a16:creationId xmlns:a16="http://schemas.microsoft.com/office/drawing/2014/main" id="{7A366FB5-2B14-AF48-A6AB-1D679702726A}"/>
+              </a:ext>
+            </a:extLst>
+          </p:cNvPr>
+          <p:cNvSpPr txBox="1">
+            <a:spLocks noChangeArrowheads="1"/>
+          </p:cNvSpPr>
+          <p:nvPr/>
+        </p:nvSpPr>
+        <p:spPr bwMode="auto">
+          <a:xfrm>
+            <a:off x="4690244" y="2197944"/>
+            <a:ext cx="2279646" cy="400110"/>
+          </a:xfrm>
+          <a:prstGeom prst="rect">
+            <a:avLst/>
+          </a:prstGeom>
+          <a:noFill/>
+          <a:ln w="9525">
+            <a:noFill/>
+            <a:miter lim="800000"/>
+            <a:headEnd/>
+            <a:tailEnd/>
+          </a:ln>
+        </p:spPr>
+        <p:txBody>
+          <a:bodyPr wrap="square">
+            <a:spAutoFit/>
+          </a:bodyPr>
+          <a:lstStyle/>
+          <a:p>
+            <a:pPr algn="ctr" defTabSz="914240"/>
+            <a:r>
+              <a:rPr lang="en-US" sz="1000" b="1" dirty="0">
+                <a:solidFill>
+                  <a:srgbClr val="009946"/>
+                </a:solidFill>
+                <a:latin typeface="Arial" panose="020B0604020202020204" pitchFamily="34" charset="0"/>
+                <a:ea typeface="Verdana" pitchFamily="34" charset="0"/>
+                <a:cs typeface="Arial" panose="020B0604020202020204" pitchFamily="34" charset="0"/>
+              </a:rPr>
+              <a:t>Public Subnet – AZ2</a:t>
+            </a:r>
+            <a:br>
+              <a:rPr lang="en-US" sz="1000" b="1" dirty="0">
+                <a:solidFill>
+                  <a:srgbClr val="009946"/>
+                </a:solidFill>
+                <a:latin typeface="Arial" panose="020B0604020202020204" pitchFamily="34" charset="0"/>
+                <a:ea typeface="Verdana" pitchFamily="34" charset="0"/>
+                <a:cs typeface="Arial" panose="020B0604020202020204" pitchFamily="34" charset="0"/>
+              </a:rPr>
+            </a:br>
+            <a:r>
+              <a:rPr lang="en-US" sz="1000" b="1" dirty="0">
+                <a:solidFill>
+                  <a:srgbClr val="009946"/>
+                </a:solidFill>
+                <a:latin typeface="Arial" panose="020B0604020202020204" pitchFamily="34" charset="0"/>
+                <a:ea typeface="Verdana" pitchFamily="34" charset="0"/>
+                <a:cs typeface="Arial" panose="020B0604020202020204" pitchFamily="34" charset="0"/>
+              </a:rPr>
+              <a:t>10.0.10.0/24</a:t>
+            </a:r>
+          </a:p>
+        </p:txBody>
+      </p:sp>
+      <p:pic>
+        <p:nvPicPr>
+          <p:cNvPr id="16" name="Graphic 15">
+            <a:extLst>
+              <a:ext uri="{FF2B5EF4-FFF2-40B4-BE49-F238E27FC236}">
+                <a16:creationId xmlns:a16="http://schemas.microsoft.com/office/drawing/2014/main" id="{5ECF96CD-229D-8355-D3CA-605B8C773D49}"/>
+              </a:ext>
+            </a:extLst>
+          </p:cNvPr>
+          <p:cNvPicPr>
+            <a:picLocks noChangeAspect="1"/>
+          </p:cNvPicPr>
+          <p:nvPr/>
+        </p:nvPicPr>
+        <p:blipFill>
+          <a:blip r:embed="rId5">
+            <a:extLst>
+              <a:ext uri="{96DAC541-7B7A-43D3-8B79-37D633B846F1}">
+                <asvg:svgBlip xmlns:asvg="http://schemas.microsoft.com/office/drawing/2016/SVG/main" r:embed="rId6"/>
+              </a:ext>
+            </a:extLst>
+          </a:blip>
+          <a:stretch>
+            <a:fillRect/>
+          </a:stretch>
+        </p:blipFill>
+        <p:spPr>
+          <a:xfrm>
+            <a:off x="4693738" y="3603982"/>
+            <a:ext cx="208969" cy="208969"/>
+          </a:xfrm>
+          <a:prstGeom prst="rect">
+            <a:avLst/>
+          </a:prstGeom>
+        </p:spPr>
+      </p:pic>
+      <p:sp>
+        <p:nvSpPr>
+          <p:cNvPr id="17" name="Rectangle 16">
+            <a:extLst>
+              <a:ext uri="{FF2B5EF4-FFF2-40B4-BE49-F238E27FC236}">
+                <a16:creationId xmlns:a16="http://schemas.microsoft.com/office/drawing/2014/main" id="{958BF88D-8378-9E8C-D6AC-4EF38E5945D6}"/>
+              </a:ext>
+            </a:extLst>
+          </p:cNvPr>
+          <p:cNvSpPr/>
+          <p:nvPr/>
+        </p:nvSpPr>
+        <p:spPr bwMode="auto">
+          <a:xfrm>
+            <a:off x="4690244" y="3599194"/>
+            <a:ext cx="2279646" cy="1205221"/>
+          </a:xfrm>
+          <a:prstGeom prst="rect">
+            <a:avLst/>
+          </a:prstGeom>
+          <a:noFill/>
+          <a:ln w="12700">
+            <a:solidFill>
+              <a:schemeClr val="tx1"/>
+            </a:solidFill>
+            <a:prstDash val="sysDot"/>
+            <a:headEnd type="none" w="med" len="med"/>
+            <a:tailEnd type="none" w="med" len="med"/>
+          </a:ln>
+          <a:effectLst/>
+        </p:spPr>
+        <p:style>
+          <a:lnRef idx="1">
+            <a:schemeClr val="accent2"/>
+          </a:lnRef>
+          <a:fillRef idx="3">
+            <a:schemeClr val="accent2"/>
+          </a:fillRef>
+          <a:effectRef idx="2">
+            <a:schemeClr val="accent2"/>
+          </a:effectRef>
+          <a:fontRef idx="minor">
+            <a:schemeClr val="lt1"/>
+          </a:fontRef>
+        </p:style>
+        <p:txBody>
+          <a:bodyPr rot="0" spcFirstLastPara="0" vertOverflow="overflow" horzOverflow="overflow" vert="horz" wrap="square" lIns="182784" tIns="146228" rIns="182784" bIns="146228" numCol="1" spcCol="0" rtlCol="0" fromWordArt="0" anchor="t" anchorCtr="0" forceAA="0" compatLnSpc="1">
+            <a:prstTxWarp prst="textNoShape">
+              <a:avLst/>
+            </a:prstTxWarp>
+            <a:noAutofit/>
+          </a:bodyPr>
+          <a:lstStyle/>
+          <a:p>
+            <a:pPr algn="ctr" defTabSz="931912" fontAlgn="base">
+              <a:lnSpc>
+                <a:spcPct val="90000"/>
+              </a:lnSpc>
+              <a:spcBef>
+                <a:spcPct val="0"/>
+              </a:spcBef>
+              <a:spcAft>
+                <a:spcPct val="0"/>
+              </a:spcAft>
+              <a:defRPr/>
+            </a:pPr>
+            <a:endParaRPr lang="en-US" sz="2398" dirty="0">
+              <a:solidFill>
+                <a:srgbClr val="000000"/>
+              </a:solidFill>
+              <a:latin typeface="Arial" panose="020B0604020202020204" pitchFamily="34" charset="0"/>
+              <a:cs typeface="Arial" panose="020B0604020202020204" pitchFamily="34" charset="0"/>
+            </a:endParaRPr>
+          </a:p>
+        </p:txBody>
+      </p:sp>
+      <p:sp>
+        <p:nvSpPr>
+          <p:cNvPr id="18" name="Rectangle 17">
+            <a:extLst>
+              <a:ext uri="{FF2B5EF4-FFF2-40B4-BE49-F238E27FC236}">
+                <a16:creationId xmlns:a16="http://schemas.microsoft.com/office/drawing/2014/main" id="{83EA7364-4835-803D-71F1-6150741FC43B}"/>
+              </a:ext>
+            </a:extLst>
+          </p:cNvPr>
+          <p:cNvSpPr/>
+          <p:nvPr/>
+        </p:nvSpPr>
+        <p:spPr bwMode="auto">
+          <a:xfrm>
+            <a:off x="4690244" y="2190540"/>
+            <a:ext cx="2279646" cy="1354472"/>
+          </a:xfrm>
+          <a:prstGeom prst="rect">
+            <a:avLst/>
+          </a:prstGeom>
+          <a:noFill/>
+          <a:ln w="12700">
+            <a:solidFill>
+              <a:schemeClr val="tx1"/>
+            </a:solidFill>
+            <a:prstDash val="sysDot"/>
+            <a:headEnd type="none" w="med" len="med"/>
+            <a:tailEnd type="none" w="med" len="med"/>
+          </a:ln>
+          <a:effectLst/>
+        </p:spPr>
+        <p:style>
+          <a:lnRef idx="1">
+            <a:schemeClr val="accent2"/>
+          </a:lnRef>
+          <a:fillRef idx="3">
+            <a:schemeClr val="accent2"/>
+          </a:fillRef>
+          <a:effectRef idx="2">
+            <a:schemeClr val="accent2"/>
+          </a:effectRef>
+          <a:fontRef idx="minor">
+            <a:schemeClr val="lt1"/>
+          </a:fontRef>
+        </p:style>
+        <p:txBody>
+          <a:bodyPr rot="0" spcFirstLastPara="0" vertOverflow="overflow" horzOverflow="overflow" vert="horz" wrap="square" lIns="182784" tIns="146228" rIns="182784" bIns="146228" numCol="1" spcCol="0" rtlCol="0" fromWordArt="0" anchor="t" anchorCtr="0" forceAA="0" compatLnSpc="1">
+            <a:prstTxWarp prst="textNoShape">
+              <a:avLst/>
+            </a:prstTxWarp>
+            <a:noAutofit/>
+          </a:bodyPr>
+          <a:lstStyle/>
+          <a:p>
+            <a:pPr algn="ctr" defTabSz="931912" fontAlgn="base">
+              <a:lnSpc>
+                <a:spcPct val="90000"/>
+              </a:lnSpc>
+              <a:spcBef>
+                <a:spcPct val="0"/>
+              </a:spcBef>
+              <a:spcAft>
+                <a:spcPct val="0"/>
+              </a:spcAft>
+              <a:defRPr/>
+            </a:pPr>
+            <a:endParaRPr lang="en-US" sz="2398" dirty="0">
+              <a:solidFill>
+                <a:srgbClr val="000000"/>
+              </a:solidFill>
+              <a:latin typeface="Arial" panose="020B0604020202020204" pitchFamily="34" charset="0"/>
+              <a:cs typeface="Arial" panose="020B0604020202020204" pitchFamily="34" charset="0"/>
+            </a:endParaRPr>
+          </a:p>
+        </p:txBody>
+      </p:sp>
+      <p:sp>
+        <p:nvSpPr>
+          <p:cNvPr id="20" name="Rectangle 19">
+            <a:extLst>
+              <a:ext uri="{FF2B5EF4-FFF2-40B4-BE49-F238E27FC236}">
+                <a16:creationId xmlns:a16="http://schemas.microsoft.com/office/drawing/2014/main" id="{716A88BA-18C0-ED48-56FB-38AEA30F8305}"/>
+              </a:ext>
+            </a:extLst>
+          </p:cNvPr>
+          <p:cNvSpPr/>
+          <p:nvPr/>
+        </p:nvSpPr>
+        <p:spPr>
+          <a:xfrm>
+            <a:off x="4426082" y="1946898"/>
+            <a:ext cx="2801448" cy="3969591"/>
+          </a:xfrm>
+          <a:prstGeom prst="rect">
+            <a:avLst/>
+          </a:prstGeom>
+          <a:noFill/>
+          <a:ln w="12700">
+            <a:solidFill>
+              <a:schemeClr val="tx1"/>
+            </a:solidFill>
+            <a:prstDash val="dash"/>
+          </a:ln>
+        </p:spPr>
+        <p:style>
+          <a:lnRef idx="2">
+            <a:schemeClr val="accent1">
+              <a:shade val="50000"/>
+            </a:schemeClr>
+          </a:lnRef>
+          <a:fillRef idx="1">
+            <a:schemeClr val="accent1"/>
+          </a:fillRef>
+          <a:effectRef idx="0">
+            <a:schemeClr val="accent1"/>
+          </a:effectRef>
+          <a:fontRef idx="minor">
+            <a:schemeClr val="lt1"/>
+          </a:fontRef>
+        </p:style>
+        <p:txBody>
+          <a:bodyPr rot="0" spcFirstLastPara="0" vertOverflow="overflow" horzOverflow="overflow" vert="horz" wrap="square" lIns="91416" tIns="91416" rIns="91416" bIns="45708" numCol="1" spcCol="0" rtlCol="0" fromWordArt="0" anchor="t" anchorCtr="0" forceAA="0" compatLnSpc="1">
+            <a:prstTxWarp prst="textNoShape">
+              <a:avLst/>
+            </a:prstTxWarp>
+            <a:noAutofit/>
+          </a:bodyPr>
+          <a:lstStyle/>
+          <a:p>
+            <a:pPr algn="ctr" defTabSz="914240"/>
+            <a:endParaRPr lang="en-US" sz="1200" dirty="0">
+              <a:solidFill>
+                <a:srgbClr val="000000"/>
+              </a:solidFill>
+              <a:latin typeface="Arial" panose="020B0604020202020204" pitchFamily="34" charset="0"/>
+              <a:cs typeface="Arial" panose="020B0604020202020204" pitchFamily="34" charset="0"/>
+            </a:endParaRPr>
+          </a:p>
+        </p:txBody>
+      </p:sp>
+      <p:sp>
+        <p:nvSpPr>
+          <p:cNvPr id="21" name="Rectangle 20">
+            <a:extLst>
+              <a:ext uri="{FF2B5EF4-FFF2-40B4-BE49-F238E27FC236}">
+                <a16:creationId xmlns:a16="http://schemas.microsoft.com/office/drawing/2014/main" id="{BAF7B338-01A3-C1B1-4E98-E92A2C4DD243}"/>
+              </a:ext>
+            </a:extLst>
+          </p:cNvPr>
+          <p:cNvSpPr/>
+          <p:nvPr/>
+        </p:nvSpPr>
+        <p:spPr>
+          <a:xfrm>
+            <a:off x="5192704" y="5970670"/>
+            <a:ext cx="1255472" cy="246221"/>
+          </a:xfrm>
+          <a:prstGeom prst="rect">
+            <a:avLst/>
+          </a:prstGeom>
+        </p:spPr>
+        <p:txBody>
+          <a:bodyPr wrap="none">
+            <a:spAutoFit/>
+          </a:bodyPr>
+          <a:lstStyle/>
+          <a:p>
+            <a:pPr defTabSz="914240"/>
+            <a:r>
+              <a:rPr lang="en-US" sz="1000" dirty="0">
+                <a:solidFill>
+                  <a:srgbClr val="000000"/>
+                </a:solidFill>
+                <a:latin typeface="Arial" panose="020B0604020202020204" pitchFamily="34" charset="0"/>
+                <a:cs typeface="Arial" panose="020B0604020202020204" pitchFamily="34" charset="0"/>
+              </a:rPr>
+              <a:t> Availability Zone 2</a:t>
+            </a:r>
+          </a:p>
+        </p:txBody>
+      </p:sp>
+      <p:pic>
+        <p:nvPicPr>
+          <p:cNvPr id="22" name="Graphic 21">
+            <a:extLst>
+              <a:ext uri="{FF2B5EF4-FFF2-40B4-BE49-F238E27FC236}">
+                <a16:creationId xmlns:a16="http://schemas.microsoft.com/office/drawing/2014/main" id="{A17D8852-C8EF-B120-71A4-D7BDB9296D87}"/>
+              </a:ext>
+            </a:extLst>
+          </p:cNvPr>
+          <p:cNvPicPr>
+            <a:picLocks noChangeAspect="1"/>
+          </p:cNvPicPr>
+          <p:nvPr/>
+        </p:nvPicPr>
+        <p:blipFill>
+          <a:blip r:embed="rId9">
+            <a:extLst>
+              <a:ext uri="{96DAC541-7B7A-43D3-8B79-37D633B846F1}">
+                <asvg:svgBlip xmlns:asvg="http://schemas.microsoft.com/office/drawing/2016/SVG/main" r:embed="rId10"/>
+              </a:ext>
+            </a:extLst>
+          </a:blip>
+          <a:stretch>
+            <a:fillRect/>
+          </a:stretch>
+        </p:blipFill>
+        <p:spPr>
+          <a:xfrm>
+            <a:off x="4699584" y="2192713"/>
+            <a:ext cx="197276" cy="197276"/>
+          </a:xfrm>
+          <a:prstGeom prst="rect">
+            <a:avLst/>
+          </a:prstGeom>
+        </p:spPr>
+      </p:pic>
+      <p:graphicFrame>
+        <p:nvGraphicFramePr>
+          <p:cNvPr id="23" name="Table 22">
+            <a:extLst>
+              <a:ext uri="{FF2B5EF4-FFF2-40B4-BE49-F238E27FC236}">
+                <a16:creationId xmlns:a16="http://schemas.microsoft.com/office/drawing/2014/main" id="{82CC40FF-9488-FFF4-4CDB-BCAB08CEA2C3}"/>
+              </a:ext>
+            </a:extLst>
+          </p:cNvPr>
+          <p:cNvGraphicFramePr>
+            <a:graphicFrameLocks noGrp="1"/>
+          </p:cNvGraphicFramePr>
+          <p:nvPr/>
+        </p:nvGraphicFramePr>
+        <p:xfrm>
+          <a:off x="5011827" y="5184505"/>
+          <a:ext cx="1571854" cy="678209"/>
+        </p:xfrm>
+        <a:graphic>
+          <a:graphicData uri="http://schemas.openxmlformats.org/drawingml/2006/table">
+            <a:tbl>
+              <a:tblPr firstRow="1" bandRow="1">
+                <a:tableStyleId>{073A0DAA-6AF3-43AB-8588-CEC1D06C72B9}</a:tableStyleId>
+              </a:tblPr>
+              <a:tblGrid>
+                <a:gridCol w="761706">
+                  <a:extLst>
+                    <a:ext uri="{9D8B030D-6E8A-4147-A177-3AD203B41FA5}">
+                      <a16:colId xmlns:a16="http://schemas.microsoft.com/office/drawing/2014/main" val="1496157643"/>
+                    </a:ext>
+                  </a:extLst>
+                </a:gridCol>
+                <a:gridCol w="810148">
+                  <a:extLst>
+                    <a:ext uri="{9D8B030D-6E8A-4147-A177-3AD203B41FA5}">
+                      <a16:colId xmlns:a16="http://schemas.microsoft.com/office/drawing/2014/main" val="1555211470"/>
+                    </a:ext>
+                  </a:extLst>
+                </a:gridCol>
+              </a:tblGrid>
+              <a:tr h="213304">
+                <a:tc>
+                  <a:txBody>
+                    <a:bodyPr/>
+                    <a:lstStyle/>
+                    <a:p>
+                      <a:pPr algn="ctr"/>
+                      <a:r>
+                        <a:rPr lang="en-US" sz="800" dirty="0"/>
+                        <a:t>Destination</a:t>
+                      </a:r>
+                    </a:p>
+                  </a:txBody>
+                  <a:tcPr marL="91416" marR="91416" marT="45708" marB="45708" anchor="ctr"/>
+                </a:tc>
+                <a:tc>
+                  <a:txBody>
+                    <a:bodyPr/>
+                    <a:lstStyle/>
+                    <a:p>
+                      <a:pPr algn="ctr"/>
+                      <a:r>
+                        <a:rPr lang="en-US" sz="800" dirty="0"/>
+                        <a:t>Target</a:t>
+                      </a:r>
+                    </a:p>
+                  </a:txBody>
+                  <a:tcPr marL="91416" marR="91416" marT="45708" marB="45708" anchor="ctr"/>
+                </a:tc>
+                <a:extLst>
+                  <a:ext uri="{0D108BD9-81ED-4DB2-BD59-A6C34878D82A}">
+                    <a16:rowId xmlns:a16="http://schemas.microsoft.com/office/drawing/2014/main" val="3762613218"/>
+                  </a:ext>
+                </a:extLst>
+              </a:tr>
+              <a:tr h="213304">
+                <a:tc>
+                  <a:txBody>
+                    <a:bodyPr/>
+                    <a:lstStyle/>
+                    <a:p>
+                      <a:pPr algn="ctr"/>
+                      <a:r>
+                        <a:rPr lang="en-US" sz="800" dirty="0"/>
+                        <a:t>10.0.0.0/16</a:t>
+                      </a:r>
+                    </a:p>
+                  </a:txBody>
+                  <a:tcPr marL="91416" marR="91416" marT="45708" marB="45708" anchor="ctr"/>
+                </a:tc>
+                <a:tc>
+                  <a:txBody>
+                    <a:bodyPr/>
+                    <a:lstStyle/>
+                    <a:p>
+                      <a:pPr algn="ctr"/>
+                      <a:r>
+                        <a:rPr lang="en-US" sz="800" dirty="0"/>
+                        <a:t>Local</a:t>
+                      </a:r>
+                    </a:p>
+                  </a:txBody>
+                  <a:tcPr marL="91416" marR="91416" marT="45708" marB="45708" anchor="ctr"/>
+                </a:tc>
+                <a:extLst>
+                  <a:ext uri="{0D108BD9-81ED-4DB2-BD59-A6C34878D82A}">
+                    <a16:rowId xmlns:a16="http://schemas.microsoft.com/office/drawing/2014/main" val="2464361127"/>
+                  </a:ext>
+                </a:extLst>
+              </a:tr>
+              <a:tr h="251537">
+                <a:tc>
+                  <a:txBody>
+                    <a:bodyPr/>
+                    <a:lstStyle/>
+                    <a:p>
+                      <a:pPr algn="ctr"/>
+                      <a:r>
+                        <a:rPr lang="en-US" sz="800" dirty="0"/>
+                        <a:t>0.0.0.0/0</a:t>
+                      </a:r>
+                    </a:p>
+                  </a:txBody>
+                  <a:tcPr marL="91416" marR="91416" marT="45708" marB="45708" anchor="ctr"/>
+                </a:tc>
+                <a:tc>
+                  <a:txBody>
+                    <a:bodyPr/>
+                    <a:lstStyle/>
+                    <a:p>
+                      <a:pPr algn="ctr"/>
+                      <a:r>
+                        <a:rPr lang="en-US" sz="800" dirty="0"/>
+                        <a:t>Transit GW</a:t>
+                      </a:r>
+                      <a:endParaRPr lang="en-US" sz="800" b="1" u="none" dirty="0">
+                        <a:solidFill>
+                          <a:srgbClr val="C00000"/>
+                        </a:solidFill>
+                      </a:endParaRPr>
+                    </a:p>
+                  </a:txBody>
+                  <a:tcPr marL="91416" marR="91416" marT="45708" marB="45708" anchor="ctr"/>
+                </a:tc>
+                <a:extLst>
+                  <a:ext uri="{0D108BD9-81ED-4DB2-BD59-A6C34878D82A}">
+                    <a16:rowId xmlns:a16="http://schemas.microsoft.com/office/drawing/2014/main" val="505317756"/>
+                  </a:ext>
+                </a:extLst>
+              </a:tr>
+            </a:tbl>
+          </a:graphicData>
+        </a:graphic>
+      </p:graphicFrame>
+      <p:sp>
+        <p:nvSpPr>
+          <p:cNvPr id="27" name="TextBox 31">
+            <a:extLst>
+              <a:ext uri="{FF2B5EF4-FFF2-40B4-BE49-F238E27FC236}">
+                <a16:creationId xmlns:a16="http://schemas.microsoft.com/office/drawing/2014/main" id="{9A46C4FF-E9D4-EEB2-AE99-EC9B8A198D3E}"/>
+              </a:ext>
+            </a:extLst>
+          </p:cNvPr>
+          <p:cNvSpPr txBox="1">
+            <a:spLocks noChangeArrowheads="1"/>
+          </p:cNvSpPr>
+          <p:nvPr/>
+        </p:nvSpPr>
+        <p:spPr bwMode="auto">
+          <a:xfrm>
+            <a:off x="1948826" y="4950691"/>
+            <a:ext cx="1632937" cy="246221"/>
+          </a:xfrm>
+          <a:prstGeom prst="rect">
+            <a:avLst/>
+          </a:prstGeom>
+          <a:noFill/>
+          <a:ln w="9525">
+            <a:noFill/>
+            <a:miter lim="800000"/>
+            <a:headEnd/>
+            <a:tailEnd/>
+          </a:ln>
+        </p:spPr>
+        <p:txBody>
+          <a:bodyPr wrap="square">
+            <a:spAutoFit/>
+          </a:bodyPr>
+          <a:lstStyle/>
+          <a:p>
+            <a:pPr algn="ctr" defTabSz="914240"/>
+            <a:r>
+              <a:rPr lang="en-US" sz="1000" b="1" dirty="0">
+                <a:solidFill>
+                  <a:srgbClr val="009946"/>
+                </a:solidFill>
+                <a:latin typeface="Arial" panose="020B0604020202020204" pitchFamily="34" charset="0"/>
+                <a:ea typeface="Verdana" pitchFamily="34" charset="0"/>
+                <a:cs typeface="Arial" panose="020B0604020202020204" pitchFamily="34" charset="0"/>
+              </a:rPr>
+              <a:t>Public Subnets RTB</a:t>
+            </a:r>
+          </a:p>
+        </p:txBody>
+      </p:sp>
+      <p:pic>
+        <p:nvPicPr>
+          <p:cNvPr id="28" name="Graphic 27">
+            <a:extLst>
+              <a:ext uri="{FF2B5EF4-FFF2-40B4-BE49-F238E27FC236}">
+                <a16:creationId xmlns:a16="http://schemas.microsoft.com/office/drawing/2014/main" id="{5CD7A6B2-39B1-3B23-8275-056D3058A287}"/>
+              </a:ext>
+            </a:extLst>
+          </p:cNvPr>
+          <p:cNvPicPr>
+            <a:picLocks noChangeAspect="1"/>
+          </p:cNvPicPr>
+          <p:nvPr/>
+        </p:nvPicPr>
+        <p:blipFill>
+          <a:blip r:embed="rId9">
+            <a:extLst>
+              <a:ext uri="{96DAC541-7B7A-43D3-8B79-37D633B846F1}">
+                <asvg:svgBlip xmlns:asvg="http://schemas.microsoft.com/office/drawing/2016/SVG/main" r:embed="rId10"/>
+              </a:ext>
+            </a:extLst>
+          </a:blip>
+          <a:stretch>
+            <a:fillRect/>
+          </a:stretch>
+        </p:blipFill>
+        <p:spPr>
+          <a:xfrm>
+            <a:off x="1960321" y="4955314"/>
+            <a:ext cx="197276" cy="197276"/>
+          </a:xfrm>
+          <a:prstGeom prst="rect">
+            <a:avLst/>
+          </a:prstGeom>
+        </p:spPr>
+      </p:pic>
+      <p:pic>
+        <p:nvPicPr>
+          <p:cNvPr id="29" name="Graphic 28">
+            <a:extLst>
+              <a:ext uri="{FF2B5EF4-FFF2-40B4-BE49-F238E27FC236}">
+                <a16:creationId xmlns:a16="http://schemas.microsoft.com/office/drawing/2014/main" id="{0DC37FDD-82AF-8E4A-0B5C-122459E8921D}"/>
+              </a:ext>
+            </a:extLst>
+          </p:cNvPr>
+          <p:cNvPicPr>
+            <a:picLocks noChangeAspect="1"/>
+          </p:cNvPicPr>
+          <p:nvPr/>
+        </p:nvPicPr>
+        <p:blipFill>
+          <a:blip r:embed="rId5">
+            <a:extLst>
+              <a:ext uri="{96DAC541-7B7A-43D3-8B79-37D633B846F1}">
+                <asvg:svgBlip xmlns:asvg="http://schemas.microsoft.com/office/drawing/2016/SVG/main" r:embed="rId6"/>
+              </a:ext>
+            </a:extLst>
+          </a:blip>
+          <a:stretch>
+            <a:fillRect/>
+          </a:stretch>
+        </p:blipFill>
+        <p:spPr>
+          <a:xfrm>
+            <a:off x="5021767" y="4957001"/>
+            <a:ext cx="208969" cy="208969"/>
+          </a:xfrm>
+          <a:prstGeom prst="rect">
+            <a:avLst/>
+          </a:prstGeom>
+        </p:spPr>
+      </p:pic>
+      <p:sp>
+        <p:nvSpPr>
+          <p:cNvPr id="30" name="TextBox 31">
+            <a:extLst>
+              <a:ext uri="{FF2B5EF4-FFF2-40B4-BE49-F238E27FC236}">
+                <a16:creationId xmlns:a16="http://schemas.microsoft.com/office/drawing/2014/main" id="{6845B04A-2629-585A-E584-20169E768DB6}"/>
+              </a:ext>
+            </a:extLst>
+          </p:cNvPr>
+          <p:cNvSpPr txBox="1">
+            <a:spLocks noChangeArrowheads="1"/>
+          </p:cNvSpPr>
+          <p:nvPr/>
+        </p:nvSpPr>
+        <p:spPr bwMode="auto">
+          <a:xfrm>
+            <a:off x="5058020" y="4945140"/>
+            <a:ext cx="1622967" cy="246221"/>
+          </a:xfrm>
+          <a:prstGeom prst="rect">
+            <a:avLst/>
+          </a:prstGeom>
+          <a:noFill/>
+          <a:ln w="9525">
+            <a:noFill/>
+            <a:miter lim="800000"/>
+            <a:headEnd/>
+            <a:tailEnd/>
+          </a:ln>
+        </p:spPr>
+        <p:txBody>
+          <a:bodyPr wrap="square">
+            <a:spAutoFit/>
+          </a:bodyPr>
+          <a:lstStyle/>
+          <a:p>
+            <a:pPr algn="ctr" defTabSz="914240"/>
+            <a:r>
+              <a:rPr lang="en-US" sz="1000" b="1" dirty="0">
+                <a:solidFill>
+                  <a:srgbClr val="246090"/>
+                </a:solidFill>
+                <a:latin typeface="Arial" panose="020B0604020202020204" pitchFamily="34" charset="0"/>
+                <a:ea typeface="Verdana" pitchFamily="34" charset="0"/>
+                <a:cs typeface="Arial" panose="020B0604020202020204" pitchFamily="34" charset="0"/>
+              </a:rPr>
+              <a:t>Private Subnets RTB</a:t>
+            </a:r>
+          </a:p>
+        </p:txBody>
+      </p:sp>
+      <p:sp>
+        <p:nvSpPr>
+          <p:cNvPr id="14" name="TextBox 16">
+            <a:extLst>
+              <a:ext uri="{FF2B5EF4-FFF2-40B4-BE49-F238E27FC236}">
+                <a16:creationId xmlns:a16="http://schemas.microsoft.com/office/drawing/2014/main" id="{07C55279-7205-E9F4-E9DB-0D6CF01F2AF9}"/>
+              </a:ext>
+              <a:ext uri="{C183D7F6-B498-43B3-948B-1728B52AA6E4}">
+                <adec:decorative xmlns:adec="http://schemas.microsoft.com/office/drawing/2017/decorative" val="1"/>
+              </a:ext>
+            </a:extLst>
+          </p:cNvPr>
+          <p:cNvSpPr txBox="1">
+            <a:spLocks noChangeArrowheads="1"/>
+          </p:cNvSpPr>
+          <p:nvPr/>
+        </p:nvSpPr>
+        <p:spPr bwMode="auto">
+          <a:xfrm>
+            <a:off x="1585346" y="3032881"/>
+            <a:ext cx="1115568" cy="261610"/>
+          </a:xfrm>
+          <a:prstGeom prst="rect">
+            <a:avLst/>
+          </a:prstGeom>
+          <a:noFill/>
+          <a:ln>
+            <a:noFill/>
+          </a:ln>
+          <a:extLst>
+            <a:ext uri="{909E8E84-426E-40DD-AFC4-6F175D3DCCD1}">
+              <a14:hiddenFill xmlns:a14="http://schemas.microsoft.com/office/drawing/2010/main">
+                <a:solidFill>
+                  <a:srgbClr val="FFFFFF"/>
+                </a:solidFill>
+              </a14:hiddenFill>
+            </a:ext>
+            <a:ext uri="{91240B29-F687-4F45-9708-019B960494DF}">
+              <a14:hiddenLine xmlns:a14="http://schemas.microsoft.com/office/drawing/2010/main" w="9525">
+                <a:solidFill>
+                  <a:srgbClr val="000000"/>
+                </a:solidFill>
+                <a:miter lim="800000"/>
+                <a:headEnd/>
+                <a:tailEnd/>
+              </a14:hiddenLine>
+            </a:ext>
+          </a:extLst>
+        </p:spPr>
+        <p:txBody>
+          <a:bodyPr wrap="square" lIns="0" rIns="0">
+            <a:spAutoFit/>
+          </a:bodyPr>
+          <a:lstStyle>
+            <a:lvl1pPr>
+              <a:defRPr>
+                <a:solidFill>
+                  <a:schemeClr val="tx1"/>
+                </a:solidFill>
+                <a:latin typeface="Calibri" panose="020F0502020204030204" pitchFamily="34" charset="0"/>
+              </a:defRPr>
+            </a:lvl1pPr>
+            <a:lvl2pPr marL="742950" indent="-285750">
+              <a:defRPr>
+                <a:solidFill>
+                  <a:schemeClr val="tx1"/>
+                </a:solidFill>
+                <a:latin typeface="Calibri" panose="020F0502020204030204" pitchFamily="34" charset="0"/>
+              </a:defRPr>
+            </a:lvl2pPr>
+            <a:lvl3pPr marL="1143000" indent="-228600">
+              <a:defRPr>
+                <a:solidFill>
+                  <a:schemeClr val="tx1"/>
+                </a:solidFill>
+                <a:latin typeface="Calibri" panose="020F0502020204030204" pitchFamily="34" charset="0"/>
+              </a:defRPr>
+            </a:lvl3pPr>
+            <a:lvl4pPr marL="1600200" indent="-228600">
+              <a:defRPr>
+                <a:solidFill>
+                  <a:schemeClr val="tx1"/>
+                </a:solidFill>
+                <a:latin typeface="Calibri" panose="020F0502020204030204" pitchFamily="34" charset="0"/>
+              </a:defRPr>
+            </a:lvl4pPr>
+            <a:lvl5pPr marL="2057400" indent="-228600">
+              <a:defRPr>
+                <a:solidFill>
+                  <a:schemeClr val="tx1"/>
+                </a:solidFill>
+                <a:latin typeface="Calibri" panose="020F0502020204030204" pitchFamily="34" charset="0"/>
+              </a:defRPr>
+            </a:lvl5pPr>
+            <a:lvl6pPr marL="2514600" indent="-228600" eaLnBrk="0" fontAlgn="base" hangingPunct="0">
+              <a:spcBef>
+                <a:spcPct val="0"/>
+              </a:spcBef>
+              <a:spcAft>
+                <a:spcPct val="0"/>
+              </a:spcAft>
+              <a:defRPr>
+                <a:solidFill>
+                  <a:schemeClr val="tx1"/>
+                </a:solidFill>
+                <a:latin typeface="Calibri" panose="020F0502020204030204" pitchFamily="34" charset="0"/>
+              </a:defRPr>
+            </a:lvl6pPr>
+            <a:lvl7pPr marL="2971800" indent="-228600" eaLnBrk="0" fontAlgn="base" hangingPunct="0">
+              <a:spcBef>
+                <a:spcPct val="0"/>
+              </a:spcBef>
+              <a:spcAft>
+                <a:spcPct val="0"/>
+              </a:spcAft>
+              <a:defRPr>
+                <a:solidFill>
+                  <a:schemeClr val="tx1"/>
+                </a:solidFill>
+                <a:latin typeface="Calibri" panose="020F0502020204030204" pitchFamily="34" charset="0"/>
+              </a:defRPr>
+            </a:lvl7pPr>
+            <a:lvl8pPr marL="3429000" indent="-228600" eaLnBrk="0" fontAlgn="base" hangingPunct="0">
+              <a:spcBef>
+                <a:spcPct val="0"/>
+              </a:spcBef>
+              <a:spcAft>
+                <a:spcPct val="0"/>
+              </a:spcAft>
+              <a:defRPr>
+                <a:solidFill>
+                  <a:schemeClr val="tx1"/>
+                </a:solidFill>
+                <a:latin typeface="Calibri" panose="020F0502020204030204" pitchFamily="34" charset="0"/>
+              </a:defRPr>
+            </a:lvl8pPr>
+            <a:lvl9pPr marL="3886200" indent="-228600" eaLnBrk="0" fontAlgn="base" hangingPunct="0">
+              <a:spcBef>
+                <a:spcPct val="0"/>
+              </a:spcBef>
+              <a:spcAft>
+                <a:spcPct val="0"/>
+              </a:spcAft>
+              <a:defRPr>
+                <a:solidFill>
+                  <a:schemeClr val="tx1"/>
+                </a:solidFill>
+                <a:latin typeface="Calibri" panose="020F0502020204030204" pitchFamily="34" charset="0"/>
+              </a:defRPr>
+            </a:lvl9pPr>
+          </a:lstStyle>
+          <a:p>
+            <a:pPr algn="ctr" defTabSz="914240"/>
+            <a:r>
+              <a:rPr lang="en-US" altLang="en-US" sz="1100" dirty="0">
+                <a:solidFill>
+                  <a:srgbClr val="000000"/>
+                </a:solidFill>
+                <a:latin typeface="Arial" panose="020B0604020202020204" pitchFamily="34" charset="0"/>
+                <a:ea typeface="Amazon Ember" panose="020B0603020204020204" pitchFamily="34" charset="0"/>
+                <a:cs typeface="Arial" panose="020B0604020202020204" pitchFamily="34" charset="0"/>
+              </a:rPr>
+              <a:t>FortiManager1</a:t>
+            </a:r>
+          </a:p>
+        </p:txBody>
+      </p:sp>
+      <p:pic>
+        <p:nvPicPr>
+          <p:cNvPr id="4" name="Graphic 3">
+            <a:extLst>
+              <a:ext uri="{FF2B5EF4-FFF2-40B4-BE49-F238E27FC236}">
+                <a16:creationId xmlns:a16="http://schemas.microsoft.com/office/drawing/2014/main" id="{6FFBA7FA-FA33-F5F7-66C7-DAAE701F5495}"/>
+              </a:ext>
+            </a:extLst>
+          </p:cNvPr>
+          <p:cNvPicPr>
+            <a:picLocks noChangeAspect="1"/>
+          </p:cNvPicPr>
+          <p:nvPr/>
+        </p:nvPicPr>
+        <p:blipFill>
+          <a:blip r:embed="rId13">
+            <a:extLst>
+              <a:ext uri="{96DAC541-7B7A-43D3-8B79-37D633B846F1}">
+                <asvg:svgBlip xmlns:asvg="http://schemas.microsoft.com/office/drawing/2016/SVG/main" r:embed="rId14"/>
+              </a:ext>
+            </a:extLst>
+          </a:blip>
+          <a:stretch>
+            <a:fillRect/>
+          </a:stretch>
+        </p:blipFill>
+        <p:spPr>
+          <a:xfrm>
+            <a:off x="2532959" y="2660314"/>
+            <a:ext cx="407652" cy="407652"/>
+          </a:xfrm>
+          <a:prstGeom prst="rect">
+            <a:avLst/>
+          </a:prstGeom>
+        </p:spPr>
+      </p:pic>
+      <p:sp>
+        <p:nvSpPr>
+          <p:cNvPr id="5" name="TextBox 4">
+            <a:extLst>
+              <a:ext uri="{FF2B5EF4-FFF2-40B4-BE49-F238E27FC236}">
+                <a16:creationId xmlns:a16="http://schemas.microsoft.com/office/drawing/2014/main" id="{979630E0-63E9-7496-375D-DB0E4976CFC5}"/>
+              </a:ext>
+            </a:extLst>
+          </p:cNvPr>
+          <p:cNvSpPr txBox="1"/>
+          <p:nvPr/>
+        </p:nvSpPr>
+        <p:spPr>
+          <a:xfrm>
+            <a:off x="2606402" y="2911694"/>
+            <a:ext cx="1302037" cy="424732"/>
+          </a:xfrm>
+          <a:prstGeom prst="rect">
+            <a:avLst/>
+          </a:prstGeom>
+          <a:noFill/>
+        </p:spPr>
+        <p:txBody>
+          <a:bodyPr wrap="square" rtlCol="0">
+            <a:spAutoFit/>
+          </a:bodyPr>
+          <a:lstStyle/>
+          <a:p>
+            <a:pPr algn="ctr" defTabSz="914240">
+              <a:lnSpc>
+                <a:spcPct val="90000"/>
+              </a:lnSpc>
+            </a:pPr>
+            <a:r>
+              <a:rPr lang="en-US" sz="800" b="1" dirty="0">
+                <a:solidFill>
+                  <a:srgbClr val="009946"/>
+                </a:solidFill>
+                <a:latin typeface="Arial" panose="020B0604020202020204" pitchFamily="34" charset="0"/>
+                <a:cs typeface="Arial" panose="020B0604020202020204" pitchFamily="34" charset="0"/>
+              </a:rPr>
+              <a:t>Port1</a:t>
+            </a:r>
+          </a:p>
+          <a:p>
+            <a:pPr algn="ctr" defTabSz="914240">
+              <a:lnSpc>
+                <a:spcPct val="90000"/>
+              </a:lnSpc>
+            </a:pPr>
+            <a:r>
+              <a:rPr lang="en-US" sz="800" b="1" dirty="0">
+                <a:solidFill>
+                  <a:srgbClr val="009946"/>
+                </a:solidFill>
+                <a:latin typeface="Arial" panose="020B0604020202020204" pitchFamily="34" charset="0"/>
+                <a:cs typeface="Arial" panose="020B0604020202020204" pitchFamily="34" charset="0"/>
+              </a:rPr>
+              <a:t>Primary IP 10.0.1.10</a:t>
+            </a:r>
+          </a:p>
+          <a:p>
+            <a:pPr algn="ctr" defTabSz="914240">
+              <a:lnSpc>
+                <a:spcPct val="90000"/>
+              </a:lnSpc>
+            </a:pPr>
+            <a:r>
+              <a:rPr lang="en-US" sz="800" b="1" dirty="0">
+                <a:solidFill>
+                  <a:srgbClr val="009946"/>
+                </a:solidFill>
+                <a:latin typeface="Arial" panose="020B0604020202020204" pitchFamily="34" charset="0"/>
+                <a:cs typeface="Arial" panose="020B0604020202020204" pitchFamily="34" charset="0"/>
+              </a:rPr>
+              <a:t>Secondary IP 10.0.1.11</a:t>
+            </a:r>
+          </a:p>
+        </p:txBody>
+      </p:sp>
+      <p:cxnSp>
+        <p:nvCxnSpPr>
+          <p:cNvPr id="7" name="Straight Connector 6">
+            <a:extLst>
+              <a:ext uri="{FF2B5EF4-FFF2-40B4-BE49-F238E27FC236}">
+                <a16:creationId xmlns:a16="http://schemas.microsoft.com/office/drawing/2014/main" id="{33264203-098A-AE44-E800-C0C0E10C0644}"/>
+              </a:ext>
+            </a:extLst>
+          </p:cNvPr>
+          <p:cNvCxnSpPr>
+            <a:cxnSpLocks/>
+            <a:stCxn id="4" idx="1"/>
+            <a:endCxn id="8" idx="3"/>
+          </p:cNvCxnSpPr>
+          <p:nvPr/>
+        </p:nvCxnSpPr>
+        <p:spPr>
+          <a:xfrm flipH="1">
+            <a:off x="2409993" y="2864140"/>
+            <a:ext cx="122966" cy="2939"/>
+          </a:xfrm>
+          <a:prstGeom prst="line">
+            <a:avLst/>
+          </a:prstGeom>
+          <a:ln w="25400">
+            <a:solidFill>
+              <a:srgbClr val="009946"/>
+            </a:solidFill>
+          </a:ln>
+        </p:spPr>
+        <p:style>
+          <a:lnRef idx="1">
+            <a:schemeClr val="accent1"/>
+          </a:lnRef>
+          <a:fillRef idx="0">
+            <a:schemeClr val="accent1"/>
+          </a:fillRef>
+          <a:effectRef idx="0">
+            <a:schemeClr val="accent1"/>
+          </a:effectRef>
+          <a:fontRef idx="minor">
+            <a:schemeClr val="tx1"/>
+          </a:fontRef>
+        </p:style>
+      </p:cxnSp>
+      <p:pic>
+        <p:nvPicPr>
+          <p:cNvPr id="8" name="Graphic 60">
+            <a:extLst>
+              <a:ext uri="{FF2B5EF4-FFF2-40B4-BE49-F238E27FC236}">
+                <a16:creationId xmlns:a16="http://schemas.microsoft.com/office/drawing/2014/main" id="{0C45BAB4-8736-9EC9-8156-B5DCDD44B6B2}"/>
+              </a:ext>
+              <a:ext uri="{C183D7F6-B498-43B3-948B-1728B52AA6E4}">
+                <adec:decorative xmlns:adec="http://schemas.microsoft.com/office/drawing/2017/decorative" val="1"/>
+              </a:ext>
+            </a:extLst>
+          </p:cNvPr>
+          <p:cNvPicPr>
+            <a:picLocks noChangeAspect="1" noChangeArrowheads="1"/>
+          </p:cNvPicPr>
+          <p:nvPr/>
+        </p:nvPicPr>
+        <p:blipFill>
+          <a:blip r:embed="rId15">
+            <a:extLst>
+              <a:ext uri="{96DAC541-7B7A-43D3-8B79-37D633B846F1}">
+                <asvg:svgBlip xmlns:asvg="http://schemas.microsoft.com/office/drawing/2016/SVG/main" r:embed="rId16"/>
+              </a:ext>
+            </a:extLst>
+          </a:blip>
+          <a:srcRect/>
+          <a:stretch/>
+        </p:blipFill>
+        <p:spPr bwMode="auto">
+          <a:xfrm>
+            <a:off x="1897100" y="2610632"/>
+            <a:ext cx="512893" cy="512893"/>
+          </a:xfrm>
+          <a:prstGeom prst="rect">
+            <a:avLst/>
+          </a:prstGeom>
+          <a:noFill/>
+          <a:ln>
+            <a:noFill/>
+          </a:ln>
+          <a:extLst>
+            <a:ext uri="{909E8E84-426E-40DD-AFC4-6F175D3DCCD1}">
+              <a14:hiddenFill xmlns:a14="http://schemas.microsoft.com/office/drawing/2010/main">
+                <a:solidFill>
+                  <a:srgbClr val="FFFFFF"/>
+                </a:solidFill>
+              </a14:hiddenFill>
+            </a:ext>
+            <a:ext uri="{91240B29-F687-4F45-9708-019B960494DF}">
+              <a14:hiddenLine xmlns:a14="http://schemas.microsoft.com/office/drawing/2010/main" w="9525">
+                <a:solidFill>
+                  <a:srgbClr val="000000"/>
+                </a:solidFill>
+                <a:miter lim="800000"/>
+                <a:headEnd/>
+                <a:tailEnd/>
+              </a14:hiddenLine>
+            </a:ext>
+          </a:extLst>
+        </p:spPr>
+      </p:pic>
+      <p:sp>
+        <p:nvSpPr>
+          <p:cNvPr id="10" name="TextBox 16">
+            <a:extLst>
+              <a:ext uri="{FF2B5EF4-FFF2-40B4-BE49-F238E27FC236}">
+                <a16:creationId xmlns:a16="http://schemas.microsoft.com/office/drawing/2014/main" id="{36977D98-318C-630B-8293-87E1B8EBA649}"/>
+              </a:ext>
+              <a:ext uri="{C183D7F6-B498-43B3-948B-1728B52AA6E4}">
+                <adec:decorative xmlns:adec="http://schemas.microsoft.com/office/drawing/2017/decorative" val="1"/>
+              </a:ext>
+            </a:extLst>
+          </p:cNvPr>
+          <p:cNvSpPr txBox="1">
+            <a:spLocks noChangeArrowheads="1"/>
+          </p:cNvSpPr>
+          <p:nvPr/>
+        </p:nvSpPr>
+        <p:spPr bwMode="auto">
+          <a:xfrm>
+            <a:off x="4680446" y="3007394"/>
+            <a:ext cx="1115568" cy="261610"/>
+          </a:xfrm>
+          <a:prstGeom prst="rect">
+            <a:avLst/>
+          </a:prstGeom>
+          <a:noFill/>
+          <a:ln>
+            <a:noFill/>
+          </a:ln>
+          <a:extLst>
+            <a:ext uri="{909E8E84-426E-40DD-AFC4-6F175D3DCCD1}">
+              <a14:hiddenFill xmlns:a14="http://schemas.microsoft.com/office/drawing/2010/main">
+                <a:solidFill>
+                  <a:srgbClr val="FFFFFF"/>
+                </a:solidFill>
+              </a14:hiddenFill>
+            </a:ext>
+            <a:ext uri="{91240B29-F687-4F45-9708-019B960494DF}">
+              <a14:hiddenLine xmlns:a14="http://schemas.microsoft.com/office/drawing/2010/main" w="9525">
+                <a:solidFill>
+                  <a:srgbClr val="000000"/>
+                </a:solidFill>
+                <a:miter lim="800000"/>
+                <a:headEnd/>
+                <a:tailEnd/>
+              </a14:hiddenLine>
+            </a:ext>
+          </a:extLst>
+        </p:spPr>
+        <p:txBody>
+          <a:bodyPr wrap="square" lIns="0" rIns="0">
+            <a:spAutoFit/>
+          </a:bodyPr>
+          <a:lstStyle>
+            <a:lvl1pPr>
+              <a:defRPr>
+                <a:solidFill>
+                  <a:schemeClr val="tx1"/>
+                </a:solidFill>
+                <a:latin typeface="Calibri" panose="020F0502020204030204" pitchFamily="34" charset="0"/>
+              </a:defRPr>
+            </a:lvl1pPr>
+            <a:lvl2pPr marL="742950" indent="-285750">
+              <a:defRPr>
+                <a:solidFill>
+                  <a:schemeClr val="tx1"/>
+                </a:solidFill>
+                <a:latin typeface="Calibri" panose="020F0502020204030204" pitchFamily="34" charset="0"/>
+              </a:defRPr>
+            </a:lvl2pPr>
+            <a:lvl3pPr marL="1143000" indent="-228600">
+              <a:defRPr>
+                <a:solidFill>
+                  <a:schemeClr val="tx1"/>
+                </a:solidFill>
+                <a:latin typeface="Calibri" panose="020F0502020204030204" pitchFamily="34" charset="0"/>
+              </a:defRPr>
+            </a:lvl3pPr>
+            <a:lvl4pPr marL="1600200" indent="-228600">
+              <a:defRPr>
+                <a:solidFill>
+                  <a:schemeClr val="tx1"/>
+                </a:solidFill>
+                <a:latin typeface="Calibri" panose="020F0502020204030204" pitchFamily="34" charset="0"/>
+              </a:defRPr>
+            </a:lvl4pPr>
+            <a:lvl5pPr marL="2057400" indent="-228600">
+              <a:defRPr>
+                <a:solidFill>
+                  <a:schemeClr val="tx1"/>
+                </a:solidFill>
+                <a:latin typeface="Calibri" panose="020F0502020204030204" pitchFamily="34" charset="0"/>
+              </a:defRPr>
+            </a:lvl5pPr>
+            <a:lvl6pPr marL="2514600" indent="-228600" eaLnBrk="0" fontAlgn="base" hangingPunct="0">
+              <a:spcBef>
+                <a:spcPct val="0"/>
+              </a:spcBef>
+              <a:spcAft>
+                <a:spcPct val="0"/>
+              </a:spcAft>
+              <a:defRPr>
+                <a:solidFill>
+                  <a:schemeClr val="tx1"/>
+                </a:solidFill>
+                <a:latin typeface="Calibri" panose="020F0502020204030204" pitchFamily="34" charset="0"/>
+              </a:defRPr>
+            </a:lvl6pPr>
+            <a:lvl7pPr marL="2971800" indent="-228600" eaLnBrk="0" fontAlgn="base" hangingPunct="0">
+              <a:spcBef>
+                <a:spcPct val="0"/>
+              </a:spcBef>
+              <a:spcAft>
+                <a:spcPct val="0"/>
+              </a:spcAft>
+              <a:defRPr>
+                <a:solidFill>
+                  <a:schemeClr val="tx1"/>
+                </a:solidFill>
+                <a:latin typeface="Calibri" panose="020F0502020204030204" pitchFamily="34" charset="0"/>
+              </a:defRPr>
+            </a:lvl7pPr>
+            <a:lvl8pPr marL="3429000" indent="-228600" eaLnBrk="0" fontAlgn="base" hangingPunct="0">
+              <a:spcBef>
+                <a:spcPct val="0"/>
+              </a:spcBef>
+              <a:spcAft>
+                <a:spcPct val="0"/>
+              </a:spcAft>
+              <a:defRPr>
+                <a:solidFill>
+                  <a:schemeClr val="tx1"/>
+                </a:solidFill>
+                <a:latin typeface="Calibri" panose="020F0502020204030204" pitchFamily="34" charset="0"/>
+              </a:defRPr>
+            </a:lvl8pPr>
+            <a:lvl9pPr marL="3886200" indent="-228600" eaLnBrk="0" fontAlgn="base" hangingPunct="0">
+              <a:spcBef>
+                <a:spcPct val="0"/>
+              </a:spcBef>
+              <a:spcAft>
+                <a:spcPct val="0"/>
+              </a:spcAft>
+              <a:defRPr>
+                <a:solidFill>
+                  <a:schemeClr val="tx1"/>
+                </a:solidFill>
+                <a:latin typeface="Calibri" panose="020F0502020204030204" pitchFamily="34" charset="0"/>
+              </a:defRPr>
+            </a:lvl9pPr>
+          </a:lstStyle>
+          <a:p>
+            <a:pPr algn="ctr" defTabSz="914240"/>
+            <a:r>
+              <a:rPr lang="en-US" altLang="en-US" sz="1100" dirty="0">
+                <a:solidFill>
+                  <a:srgbClr val="000000"/>
+                </a:solidFill>
+                <a:latin typeface="Arial" panose="020B0604020202020204" pitchFamily="34" charset="0"/>
+                <a:ea typeface="Amazon Ember" panose="020B0603020204020204" pitchFamily="34" charset="0"/>
+                <a:cs typeface="Arial" panose="020B0604020202020204" pitchFamily="34" charset="0"/>
+              </a:rPr>
+              <a:t>FortiManager2</a:t>
+            </a:r>
+          </a:p>
+        </p:txBody>
+      </p:sp>
+      <p:pic>
+        <p:nvPicPr>
+          <p:cNvPr id="12" name="Graphic 11">
+            <a:extLst>
+              <a:ext uri="{FF2B5EF4-FFF2-40B4-BE49-F238E27FC236}">
+                <a16:creationId xmlns:a16="http://schemas.microsoft.com/office/drawing/2014/main" id="{7D15723F-7DB0-CF32-0798-2B606B700316}"/>
+              </a:ext>
+            </a:extLst>
+          </p:cNvPr>
+          <p:cNvPicPr>
+            <a:picLocks noChangeAspect="1"/>
+          </p:cNvPicPr>
+          <p:nvPr/>
+        </p:nvPicPr>
+        <p:blipFill>
+          <a:blip r:embed="rId13">
+            <a:extLst>
+              <a:ext uri="{96DAC541-7B7A-43D3-8B79-37D633B846F1}">
+                <asvg:svgBlip xmlns:asvg="http://schemas.microsoft.com/office/drawing/2016/SVG/main" r:embed="rId14"/>
+              </a:ext>
+            </a:extLst>
+          </a:blip>
+          <a:stretch>
+            <a:fillRect/>
+          </a:stretch>
+        </p:blipFill>
+        <p:spPr>
+          <a:xfrm>
+            <a:off x="5628059" y="2634827"/>
+            <a:ext cx="407652" cy="407652"/>
+          </a:xfrm>
+          <a:prstGeom prst="rect">
+            <a:avLst/>
+          </a:prstGeom>
+        </p:spPr>
+      </p:pic>
+      <p:sp>
+        <p:nvSpPr>
+          <p:cNvPr id="13" name="TextBox 12">
+            <a:extLst>
+              <a:ext uri="{FF2B5EF4-FFF2-40B4-BE49-F238E27FC236}">
+                <a16:creationId xmlns:a16="http://schemas.microsoft.com/office/drawing/2014/main" id="{BEA2986F-F82A-846A-9F21-6B43B9C8ED31}"/>
+              </a:ext>
+            </a:extLst>
+          </p:cNvPr>
+          <p:cNvSpPr txBox="1"/>
+          <p:nvPr/>
+        </p:nvSpPr>
+        <p:spPr>
+          <a:xfrm>
+            <a:off x="5628059" y="2886207"/>
+            <a:ext cx="1464797" cy="424732"/>
+          </a:xfrm>
+          <a:prstGeom prst="rect">
+            <a:avLst/>
+          </a:prstGeom>
+          <a:noFill/>
+        </p:spPr>
+        <p:txBody>
+          <a:bodyPr wrap="square" rtlCol="0">
+            <a:spAutoFit/>
+          </a:bodyPr>
+          <a:lstStyle/>
+          <a:p>
+            <a:pPr algn="ctr" defTabSz="914240">
+              <a:lnSpc>
+                <a:spcPct val="90000"/>
+              </a:lnSpc>
+            </a:pPr>
+            <a:r>
+              <a:rPr lang="en-US" sz="800" b="1" dirty="0">
+                <a:solidFill>
+                  <a:srgbClr val="009946"/>
+                </a:solidFill>
+                <a:latin typeface="Arial" panose="020B0604020202020204" pitchFamily="34" charset="0"/>
+                <a:cs typeface="Arial" panose="020B0604020202020204" pitchFamily="34" charset="0"/>
+              </a:rPr>
+              <a:t>Port1</a:t>
+            </a:r>
+          </a:p>
+          <a:p>
+            <a:pPr algn="ctr" defTabSz="914240">
+              <a:lnSpc>
+                <a:spcPct val="90000"/>
+              </a:lnSpc>
+            </a:pPr>
+            <a:r>
+              <a:rPr lang="en-US" sz="800" b="1" dirty="0">
+                <a:solidFill>
+                  <a:srgbClr val="009946"/>
+                </a:solidFill>
+                <a:latin typeface="Arial" panose="020B0604020202020204" pitchFamily="34" charset="0"/>
+                <a:cs typeface="Arial" panose="020B0604020202020204" pitchFamily="34" charset="0"/>
+              </a:rPr>
+              <a:t>Primary IP 10.0.10.10</a:t>
+            </a:r>
+          </a:p>
+          <a:p>
+            <a:pPr algn="ctr" defTabSz="914240">
+              <a:lnSpc>
+                <a:spcPct val="90000"/>
+              </a:lnSpc>
+            </a:pPr>
+            <a:r>
+              <a:rPr lang="en-US" sz="800" b="1" dirty="0">
+                <a:solidFill>
+                  <a:srgbClr val="009946"/>
+                </a:solidFill>
+                <a:latin typeface="Arial" panose="020B0604020202020204" pitchFamily="34" charset="0"/>
+                <a:cs typeface="Arial" panose="020B0604020202020204" pitchFamily="34" charset="0"/>
+              </a:rPr>
+              <a:t>Secondary IP 10.0.10.11</a:t>
+            </a:r>
+          </a:p>
+        </p:txBody>
+      </p:sp>
+      <p:cxnSp>
+        <p:nvCxnSpPr>
+          <p:cNvPr id="24" name="Straight Connector 23">
+            <a:extLst>
+              <a:ext uri="{FF2B5EF4-FFF2-40B4-BE49-F238E27FC236}">
+                <a16:creationId xmlns:a16="http://schemas.microsoft.com/office/drawing/2014/main" id="{45126301-76E1-EBBE-E18F-FC39EC10F7D2}"/>
+              </a:ext>
+            </a:extLst>
+          </p:cNvPr>
+          <p:cNvCxnSpPr>
+            <a:cxnSpLocks/>
+            <a:stCxn id="12" idx="1"/>
+            <a:endCxn id="25" idx="3"/>
+          </p:cNvCxnSpPr>
+          <p:nvPr/>
+        </p:nvCxnSpPr>
+        <p:spPr>
+          <a:xfrm flipH="1">
+            <a:off x="5505093" y="2838653"/>
+            <a:ext cx="122966" cy="2939"/>
+          </a:xfrm>
+          <a:prstGeom prst="line">
+            <a:avLst/>
+          </a:prstGeom>
+          <a:ln w="25400">
+            <a:solidFill>
+              <a:srgbClr val="009946"/>
+            </a:solidFill>
+          </a:ln>
+        </p:spPr>
+        <p:style>
+          <a:lnRef idx="1">
+            <a:schemeClr val="accent1"/>
+          </a:lnRef>
+          <a:fillRef idx="0">
+            <a:schemeClr val="accent1"/>
+          </a:fillRef>
+          <a:effectRef idx="0">
+            <a:schemeClr val="accent1"/>
+          </a:effectRef>
+          <a:fontRef idx="minor">
+            <a:schemeClr val="tx1"/>
+          </a:fontRef>
+        </p:style>
+      </p:cxnSp>
+      <p:pic>
+        <p:nvPicPr>
+          <p:cNvPr id="25" name="Graphic 60">
+            <a:extLst>
+              <a:ext uri="{FF2B5EF4-FFF2-40B4-BE49-F238E27FC236}">
+                <a16:creationId xmlns:a16="http://schemas.microsoft.com/office/drawing/2014/main" id="{63F56802-0AF3-D0A5-BE87-80494F70FCA7}"/>
+              </a:ext>
+              <a:ext uri="{C183D7F6-B498-43B3-948B-1728B52AA6E4}">
+                <adec:decorative xmlns:adec="http://schemas.microsoft.com/office/drawing/2017/decorative" val="1"/>
+              </a:ext>
+            </a:extLst>
+          </p:cNvPr>
+          <p:cNvPicPr>
+            <a:picLocks noChangeAspect="1" noChangeArrowheads="1"/>
+          </p:cNvPicPr>
+          <p:nvPr/>
+        </p:nvPicPr>
+        <p:blipFill>
+          <a:blip r:embed="rId15">
+            <a:extLst>
+              <a:ext uri="{96DAC541-7B7A-43D3-8B79-37D633B846F1}">
+                <asvg:svgBlip xmlns:asvg="http://schemas.microsoft.com/office/drawing/2016/SVG/main" r:embed="rId16"/>
+              </a:ext>
+            </a:extLst>
+          </a:blip>
+          <a:srcRect/>
+          <a:stretch/>
+        </p:blipFill>
+        <p:spPr bwMode="auto">
+          <a:xfrm>
+            <a:off x="4992200" y="2585145"/>
+            <a:ext cx="512893" cy="512893"/>
+          </a:xfrm>
+          <a:prstGeom prst="rect">
+            <a:avLst/>
+          </a:prstGeom>
+          <a:noFill/>
+          <a:ln>
+            <a:noFill/>
+          </a:ln>
+          <a:extLst>
+            <a:ext uri="{909E8E84-426E-40DD-AFC4-6F175D3DCCD1}">
+              <a14:hiddenFill xmlns:a14="http://schemas.microsoft.com/office/drawing/2010/main">
+                <a:solidFill>
+                  <a:srgbClr val="FFFFFF"/>
+                </a:solidFill>
+              </a14:hiddenFill>
+            </a:ext>
+            <a:ext uri="{91240B29-F687-4F45-9708-019B960494DF}">
+              <a14:hiddenLine xmlns:a14="http://schemas.microsoft.com/office/drawing/2010/main" w="9525">
+                <a:solidFill>
+                  <a:srgbClr val="000000"/>
+                </a:solidFill>
+                <a:miter lim="800000"/>
+                <a:headEnd/>
+                <a:tailEnd/>
+              </a14:hiddenLine>
+            </a:ext>
+          </a:extLst>
+        </p:spPr>
+      </p:pic>
+      <p:pic>
+        <p:nvPicPr>
+          <p:cNvPr id="26" name="Graphic 25">
+            <a:extLst>
+              <a:ext uri="{FF2B5EF4-FFF2-40B4-BE49-F238E27FC236}">
+                <a16:creationId xmlns:a16="http://schemas.microsoft.com/office/drawing/2014/main" id="{14F74B2C-DB1E-31F1-6157-EE98BEEF9845}"/>
+              </a:ext>
+            </a:extLst>
+          </p:cNvPr>
+          <p:cNvPicPr>
+            <a:picLocks noChangeAspect="1"/>
+          </p:cNvPicPr>
+          <p:nvPr/>
+        </p:nvPicPr>
+        <p:blipFill>
+          <a:blip r:embed="rId17">
+            <a:extLst>
+              <a:ext uri="{96DAC541-7B7A-43D3-8B79-37D633B846F1}">
+                <asvg:svgBlip xmlns:asvg="http://schemas.microsoft.com/office/drawing/2016/SVG/main" r:embed="rId18"/>
+              </a:ext>
+            </a:extLst>
+          </a:blip>
+          <a:stretch>
+            <a:fillRect/>
+          </a:stretch>
+        </p:blipFill>
+        <p:spPr>
+          <a:xfrm>
+            <a:off x="7406024" y="1070033"/>
+            <a:ext cx="528317" cy="528317"/>
+          </a:xfrm>
+          <a:prstGeom prst="rect">
+            <a:avLst/>
+          </a:prstGeom>
+        </p:spPr>
+      </p:pic>
+      <p:sp>
+        <p:nvSpPr>
+          <p:cNvPr id="31" name="Rectangle 30">
+            <a:extLst>
+              <a:ext uri="{FF2B5EF4-FFF2-40B4-BE49-F238E27FC236}">
+                <a16:creationId xmlns:a16="http://schemas.microsoft.com/office/drawing/2014/main" id="{1965A38A-9ED7-F40D-CE21-A21AE3FAAE9E}"/>
+              </a:ext>
+            </a:extLst>
+          </p:cNvPr>
+          <p:cNvSpPr/>
+          <p:nvPr/>
+        </p:nvSpPr>
+        <p:spPr>
+          <a:xfrm>
+            <a:off x="6588276" y="864426"/>
+            <a:ext cx="2163811" cy="215388"/>
+          </a:xfrm>
+          <a:prstGeom prst="rect">
+            <a:avLst/>
+          </a:prstGeom>
+        </p:spPr>
+        <p:txBody>
+          <a:bodyPr wrap="none">
+            <a:spAutoFit/>
+          </a:bodyPr>
+          <a:lstStyle/>
+          <a:p>
+            <a:r>
+              <a:rPr lang="en-US" sz="800" b="1" dirty="0"/>
+              <a:t>https://ec2.region-code.amazonaws.com</a:t>
+            </a:r>
+          </a:p>
+        </p:txBody>
+      </p:sp>
+      <p:sp>
+        <p:nvSpPr>
+          <p:cNvPr id="32" name="Rectangle 31">
+            <a:extLst>
+              <a:ext uri="{FF2B5EF4-FFF2-40B4-BE49-F238E27FC236}">
+                <a16:creationId xmlns:a16="http://schemas.microsoft.com/office/drawing/2014/main" id="{DA0E61F2-8ED7-BC17-32ED-539BE039FDF2}"/>
+              </a:ext>
+            </a:extLst>
+          </p:cNvPr>
+          <p:cNvSpPr/>
+          <p:nvPr/>
+        </p:nvSpPr>
+        <p:spPr>
+          <a:xfrm>
+            <a:off x="3723729" y="3114904"/>
+            <a:ext cx="872252" cy="215388"/>
+          </a:xfrm>
+          <a:prstGeom prst="rect">
+            <a:avLst/>
+          </a:prstGeom>
+        </p:spPr>
+        <p:txBody>
+          <a:bodyPr wrap="square">
+            <a:spAutoFit/>
+          </a:bodyPr>
+          <a:lstStyle/>
+          <a:p>
+            <a:pPr algn="ctr"/>
+            <a:r>
+              <a:rPr lang="en-US" sz="800" b="1" dirty="0">
+                <a:latin typeface="Arial" panose="020B0604020202020204" pitchFamily="34" charset="0"/>
+                <a:ea typeface="Verdana" pitchFamily="34" charset="0"/>
+                <a:cs typeface="Arial" panose="020B0604020202020204" pitchFamily="34" charset="0"/>
+              </a:rPr>
+              <a:t>(Cluster EIP)</a:t>
+            </a:r>
+            <a:endParaRPr lang="en-US" sz="800" b="1" dirty="0"/>
+          </a:p>
+        </p:txBody>
+      </p:sp>
+      <p:sp>
+        <p:nvSpPr>
+          <p:cNvPr id="64" name="Rectangle 63">
+            <a:extLst>
+              <a:ext uri="{FF2B5EF4-FFF2-40B4-BE49-F238E27FC236}">
+                <a16:creationId xmlns:a16="http://schemas.microsoft.com/office/drawing/2014/main" id="{BA611642-EE1E-9699-702A-6632DDF0D896}"/>
+              </a:ext>
+            </a:extLst>
+          </p:cNvPr>
+          <p:cNvSpPr/>
+          <p:nvPr/>
+        </p:nvSpPr>
+        <p:spPr>
+          <a:xfrm>
+            <a:off x="3700219" y="3007394"/>
+            <a:ext cx="962852" cy="215444"/>
+          </a:xfrm>
+          <a:prstGeom prst="rect">
+            <a:avLst/>
+          </a:prstGeom>
+        </p:spPr>
+        <p:txBody>
+          <a:bodyPr wrap="square">
+            <a:spAutoFit/>
+          </a:bodyPr>
+          <a:lstStyle/>
+          <a:p>
+            <a:pPr algn="ctr"/>
+            <a:r>
+              <a:rPr lang="en-US" sz="800" b="1" dirty="0">
+                <a:latin typeface="Arial" panose="020B0604020202020204" pitchFamily="34" charset="0"/>
+                <a:ea typeface="Verdana" pitchFamily="34" charset="0"/>
+                <a:cs typeface="Arial" panose="020B0604020202020204" pitchFamily="34" charset="0"/>
+              </a:rPr>
+              <a:t>(Dedicated EIP)</a:t>
+            </a:r>
+            <a:endParaRPr lang="en-US" sz="800" b="1" dirty="0"/>
+          </a:p>
+        </p:txBody>
+      </p:sp>
+      <p:sp>
+        <p:nvSpPr>
+          <p:cNvPr id="66" name="Rectangle 65">
+            <a:extLst>
+              <a:ext uri="{FF2B5EF4-FFF2-40B4-BE49-F238E27FC236}">
+                <a16:creationId xmlns:a16="http://schemas.microsoft.com/office/drawing/2014/main" id="{2603429A-FFFE-91A7-E2C2-6297ED7B7D8F}"/>
+              </a:ext>
+            </a:extLst>
+          </p:cNvPr>
+          <p:cNvSpPr/>
+          <p:nvPr/>
+        </p:nvSpPr>
+        <p:spPr>
+          <a:xfrm>
+            <a:off x="6811963" y="2978548"/>
+            <a:ext cx="962852" cy="215444"/>
+          </a:xfrm>
+          <a:prstGeom prst="rect">
+            <a:avLst/>
+          </a:prstGeom>
+        </p:spPr>
+        <p:txBody>
+          <a:bodyPr wrap="square">
+            <a:spAutoFit/>
+          </a:bodyPr>
+          <a:lstStyle/>
+          <a:p>
+            <a:pPr algn="ctr"/>
+            <a:r>
+              <a:rPr lang="en-US" sz="800" b="1" dirty="0">
+                <a:latin typeface="Arial" panose="020B0604020202020204" pitchFamily="34" charset="0"/>
+                <a:ea typeface="Verdana" pitchFamily="34" charset="0"/>
+                <a:cs typeface="Arial" panose="020B0604020202020204" pitchFamily="34" charset="0"/>
+              </a:rPr>
+              <a:t>(Dedicated EIP)</a:t>
+            </a:r>
+            <a:endParaRPr lang="en-US" sz="800" b="1" dirty="0"/>
+          </a:p>
+        </p:txBody>
+      </p:sp>
+    </p:spTree>
+    <p:extLst>
+      <p:ext uri="{BB962C8B-B14F-4D97-AF65-F5344CB8AC3E}">
+        <p14:creationId xmlns:p14="http://schemas.microsoft.com/office/powerpoint/2010/main" val="3556894135"/>
+      </p:ext>
+    </p:extLst>
+  </p:cSld>
+  <p:clrMapOvr>
+    <a:masterClrMapping/>
+  </p:clrMapOvr>
+  <mc:AlternateContent xmlns:mc="http://schemas.openxmlformats.org/markup-compatibility/2006" xmlns:p14="http://schemas.microsoft.com/office/powerpoint/2010/main">
+    <mc:Choice Requires="p14">
+      <p:transition spd="med" p14:dur="700">
+        <p:fade/>
+      </p:transition>
+    </mc:Choice>
+    <mc:Fallback xmlns="">
+      <p:transition spd="med">
+        <p:fade/>
+      </p:transition>
+    </mc:Fallback>
+  </mc:AlternateContent>
+</p:sld>
+</file>
+
+<file path=ppt/slides/slide2.xml><?xml version="1.0" encoding="utf-8"?>
+<p:sld xmlns:a="http://schemas.openxmlformats.org/drawingml/2006/main" xmlns:r="http://schemas.openxmlformats.org/officeDocument/2006/relationships" xmlns:p="http://schemas.openxmlformats.org/presentationml/2006/main">
+  <p:cSld>
+    <p:spTree>
+      <p:nvGrpSpPr>
         <p:cNvPr id="1" name="">
           <a:extLst>
             <a:ext uri="{FF2B5EF4-FFF2-40B4-BE49-F238E27FC236}">
@@ -7933,34 +10725,12 @@
           </a:bodyPr>
           <a:lstStyle/>
           <a:p>
-            <a:pPr marL="0" marR="0" lvl="0" indent="0" algn="ctr" defTabSz="914240" rtl="0" eaLnBrk="1" fontAlgn="auto" latinLnBrk="0" hangingPunct="1">
-              <a:lnSpc>
-                <a:spcPct val="100000"/>
-              </a:lnSpc>
-              <a:spcBef>
-                <a:spcPts val="0"/>
-              </a:spcBef>
-              <a:spcAft>
-                <a:spcPts val="0"/>
-              </a:spcAft>
-              <a:buClrTx/>
-              <a:buSzTx/>
-              <a:buFontTx/>
-              <a:buNone/>
-              <a:tabLst/>
-              <a:defRPr/>
-            </a:pPr>
-            <a:r>
-              <a:rPr kumimoji="0" lang="en-US" sz="1000" b="1" i="0" u="none" strike="noStrike" kern="1200" cap="none" spc="0" normalizeH="0" baseline="0" noProof="0" dirty="0">
-                <a:ln>
-                  <a:noFill/>
-                </a:ln>
+            <a:pPr algn="ctr" defTabSz="914240"/>
+            <a:r>
+              <a:rPr lang="en-US" sz="1000" b="1" dirty="0">
                 <a:solidFill>
                   <a:srgbClr val="246090"/>
                 </a:solidFill>
-                <a:effectLst/>
-                <a:uLnTx/>
-                <a:uFillTx/>
                 <a:latin typeface="Arial" panose="020B0604020202020204" pitchFamily="34" charset="0"/>
                 <a:ea typeface="Verdana" pitchFamily="34" charset="0"/>
                 <a:cs typeface="Arial" panose="020B0604020202020204" pitchFamily="34" charset="0"/>
@@ -7968,32 +10738,20 @@
               <a:t>Private Subnet – AZ2</a:t>
             </a:r>
             <a:br>
-              <a:rPr kumimoji="0" lang="en-US" sz="1000" b="1" i="0" u="none" strike="noStrike" kern="1200" cap="none" spc="0" normalizeH="0" baseline="0" noProof="0" dirty="0">
-                <a:ln>
-                  <a:noFill/>
-                </a:ln>
+              <a:rPr lang="en-US" sz="1000" b="1" dirty="0">
                 <a:solidFill>
                   <a:srgbClr val="246090"/>
                 </a:solidFill>
-                <a:effectLst/>
-                <a:uLnTx/>
-                <a:uFillTx/>
                 <a:latin typeface="Arial" panose="020B0604020202020204" pitchFamily="34" charset="0"/>
                 <a:ea typeface="Verdana" pitchFamily="34" charset="0"/>
                 <a:cs typeface="Arial" panose="020B0604020202020204" pitchFamily="34" charset="0"/>
               </a:rPr>
             </a:br>
             <a:r>
-              <a:rPr kumimoji="0" lang="en-US" sz="1000" b="1" i="0" u="none" strike="noStrike" kern="1200" cap="none" spc="0" normalizeH="0" baseline="0" noProof="0" dirty="0">
-                <a:ln>
-                  <a:noFill/>
-                </a:ln>
+              <a:rPr lang="en-US" sz="1000" b="1" dirty="0">
                 <a:solidFill>
                   <a:srgbClr val="246090"/>
                 </a:solidFill>
-                <a:effectLst/>
-                <a:uLnTx/>
-                <a:uFillTx/>
                 <a:latin typeface="Arial" panose="020B0604020202020204" pitchFamily="34" charset="0"/>
                 <a:ea typeface="Verdana" pitchFamily="34" charset="0"/>
                 <a:cs typeface="Arial" panose="020B0604020202020204" pitchFamily="34" charset="0"/>
@@ -8039,34 +10797,12 @@
           </a:bodyPr>
           <a:lstStyle/>
           <a:p>
-            <a:pPr marL="0" marR="0" lvl="0" indent="0" algn="ctr" defTabSz="914240" rtl="0" eaLnBrk="1" fontAlgn="auto" latinLnBrk="0" hangingPunct="1">
-              <a:lnSpc>
-                <a:spcPct val="100000"/>
-              </a:lnSpc>
-              <a:spcBef>
-                <a:spcPts val="0"/>
-              </a:spcBef>
-              <a:spcAft>
-                <a:spcPts val="0"/>
-              </a:spcAft>
-              <a:buClrTx/>
-              <a:buSzTx/>
-              <a:buFontTx/>
-              <a:buNone/>
-              <a:tabLst/>
-              <a:defRPr/>
-            </a:pPr>
-            <a:r>
-              <a:rPr kumimoji="0" lang="en-US" sz="1000" b="1" i="0" u="none" strike="noStrike" kern="1200" cap="none" spc="0" normalizeH="0" baseline="0" noProof="0" dirty="0">
-                <a:ln>
-                  <a:noFill/>
-                </a:ln>
+            <a:pPr algn="ctr" defTabSz="914240"/>
+            <a:r>
+              <a:rPr lang="en-US" sz="1000" b="1" dirty="0">
                 <a:solidFill>
                   <a:srgbClr val="009946"/>
                 </a:solidFill>
-                <a:effectLst/>
-                <a:uLnTx/>
-                <a:uFillTx/>
                 <a:latin typeface="Arial" panose="020B0604020202020204" pitchFamily="34" charset="0"/>
                 <a:ea typeface="Verdana" pitchFamily="34" charset="0"/>
                 <a:cs typeface="Arial" panose="020B0604020202020204" pitchFamily="34" charset="0"/>
@@ -8074,32 +10810,20 @@
               <a:t>Public Subnet – AZ1</a:t>
             </a:r>
             <a:br>
-              <a:rPr kumimoji="0" lang="en-US" sz="1000" b="1" i="0" u="none" strike="noStrike" kern="1200" cap="none" spc="0" normalizeH="0" baseline="0" noProof="0" dirty="0">
-                <a:ln>
-                  <a:noFill/>
-                </a:ln>
+              <a:rPr lang="en-US" sz="1000" b="1" dirty="0">
                 <a:solidFill>
                   <a:srgbClr val="009946"/>
                 </a:solidFill>
-                <a:effectLst/>
-                <a:uLnTx/>
-                <a:uFillTx/>
                 <a:latin typeface="Arial" panose="020B0604020202020204" pitchFamily="34" charset="0"/>
                 <a:ea typeface="Verdana" pitchFamily="34" charset="0"/>
                 <a:cs typeface="Arial" panose="020B0604020202020204" pitchFamily="34" charset="0"/>
               </a:rPr>
             </a:br>
             <a:r>
-              <a:rPr kumimoji="0" lang="en-US" sz="1000" b="1" i="0" u="none" strike="noStrike" kern="1200" cap="none" spc="0" normalizeH="0" baseline="0" noProof="0" dirty="0">
-                <a:ln>
-                  <a:noFill/>
-                </a:ln>
+              <a:rPr lang="en-US" sz="1000" b="1" dirty="0">
                 <a:solidFill>
                   <a:srgbClr val="009946"/>
                 </a:solidFill>
-                <a:effectLst/>
-                <a:uLnTx/>
-                <a:uFillTx/>
                 <a:latin typeface="Arial" panose="020B0604020202020204" pitchFamily="34" charset="0"/>
                 <a:ea typeface="Verdana" pitchFamily="34" charset="0"/>
                 <a:cs typeface="Arial" panose="020B0604020202020204" pitchFamily="34" charset="0"/>
@@ -8269,34 +10993,14 @@
           </a:bodyPr>
           <a:lstStyle/>
           <a:p>
-            <a:pPr marL="0" marR="0" lvl="0" indent="0" algn="l" defTabSz="914240" rtl="0" eaLnBrk="1" fontAlgn="auto" latinLnBrk="0" hangingPunct="1">
-              <a:lnSpc>
-                <a:spcPct val="100000"/>
-              </a:lnSpc>
-              <a:spcBef>
-                <a:spcPts val="0"/>
-              </a:spcBef>
-              <a:spcAft>
-                <a:spcPts val="0"/>
-              </a:spcAft>
-              <a:buClrTx/>
-              <a:buSzTx/>
-              <a:buFontTx/>
-              <a:buNone/>
-              <a:tabLst/>
-              <a:defRPr/>
-            </a:pPr>
-            <a:r>
-              <a:rPr kumimoji="0" lang="en-US" sz="1100" b="0" i="0" u="none" strike="noStrike" kern="1200" cap="none" spc="0" normalizeH="0" baseline="0" noProof="0" dirty="0">
+            <a:pPr defTabSz="914240"/>
+            <a:r>
+              <a:rPr lang="en-US" sz="1100" dirty="0">
                 <a:ln w="0"/>
                 <a:solidFill>
                   <a:srgbClr val="000000"/>
                 </a:solidFill>
-                <a:effectLst/>
-                <a:uLnTx/>
-                <a:uFillTx/>
                 <a:latin typeface="Arial" panose="020B0604020202020204" pitchFamily="34" charset="0"/>
-                <a:ea typeface="+mn-ea"/>
                 <a:cs typeface="Arial" panose="020B0604020202020204" pitchFamily="34" charset="0"/>
               </a:rPr>
               <a:t>Example VPC  10.0.0.0/16</a:t>
@@ -8357,35 +11061,12 @@
           </a:bodyPr>
           <a:lstStyle/>
           <a:p>
-            <a:pPr marL="0" marR="0" lvl="0" indent="0" algn="l" defTabSz="914240" rtl="0" eaLnBrk="1" fontAlgn="auto" latinLnBrk="0" hangingPunct="1">
-              <a:lnSpc>
-                <a:spcPct val="100000"/>
-              </a:lnSpc>
-              <a:spcBef>
-                <a:spcPts val="0"/>
-              </a:spcBef>
-              <a:spcAft>
-                <a:spcPts val="0"/>
-              </a:spcAft>
-              <a:buClrTx/>
-              <a:buSzTx/>
-              <a:buFontTx/>
-              <a:buNone/>
-              <a:tabLst/>
-              <a:defRPr/>
-            </a:pPr>
-            <a:endParaRPr kumimoji="0" lang="en-US" sz="1200" b="0" i="0" u="none" strike="noStrike" kern="1200" cap="none" spc="0" normalizeH="0" baseline="0" noProof="0" dirty="0">
-              <a:ln>
-                <a:noFill/>
-              </a:ln>
+            <a:pPr defTabSz="914240"/>
+            <a:endParaRPr lang="en-US" sz="1200" dirty="0">
               <a:solidFill>
                 <a:srgbClr val="000000"/>
               </a:solidFill>
-              <a:effectLst/>
-              <a:uLnTx/>
-              <a:uFillTx/>
               <a:latin typeface="Arial" panose="020B0604020202020204" pitchFamily="34" charset="0"/>
-              <a:ea typeface="+mn-ea"/>
               <a:cs typeface="Arial" panose="020B0604020202020204" pitchFamily="34" charset="0"/>
             </a:endParaRPr>
           </a:p>
@@ -8419,36 +11100,20 @@
           </a:bodyPr>
           <a:lstStyle/>
           <a:p>
-            <a:pPr marL="0" marR="0" lvl="0" indent="0" algn="l" defTabSz="457052" rtl="0" eaLnBrk="1" fontAlgn="auto" latinLnBrk="0" hangingPunct="1">
+            <a:pPr defTabSz="457052">
               <a:lnSpc>
                 <a:spcPct val="95000"/>
               </a:lnSpc>
-              <a:spcBef>
-                <a:spcPts val="0"/>
-              </a:spcBef>
               <a:spcAft>
                 <a:spcPts val="600"/>
               </a:spcAft>
-              <a:buClrTx/>
-              <a:buSzTx/>
-              <a:buFontTx/>
-              <a:buNone/>
-              <a:tabLst/>
-              <a:defRPr/>
             </a:pPr>
             <a:r>
-              <a:rPr kumimoji="0" lang="en-US" sz="1400" b="0" i="0" u="none" strike="noStrike" kern="1200" cap="none" spc="0" normalizeH="0" baseline="0" noProof="0" dirty="0">
-                <a:ln>
-                  <a:noFill/>
-                </a:ln>
+              <a:rPr lang="en-US" sz="1400" dirty="0">
                 <a:solidFill>
                   <a:srgbClr val="000000"/>
                 </a:solidFill>
-                <a:effectLst/>
-                <a:uLnTx/>
-                <a:uFillTx/>
                 <a:latin typeface="Arial" panose="020B0604020202020204" pitchFamily="34" charset="0"/>
-                <a:ea typeface="+mn-ea"/>
                 <a:cs typeface="Arial" panose="020B0604020202020204" pitchFamily="34" charset="0"/>
               </a:rPr>
               <a:t>AWS Region</a:t>
@@ -8510,7 +11175,7 @@
           </a:bodyPr>
           <a:lstStyle/>
           <a:p>
-            <a:pPr marL="0" marR="0" lvl="0" indent="0" algn="ctr" defTabSz="931912" rtl="0" eaLnBrk="1" fontAlgn="base" latinLnBrk="0" hangingPunct="1">
+            <a:pPr algn="ctr" defTabSz="931912" fontAlgn="base">
               <a:lnSpc>
                 <a:spcPct val="90000"/>
               </a:lnSpc>
@@ -8520,25 +11185,13 @@
               <a:spcAft>
                 <a:spcPct val="0"/>
               </a:spcAft>
-              <a:buClrTx/>
-              <a:buSzTx/>
-              <a:buFontTx/>
-              <a:buNone/>
-              <a:tabLst/>
               <a:defRPr/>
             </a:pPr>
-            <a:endParaRPr kumimoji="0" lang="en-US" sz="2398" b="0" i="0" u="none" strike="noStrike" kern="1200" cap="none" spc="0" normalizeH="0" baseline="0" noProof="0" dirty="0">
-              <a:ln>
-                <a:noFill/>
-              </a:ln>
+            <a:endParaRPr lang="en-US" sz="2398" dirty="0">
               <a:solidFill>
                 <a:srgbClr val="000000"/>
               </a:solidFill>
-              <a:effectLst/>
-              <a:uLnTx/>
-              <a:uFillTx/>
               <a:latin typeface="Arial" panose="020B0604020202020204" pitchFamily="34" charset="0"/>
-              <a:ea typeface="+mn-ea"/>
               <a:cs typeface="Arial" panose="020B0604020202020204" pitchFamily="34" charset="0"/>
             </a:endParaRPr>
           </a:p>
@@ -8598,7 +11251,7 @@
           </a:bodyPr>
           <a:lstStyle/>
           <a:p>
-            <a:pPr marL="0" marR="0" lvl="0" indent="0" algn="ctr" defTabSz="931912" rtl="0" eaLnBrk="1" fontAlgn="base" latinLnBrk="0" hangingPunct="1">
+            <a:pPr algn="ctr" defTabSz="931912" fontAlgn="base">
               <a:lnSpc>
                 <a:spcPct val="90000"/>
               </a:lnSpc>
@@ -8608,25 +11261,13 @@
               <a:spcAft>
                 <a:spcPct val="0"/>
               </a:spcAft>
-              <a:buClrTx/>
-              <a:buSzTx/>
-              <a:buFontTx/>
-              <a:buNone/>
-              <a:tabLst/>
               <a:defRPr/>
             </a:pPr>
-            <a:endParaRPr kumimoji="0" lang="en-US" sz="2398" b="0" i="0" u="none" strike="noStrike" kern="1200" cap="none" spc="0" normalizeH="0" baseline="0" noProof="0" dirty="0">
-              <a:ln>
-                <a:noFill/>
-              </a:ln>
+            <a:endParaRPr lang="en-US" sz="2398" dirty="0">
               <a:solidFill>
                 <a:srgbClr val="000000"/>
               </a:solidFill>
-              <a:effectLst/>
-              <a:uLnTx/>
-              <a:uFillTx/>
               <a:latin typeface="Arial" panose="020B0604020202020204" pitchFamily="34" charset="0"/>
-              <a:ea typeface="+mn-ea"/>
               <a:cs typeface="Arial" panose="020B0604020202020204" pitchFamily="34" charset="0"/>
             </a:endParaRPr>
           </a:p>
@@ -8668,34 +11309,12 @@
           </a:bodyPr>
           <a:lstStyle/>
           <a:p>
-            <a:pPr marL="0" marR="0" lvl="0" indent="0" algn="ctr" defTabSz="914240" rtl="0" eaLnBrk="1" fontAlgn="auto" latinLnBrk="0" hangingPunct="1">
-              <a:lnSpc>
-                <a:spcPct val="100000"/>
-              </a:lnSpc>
-              <a:spcBef>
-                <a:spcPts val="0"/>
-              </a:spcBef>
-              <a:spcAft>
-                <a:spcPts val="0"/>
-              </a:spcAft>
-              <a:buClrTx/>
-              <a:buSzTx/>
-              <a:buFontTx/>
-              <a:buNone/>
-              <a:tabLst/>
-              <a:defRPr/>
-            </a:pPr>
-            <a:r>
-              <a:rPr kumimoji="0" lang="en-US" sz="1000" b="1" i="0" u="none" strike="noStrike" kern="1200" cap="none" spc="0" normalizeH="0" baseline="0" noProof="0" dirty="0">
-                <a:ln>
-                  <a:noFill/>
-                </a:ln>
+            <a:pPr algn="ctr" defTabSz="914240"/>
+            <a:r>
+              <a:rPr lang="en-US" sz="1000" b="1" dirty="0">
                 <a:solidFill>
                   <a:srgbClr val="246090"/>
                 </a:solidFill>
-                <a:effectLst/>
-                <a:uLnTx/>
-                <a:uFillTx/>
                 <a:latin typeface="Arial" panose="020B0604020202020204" pitchFamily="34" charset="0"/>
                 <a:ea typeface="Verdana" pitchFamily="34" charset="0"/>
                 <a:cs typeface="Arial" panose="020B0604020202020204" pitchFamily="34" charset="0"/>
@@ -8703,32 +11322,20 @@
               <a:t>Private Subnet – AZ1  </a:t>
             </a:r>
             <a:br>
-              <a:rPr kumimoji="0" lang="en-US" sz="1000" b="1" i="0" u="none" strike="noStrike" kern="1200" cap="none" spc="0" normalizeH="0" baseline="0" noProof="0" dirty="0">
-                <a:ln>
-                  <a:noFill/>
-                </a:ln>
+              <a:rPr lang="en-US" sz="1000" b="1" dirty="0">
                 <a:solidFill>
                   <a:srgbClr val="246090"/>
                 </a:solidFill>
-                <a:effectLst/>
-                <a:uLnTx/>
-                <a:uFillTx/>
                 <a:latin typeface="Arial" panose="020B0604020202020204" pitchFamily="34" charset="0"/>
                 <a:ea typeface="Verdana" pitchFamily="34" charset="0"/>
                 <a:cs typeface="Arial" panose="020B0604020202020204" pitchFamily="34" charset="0"/>
               </a:rPr>
             </a:br>
             <a:r>
-              <a:rPr kumimoji="0" lang="en-US" sz="1000" b="1" i="0" u="none" strike="noStrike" kern="1200" cap="none" spc="0" normalizeH="0" baseline="0" noProof="0" dirty="0">
-                <a:ln>
-                  <a:noFill/>
-                </a:ln>
+              <a:rPr lang="en-US" sz="1000" b="1" dirty="0">
                 <a:solidFill>
                   <a:srgbClr val="246090"/>
                 </a:solidFill>
-                <a:effectLst/>
-                <a:uLnTx/>
-                <a:uFillTx/>
                 <a:latin typeface="Arial" panose="020B0604020202020204" pitchFamily="34" charset="0"/>
                 <a:ea typeface="Verdana" pitchFamily="34" charset="0"/>
                 <a:cs typeface="Arial" panose="020B0604020202020204" pitchFamily="34" charset="0"/>
@@ -8791,35 +11398,12 @@
           </a:bodyPr>
           <a:lstStyle/>
           <a:p>
-            <a:pPr marL="0" marR="0" lvl="0" indent="0" algn="ctr" defTabSz="914240" rtl="0" eaLnBrk="1" fontAlgn="auto" latinLnBrk="0" hangingPunct="1">
-              <a:lnSpc>
-                <a:spcPct val="100000"/>
-              </a:lnSpc>
-              <a:spcBef>
-                <a:spcPts val="0"/>
-              </a:spcBef>
-              <a:spcAft>
-                <a:spcPts val="0"/>
-              </a:spcAft>
-              <a:buClrTx/>
-              <a:buSzTx/>
-              <a:buFontTx/>
-              <a:buNone/>
-              <a:tabLst/>
-              <a:defRPr/>
-            </a:pPr>
-            <a:endParaRPr kumimoji="0" lang="en-US" sz="1200" b="0" i="0" u="none" strike="noStrike" kern="1200" cap="none" spc="0" normalizeH="0" baseline="0" noProof="0" dirty="0">
-              <a:ln>
-                <a:noFill/>
-              </a:ln>
+            <a:pPr algn="ctr" defTabSz="914240"/>
+            <a:endParaRPr lang="en-US" sz="1200" dirty="0">
               <a:solidFill>
                 <a:srgbClr val="000000"/>
               </a:solidFill>
-              <a:effectLst/>
-              <a:uLnTx/>
-              <a:uFillTx/>
               <a:latin typeface="Arial" panose="020B0604020202020204" pitchFamily="34" charset="0"/>
-              <a:ea typeface="+mn-ea"/>
               <a:cs typeface="Arial" panose="020B0604020202020204" pitchFamily="34" charset="0"/>
             </a:endParaRPr>
           </a:p>
@@ -8852,36 +11436,13 @@
           </a:bodyPr>
           <a:lstStyle/>
           <a:p>
-            <a:pPr marL="0" marR="0" lvl="0" indent="0" algn="l" defTabSz="914240" rtl="0" eaLnBrk="1" fontAlgn="auto" latinLnBrk="0" hangingPunct="1">
-              <a:lnSpc>
-                <a:spcPct val="100000"/>
-              </a:lnSpc>
-              <a:spcBef>
-                <a:spcPts val="0"/>
-              </a:spcBef>
-              <a:spcAft>
-                <a:spcPts val="0"/>
-              </a:spcAft>
-              <a:buClrTx/>
-              <a:buSzTx/>
-              <a:buFontTx/>
-              <a:buNone/>
-              <a:tabLst/>
-              <a:defRPr/>
-            </a:pPr>
-            <a:r>
-              <a:rPr kumimoji="0" lang="en-US" sz="1000" b="0" i="0" u="none" strike="noStrike" kern="1200" cap="none" spc="0" normalizeH="0" baseline="0" noProof="0" dirty="0">
-                <a:ln>
-                  <a:noFill/>
-                </a:ln>
+            <a:pPr defTabSz="914240"/>
+            <a:r>
+              <a:rPr lang="en-US" sz="1000" dirty="0">
                 <a:solidFill>
                   <a:srgbClr val="000000"/>
                 </a:solidFill>
-                <a:effectLst/>
-                <a:uLnTx/>
-                <a:uFillTx/>
                 <a:latin typeface="Arial" panose="020B0604020202020204" pitchFamily="34" charset="0"/>
-                <a:ea typeface="+mn-ea"/>
                 <a:cs typeface="Arial" panose="020B0604020202020204" pitchFamily="34" charset="0"/>
               </a:rPr>
               <a:t> Availability Zone 1</a:t>
@@ -8953,35 +11514,19 @@
           </a:bodyPr>
           <a:lstStyle/>
           <a:p>
-            <a:pPr marL="0" marR="0" lvl="0" indent="0" algn="ctr" defTabSz="457052" rtl="0" eaLnBrk="1" fontAlgn="auto" latinLnBrk="0" hangingPunct="1">
+            <a:pPr algn="ctr" defTabSz="457052">
               <a:lnSpc>
                 <a:spcPct val="95000"/>
               </a:lnSpc>
-              <a:spcBef>
-                <a:spcPts val="0"/>
-              </a:spcBef>
               <a:spcAft>
                 <a:spcPts val="600"/>
               </a:spcAft>
-              <a:buClrTx/>
-              <a:buSzTx/>
-              <a:buFontTx/>
-              <a:buNone/>
-              <a:tabLst/>
-              <a:defRPr/>
             </a:pPr>
-            <a:endParaRPr kumimoji="0" lang="en-US" sz="1400" b="0" i="0" u="none" strike="noStrike" kern="1200" cap="none" spc="0" normalizeH="0" baseline="0" noProof="0" dirty="0">
-              <a:ln>
-                <a:noFill/>
-              </a:ln>
+            <a:endParaRPr lang="en-US" sz="1400" dirty="0">
               <a:solidFill>
                 <a:srgbClr val="000000"/>
               </a:solidFill>
-              <a:effectLst/>
-              <a:uLnTx/>
-              <a:uFillTx/>
               <a:latin typeface="Arial"/>
-              <a:ea typeface="+mn-ea"/>
               <a:cs typeface="Arial" panose="020B0604020202020204" pitchFamily="34" charset="0"/>
             </a:endParaRPr>
           </a:p>
@@ -9207,37 +11752,13 @@
           </a:bodyPr>
           <a:lstStyle/>
           <a:p>
-            <a:pPr marL="0" marR="0" lvl="0" indent="0" algn="l" defTabSz="914240" rtl="0" eaLnBrk="1" fontAlgn="auto" latinLnBrk="0" hangingPunct="1">
-              <a:lnSpc>
-                <a:spcPct val="100000"/>
-              </a:lnSpc>
-              <a:spcBef>
-                <a:spcPts val="0"/>
-              </a:spcBef>
-              <a:spcAft>
-                <a:spcPts val="0"/>
-              </a:spcAft>
-              <a:buClrTx/>
-              <a:buSzTx/>
-              <a:buFontTx/>
-              <a:buNone/>
-              <a:tabLst/>
-              <a:defRPr/>
-            </a:pPr>
-            <a:r>
-              <a:rPr kumimoji="0" lang="en-US" sz="800" b="1" i="0" u="none" strike="noStrike" kern="1200" cap="none" spc="0" normalizeH="0" baseline="0" noProof="0" dirty="0">
-                <a:ln>
-                  <a:noFill/>
-                </a:ln>
+            <a:pPr defTabSz="914240"/>
+            <a:r>
+              <a:rPr lang="en-US" sz="800" b="1" dirty="0">
                 <a:solidFill>
                   <a:srgbClr val="000000"/>
                 </a:solidFill>
-                <a:effectLst/>
-                <a:uLnTx/>
-                <a:uFillTx/>
                 <a:latin typeface="Arial"/>
-                <a:ea typeface="+mn-ea"/>
-                <a:cs typeface="+mn-cs"/>
               </a:rPr>
               <a:t>Internet GW</a:t>
             </a:r>
@@ -9280,34 +11801,12 @@
           </a:bodyPr>
           <a:lstStyle/>
           <a:p>
-            <a:pPr marL="0" marR="0" lvl="0" indent="0" algn="ctr" defTabSz="914240" rtl="0" eaLnBrk="1" fontAlgn="auto" latinLnBrk="0" hangingPunct="1">
-              <a:lnSpc>
-                <a:spcPct val="100000"/>
-              </a:lnSpc>
-              <a:spcBef>
-                <a:spcPts val="0"/>
-              </a:spcBef>
-              <a:spcAft>
-                <a:spcPts val="0"/>
-              </a:spcAft>
-              <a:buClrTx/>
-              <a:buSzTx/>
-              <a:buFontTx/>
-              <a:buNone/>
-              <a:tabLst/>
-              <a:defRPr/>
-            </a:pPr>
-            <a:r>
-              <a:rPr kumimoji="0" lang="en-US" sz="1000" b="1" i="0" u="none" strike="noStrike" kern="1200" cap="none" spc="0" normalizeH="0" baseline="0" noProof="0" dirty="0">
-                <a:ln>
-                  <a:noFill/>
-                </a:ln>
+            <a:pPr algn="ctr" defTabSz="914240"/>
+            <a:r>
+              <a:rPr lang="en-US" sz="1000" b="1" dirty="0">
                 <a:solidFill>
                   <a:srgbClr val="009946"/>
                 </a:solidFill>
-                <a:effectLst/>
-                <a:uLnTx/>
-                <a:uFillTx/>
                 <a:latin typeface="Arial" panose="020B0604020202020204" pitchFamily="34" charset="0"/>
                 <a:ea typeface="Verdana" pitchFamily="34" charset="0"/>
                 <a:cs typeface="Arial" panose="020B0604020202020204" pitchFamily="34" charset="0"/>
@@ -9315,32 +11814,20 @@
               <a:t>Public Subnet – AZ2</a:t>
             </a:r>
             <a:br>
-              <a:rPr kumimoji="0" lang="en-US" sz="1000" b="1" i="0" u="none" strike="noStrike" kern="1200" cap="none" spc="0" normalizeH="0" baseline="0" noProof="0" dirty="0">
-                <a:ln>
-                  <a:noFill/>
-                </a:ln>
+              <a:rPr lang="en-US" sz="1000" b="1" dirty="0">
                 <a:solidFill>
                   <a:srgbClr val="009946"/>
                 </a:solidFill>
-                <a:effectLst/>
-                <a:uLnTx/>
-                <a:uFillTx/>
                 <a:latin typeface="Arial" panose="020B0604020202020204" pitchFamily="34" charset="0"/>
                 <a:ea typeface="Verdana" pitchFamily="34" charset="0"/>
                 <a:cs typeface="Arial" panose="020B0604020202020204" pitchFamily="34" charset="0"/>
               </a:rPr>
             </a:br>
             <a:r>
-              <a:rPr kumimoji="0" lang="en-US" sz="1000" b="1" i="0" u="none" strike="noStrike" kern="1200" cap="none" spc="0" normalizeH="0" baseline="0" noProof="0" dirty="0">
-                <a:ln>
-                  <a:noFill/>
-                </a:ln>
+              <a:rPr lang="en-US" sz="1000" b="1" dirty="0">
                 <a:solidFill>
                   <a:srgbClr val="009946"/>
                 </a:solidFill>
-                <a:effectLst/>
-                <a:uLnTx/>
-                <a:uFillTx/>
                 <a:latin typeface="Arial" panose="020B0604020202020204" pitchFamily="34" charset="0"/>
                 <a:ea typeface="Verdana" pitchFamily="34" charset="0"/>
                 <a:cs typeface="Arial" panose="020B0604020202020204" pitchFamily="34" charset="0"/>
@@ -9440,7 +11927,7 @@
           </a:bodyPr>
           <a:lstStyle/>
           <a:p>
-            <a:pPr marL="0" marR="0" lvl="0" indent="0" algn="ctr" defTabSz="931912" rtl="0" eaLnBrk="1" fontAlgn="base" latinLnBrk="0" hangingPunct="1">
+            <a:pPr algn="ctr" defTabSz="931912" fontAlgn="base">
               <a:lnSpc>
                 <a:spcPct val="90000"/>
               </a:lnSpc>
@@ -9450,25 +11937,13 @@
               <a:spcAft>
                 <a:spcPct val="0"/>
               </a:spcAft>
-              <a:buClrTx/>
-              <a:buSzTx/>
-              <a:buFontTx/>
-              <a:buNone/>
-              <a:tabLst/>
               <a:defRPr/>
             </a:pPr>
-            <a:endParaRPr kumimoji="0" lang="en-US" sz="2398" b="0" i="0" u="none" strike="noStrike" kern="1200" cap="none" spc="0" normalizeH="0" baseline="0" noProof="0" dirty="0">
-              <a:ln>
-                <a:noFill/>
-              </a:ln>
+            <a:endParaRPr lang="en-US" sz="2398" dirty="0">
               <a:solidFill>
                 <a:srgbClr val="000000"/>
               </a:solidFill>
-              <a:effectLst/>
-              <a:uLnTx/>
-              <a:uFillTx/>
               <a:latin typeface="Arial" panose="020B0604020202020204" pitchFamily="34" charset="0"/>
-              <a:ea typeface="+mn-ea"/>
               <a:cs typeface="Arial" panose="020B0604020202020204" pitchFamily="34" charset="0"/>
             </a:endParaRPr>
           </a:p>
@@ -9528,7 +12003,7 @@
           </a:bodyPr>
           <a:lstStyle/>
           <a:p>
-            <a:pPr marL="0" marR="0" lvl="0" indent="0" algn="ctr" defTabSz="931912" rtl="0" eaLnBrk="1" fontAlgn="base" latinLnBrk="0" hangingPunct="1">
+            <a:pPr algn="ctr" defTabSz="931912" fontAlgn="base">
               <a:lnSpc>
                 <a:spcPct val="90000"/>
               </a:lnSpc>
@@ -9538,25 +12013,13 @@
               <a:spcAft>
                 <a:spcPct val="0"/>
               </a:spcAft>
-              <a:buClrTx/>
-              <a:buSzTx/>
-              <a:buFontTx/>
-              <a:buNone/>
-              <a:tabLst/>
               <a:defRPr/>
             </a:pPr>
-            <a:endParaRPr kumimoji="0" lang="en-US" sz="2398" b="0" i="0" u="none" strike="noStrike" kern="1200" cap="none" spc="0" normalizeH="0" baseline="0" noProof="0" dirty="0">
-              <a:ln>
-                <a:noFill/>
-              </a:ln>
+            <a:endParaRPr lang="en-US" sz="2398" dirty="0">
               <a:solidFill>
                 <a:srgbClr val="000000"/>
               </a:solidFill>
-              <a:effectLst/>
-              <a:uLnTx/>
-              <a:uFillTx/>
               <a:latin typeface="Arial" panose="020B0604020202020204" pitchFamily="34" charset="0"/>
-              <a:ea typeface="+mn-ea"/>
               <a:cs typeface="Arial" panose="020B0604020202020204" pitchFamily="34" charset="0"/>
             </a:endParaRPr>
           </a:p>
@@ -9615,35 +12078,12 @@
           </a:bodyPr>
           <a:lstStyle/>
           <a:p>
-            <a:pPr marL="0" marR="0" lvl="0" indent="0" algn="ctr" defTabSz="914240" rtl="0" eaLnBrk="1" fontAlgn="auto" latinLnBrk="0" hangingPunct="1">
-              <a:lnSpc>
-                <a:spcPct val="100000"/>
-              </a:lnSpc>
-              <a:spcBef>
-                <a:spcPts val="0"/>
-              </a:spcBef>
-              <a:spcAft>
-                <a:spcPts val="0"/>
-              </a:spcAft>
-              <a:buClrTx/>
-              <a:buSzTx/>
-              <a:buFontTx/>
-              <a:buNone/>
-              <a:tabLst/>
-              <a:defRPr/>
-            </a:pPr>
-            <a:endParaRPr kumimoji="0" lang="en-US" sz="1200" b="0" i="0" u="none" strike="noStrike" kern="1200" cap="none" spc="0" normalizeH="0" baseline="0" noProof="0" dirty="0">
-              <a:ln>
-                <a:noFill/>
-              </a:ln>
+            <a:pPr algn="ctr" defTabSz="914240"/>
+            <a:endParaRPr lang="en-US" sz="1200" dirty="0">
               <a:solidFill>
                 <a:srgbClr val="000000"/>
               </a:solidFill>
-              <a:effectLst/>
-              <a:uLnTx/>
-              <a:uFillTx/>
               <a:latin typeface="Arial" panose="020B0604020202020204" pitchFamily="34" charset="0"/>
-              <a:ea typeface="+mn-ea"/>
               <a:cs typeface="Arial" panose="020B0604020202020204" pitchFamily="34" charset="0"/>
             </a:endParaRPr>
           </a:p>
@@ -9676,36 +12116,13 @@
           </a:bodyPr>
           <a:lstStyle/>
           <a:p>
-            <a:pPr marL="0" marR="0" lvl="0" indent="0" algn="l" defTabSz="914240" rtl="0" eaLnBrk="1" fontAlgn="auto" latinLnBrk="0" hangingPunct="1">
-              <a:lnSpc>
-                <a:spcPct val="100000"/>
-              </a:lnSpc>
-              <a:spcBef>
-                <a:spcPts val="0"/>
-              </a:spcBef>
-              <a:spcAft>
-                <a:spcPts val="0"/>
-              </a:spcAft>
-              <a:buClrTx/>
-              <a:buSzTx/>
-              <a:buFontTx/>
-              <a:buNone/>
-              <a:tabLst/>
-              <a:defRPr/>
-            </a:pPr>
-            <a:r>
-              <a:rPr kumimoji="0" lang="en-US" sz="1000" b="0" i="0" u="none" strike="noStrike" kern="1200" cap="none" spc="0" normalizeH="0" baseline="0" noProof="0" dirty="0">
-                <a:ln>
-                  <a:noFill/>
-                </a:ln>
+            <a:pPr defTabSz="914240"/>
+            <a:r>
+              <a:rPr lang="en-US" sz="1000" dirty="0">
                 <a:solidFill>
                   <a:srgbClr val="000000"/>
                 </a:solidFill>
-                <a:effectLst/>
-                <a:uLnTx/>
-                <a:uFillTx/>
                 <a:latin typeface="Arial" panose="020B0604020202020204" pitchFamily="34" charset="0"/>
-                <a:ea typeface="+mn-ea"/>
                 <a:cs typeface="Arial" panose="020B0604020202020204" pitchFamily="34" charset="0"/>
               </a:rPr>
               <a:t> Availability Zone 2</a:t>
@@ -9939,34 +12356,12 @@
           </a:bodyPr>
           <a:lstStyle/>
           <a:p>
-            <a:pPr marL="0" marR="0" lvl="0" indent="0" algn="ctr" defTabSz="914240" rtl="0" eaLnBrk="1" fontAlgn="auto" latinLnBrk="0" hangingPunct="1">
-              <a:lnSpc>
-                <a:spcPct val="100000"/>
-              </a:lnSpc>
-              <a:spcBef>
-                <a:spcPts val="0"/>
-              </a:spcBef>
-              <a:spcAft>
-                <a:spcPts val="0"/>
-              </a:spcAft>
-              <a:buClrTx/>
-              <a:buSzTx/>
-              <a:buFontTx/>
-              <a:buNone/>
-              <a:tabLst/>
-              <a:defRPr/>
-            </a:pPr>
-            <a:r>
-              <a:rPr kumimoji="0" lang="en-US" sz="1000" b="1" i="0" u="none" strike="noStrike" kern="1200" cap="none" spc="0" normalizeH="0" baseline="0" noProof="0" dirty="0">
-                <a:ln>
-                  <a:noFill/>
-                </a:ln>
+            <a:pPr algn="ctr" defTabSz="914240"/>
+            <a:r>
+              <a:rPr lang="en-US" sz="1000" b="1" dirty="0">
                 <a:solidFill>
                   <a:srgbClr val="009946"/>
                 </a:solidFill>
-                <a:effectLst/>
-                <a:uLnTx/>
-                <a:uFillTx/>
                 <a:latin typeface="Arial" panose="020B0604020202020204" pitchFamily="34" charset="0"/>
                 <a:ea typeface="Verdana" pitchFamily="34" charset="0"/>
                 <a:cs typeface="Arial" panose="020B0604020202020204" pitchFamily="34" charset="0"/>
@@ -10084,34 +12479,12 @@
           </a:bodyPr>
           <a:lstStyle/>
           <a:p>
-            <a:pPr marL="0" marR="0" lvl="0" indent="0" algn="ctr" defTabSz="914240" rtl="0" eaLnBrk="1" fontAlgn="auto" latinLnBrk="0" hangingPunct="1">
-              <a:lnSpc>
-                <a:spcPct val="100000"/>
-              </a:lnSpc>
-              <a:spcBef>
-                <a:spcPts val="0"/>
-              </a:spcBef>
-              <a:spcAft>
-                <a:spcPts val="0"/>
-              </a:spcAft>
-              <a:buClrTx/>
-              <a:buSzTx/>
-              <a:buFontTx/>
-              <a:buNone/>
-              <a:tabLst/>
-              <a:defRPr/>
-            </a:pPr>
-            <a:r>
-              <a:rPr kumimoji="0" lang="en-US" sz="1000" b="1" i="0" u="none" strike="noStrike" kern="1200" cap="none" spc="0" normalizeH="0" baseline="0" noProof="0" dirty="0">
-                <a:ln>
-                  <a:noFill/>
-                </a:ln>
+            <a:pPr algn="ctr" defTabSz="914240"/>
+            <a:r>
+              <a:rPr lang="en-US" sz="1000" b="1" dirty="0">
                 <a:solidFill>
                   <a:srgbClr val="246090"/>
                 </a:solidFill>
-                <a:effectLst/>
-                <a:uLnTx/>
-                <a:uFillTx/>
                 <a:latin typeface="Arial" panose="020B0604020202020204" pitchFamily="34" charset="0"/>
                 <a:ea typeface="Verdana" pitchFamily="34" charset="0"/>
                 <a:cs typeface="Arial" panose="020B0604020202020204" pitchFamily="34" charset="0"/>
@@ -10273,34 +12646,12 @@
             </a:lvl9pPr>
           </a:lstStyle>
           <a:p>
-            <a:pPr marL="0" marR="0" lvl="0" indent="0" algn="ctr" defTabSz="914240" rtl="0" eaLnBrk="1" fontAlgn="auto" latinLnBrk="0" hangingPunct="1">
-              <a:lnSpc>
-                <a:spcPct val="100000"/>
-              </a:lnSpc>
-              <a:spcBef>
-                <a:spcPts val="0"/>
-              </a:spcBef>
-              <a:spcAft>
-                <a:spcPts val="0"/>
-              </a:spcAft>
-              <a:buClrTx/>
-              <a:buSzTx/>
-              <a:buFontTx/>
-              <a:buNone/>
-              <a:tabLst/>
-              <a:defRPr/>
-            </a:pPr>
-            <a:r>
-              <a:rPr kumimoji="0" lang="en-US" altLang="en-US" sz="1100" b="0" i="0" u="none" strike="noStrike" kern="1200" cap="none" spc="0" normalizeH="0" baseline="0" noProof="0" dirty="0">
-                <a:ln>
-                  <a:noFill/>
-                </a:ln>
+            <a:pPr algn="ctr" defTabSz="914240"/>
+            <a:r>
+              <a:rPr lang="en-US" altLang="en-US" sz="1100" dirty="0">
                 <a:solidFill>
                   <a:srgbClr val="000000"/>
                 </a:solidFill>
-                <a:effectLst/>
-                <a:uLnTx/>
-                <a:uFillTx/>
                 <a:latin typeface="Arial" panose="020B0604020202020204" pitchFamily="34" charset="0"/>
                 <a:ea typeface="Amazon Ember" panose="020B0603020204020204" pitchFamily="34" charset="0"/>
                 <a:cs typeface="Arial" panose="020B0604020202020204" pitchFamily="34" charset="0"/>
@@ -10374,108 +12725,51 @@
           </a:bodyPr>
           <a:lstStyle/>
           <a:p>
-            <a:pPr marL="0" marR="0" lvl="0" indent="0" algn="ctr" defTabSz="914240" rtl="0" eaLnBrk="1" fontAlgn="auto" latinLnBrk="0" hangingPunct="1">
+            <a:pPr algn="ctr" defTabSz="914240">
               <a:lnSpc>
                 <a:spcPct val="90000"/>
               </a:lnSpc>
-              <a:spcBef>
-                <a:spcPts val="0"/>
-              </a:spcBef>
-              <a:spcAft>
-                <a:spcPts val="0"/>
-              </a:spcAft>
-              <a:buClrTx/>
-              <a:buSzTx/>
-              <a:buFontTx/>
-              <a:buNone/>
-              <a:tabLst/>
-              <a:defRPr/>
             </a:pPr>
             <a:r>
-              <a:rPr kumimoji="0" lang="en-US" sz="800" b="1" i="0" u="none" strike="noStrike" kern="1200" cap="none" spc="0" normalizeH="0" baseline="0" noProof="0" dirty="0">
-                <a:ln>
-                  <a:noFill/>
-                </a:ln>
+              <a:rPr lang="en-US" sz="800" b="1" dirty="0">
                 <a:solidFill>
                   <a:srgbClr val="009946"/>
                 </a:solidFill>
-                <a:effectLst/>
-                <a:uLnTx/>
-                <a:uFillTx/>
                 <a:latin typeface="Arial" panose="020B0604020202020204" pitchFamily="34" charset="0"/>
-                <a:ea typeface="+mn-ea"/>
                 <a:cs typeface="Arial" panose="020B0604020202020204" pitchFamily="34" charset="0"/>
               </a:rPr>
               <a:t>Port1</a:t>
             </a:r>
           </a:p>
           <a:p>
-            <a:pPr marL="0" marR="0" lvl="0" indent="0" algn="ctr" defTabSz="914240" rtl="0" eaLnBrk="1" fontAlgn="auto" latinLnBrk="0" hangingPunct="1">
+            <a:pPr algn="ctr" defTabSz="914240">
               <a:lnSpc>
                 <a:spcPct val="90000"/>
               </a:lnSpc>
-              <a:spcBef>
-                <a:spcPts val="0"/>
-              </a:spcBef>
-              <a:spcAft>
-                <a:spcPts val="0"/>
-              </a:spcAft>
-              <a:buClrTx/>
-              <a:buSzTx/>
-              <a:buFontTx/>
-              <a:buNone/>
-              <a:tabLst/>
-              <a:defRPr/>
             </a:pPr>
             <a:r>
-              <a:rPr kumimoji="0" lang="en-US" sz="800" b="1" i="0" u="none" strike="noStrike" kern="1200" cap="none" spc="0" normalizeH="0" baseline="0" noProof="0" dirty="0">
-                <a:ln>
-                  <a:noFill/>
-                </a:ln>
+              <a:rPr lang="en-US" sz="800" b="1" dirty="0">
                 <a:solidFill>
                   <a:srgbClr val="009946"/>
                 </a:solidFill>
-                <a:effectLst/>
-                <a:uLnTx/>
-                <a:uFillTx/>
                 <a:latin typeface="Arial" panose="020B0604020202020204" pitchFamily="34" charset="0"/>
-                <a:ea typeface="+mn-ea"/>
                 <a:cs typeface="Arial" panose="020B0604020202020204" pitchFamily="34" charset="0"/>
               </a:rPr>
               <a:t>Primary IP 10.0.1.10</a:t>
             </a:r>
           </a:p>
           <a:p>
-            <a:pPr marL="0" marR="0" lvl="0" indent="0" algn="ctr" defTabSz="914240" rtl="0" eaLnBrk="1" fontAlgn="auto" latinLnBrk="0" hangingPunct="1">
+            <a:pPr algn="ctr" defTabSz="914240">
               <a:lnSpc>
                 <a:spcPct val="90000"/>
               </a:lnSpc>
-              <a:spcBef>
-                <a:spcPts val="0"/>
-              </a:spcBef>
-              <a:spcAft>
-                <a:spcPts val="0"/>
-              </a:spcAft>
-              <a:buClrTx/>
-              <a:buSzTx/>
-              <a:buFontTx/>
-              <a:buNone/>
-              <a:tabLst/>
-              <a:defRPr/>
             </a:pPr>
             <a:r>
-              <a:rPr kumimoji="0" lang="en-US" sz="800" b="1" i="0" u="none" strike="noStrike" kern="1200" cap="none" spc="0" normalizeH="0" baseline="0" noProof="0" dirty="0">
-                <a:ln>
-                  <a:noFill/>
-                </a:ln>
+              <a:rPr lang="en-US" sz="800" b="1" dirty="0">
                 <a:solidFill>
                   <a:srgbClr val="009946"/>
                 </a:solidFill>
-                <a:effectLst/>
-                <a:uLnTx/>
-                <a:uFillTx/>
                 <a:latin typeface="Arial" panose="020B0604020202020204" pitchFamily="34" charset="0"/>
-                <a:ea typeface="+mn-ea"/>
                 <a:cs typeface="Arial" panose="020B0604020202020204" pitchFamily="34" charset="0"/>
               </a:rPr>
               <a:t>Secondary IP 10.0.1.11</a:t>
@@ -10741,34 +13035,12 @@
             </a:lvl9pPr>
           </a:lstStyle>
           <a:p>
-            <a:pPr marL="0" marR="0" lvl="0" indent="0" algn="ctr" defTabSz="914240" rtl="0" eaLnBrk="1" fontAlgn="auto" latinLnBrk="0" hangingPunct="1">
-              <a:lnSpc>
-                <a:spcPct val="100000"/>
-              </a:lnSpc>
-              <a:spcBef>
-                <a:spcPts val="0"/>
-              </a:spcBef>
-              <a:spcAft>
-                <a:spcPts val="0"/>
-              </a:spcAft>
-              <a:buClrTx/>
-              <a:buSzTx/>
-              <a:buFontTx/>
-              <a:buNone/>
-              <a:tabLst/>
-              <a:defRPr/>
-            </a:pPr>
-            <a:r>
-              <a:rPr kumimoji="0" lang="en-US" altLang="en-US" sz="1100" b="0" i="0" u="none" strike="noStrike" kern="1200" cap="none" spc="0" normalizeH="0" baseline="0" noProof="0" dirty="0">
-                <a:ln>
-                  <a:noFill/>
-                </a:ln>
+            <a:pPr algn="ctr" defTabSz="914240"/>
+            <a:r>
+              <a:rPr lang="en-US" altLang="en-US" sz="1100" dirty="0">
                 <a:solidFill>
                   <a:srgbClr val="000000"/>
                 </a:solidFill>
-                <a:effectLst/>
-                <a:uLnTx/>
-                <a:uFillTx/>
                 <a:latin typeface="Arial" panose="020B0604020202020204" pitchFamily="34" charset="0"/>
                 <a:ea typeface="Amazon Ember" panose="020B0603020204020204" pitchFamily="34" charset="0"/>
                 <a:cs typeface="Arial" panose="020B0604020202020204" pitchFamily="34" charset="0"/>
@@ -10842,108 +13114,51 @@
           </a:bodyPr>
           <a:lstStyle/>
           <a:p>
-            <a:pPr marL="0" marR="0" lvl="0" indent="0" algn="ctr" defTabSz="914240" rtl="0" eaLnBrk="1" fontAlgn="auto" latinLnBrk="0" hangingPunct="1">
+            <a:pPr algn="ctr" defTabSz="914240">
               <a:lnSpc>
                 <a:spcPct val="90000"/>
               </a:lnSpc>
-              <a:spcBef>
-                <a:spcPts val="0"/>
-              </a:spcBef>
-              <a:spcAft>
-                <a:spcPts val="0"/>
-              </a:spcAft>
-              <a:buClrTx/>
-              <a:buSzTx/>
-              <a:buFontTx/>
-              <a:buNone/>
-              <a:tabLst/>
-              <a:defRPr/>
             </a:pPr>
             <a:r>
-              <a:rPr kumimoji="0" lang="en-US" sz="800" b="1" i="0" u="none" strike="noStrike" kern="1200" cap="none" spc="0" normalizeH="0" baseline="0" noProof="0" dirty="0">
-                <a:ln>
-                  <a:noFill/>
-                </a:ln>
+              <a:rPr lang="en-US" sz="800" b="1" dirty="0">
                 <a:solidFill>
                   <a:srgbClr val="009946"/>
                 </a:solidFill>
-                <a:effectLst/>
-                <a:uLnTx/>
-                <a:uFillTx/>
                 <a:latin typeface="Arial" panose="020B0604020202020204" pitchFamily="34" charset="0"/>
-                <a:ea typeface="+mn-ea"/>
                 <a:cs typeface="Arial" panose="020B0604020202020204" pitchFamily="34" charset="0"/>
               </a:rPr>
               <a:t>Port1</a:t>
             </a:r>
           </a:p>
           <a:p>
-            <a:pPr marL="0" marR="0" lvl="0" indent="0" algn="ctr" defTabSz="914240" rtl="0" eaLnBrk="1" fontAlgn="auto" latinLnBrk="0" hangingPunct="1">
+            <a:pPr algn="ctr" defTabSz="914240">
               <a:lnSpc>
                 <a:spcPct val="90000"/>
               </a:lnSpc>
-              <a:spcBef>
-                <a:spcPts val="0"/>
-              </a:spcBef>
-              <a:spcAft>
-                <a:spcPts val="0"/>
-              </a:spcAft>
-              <a:buClrTx/>
-              <a:buSzTx/>
-              <a:buFontTx/>
-              <a:buNone/>
-              <a:tabLst/>
-              <a:defRPr/>
             </a:pPr>
             <a:r>
-              <a:rPr kumimoji="0" lang="en-US" sz="800" b="1" i="0" u="none" strike="noStrike" kern="1200" cap="none" spc="0" normalizeH="0" baseline="0" noProof="0" dirty="0">
-                <a:ln>
-                  <a:noFill/>
-                </a:ln>
+              <a:rPr lang="en-US" sz="800" b="1" dirty="0">
                 <a:solidFill>
                   <a:srgbClr val="009946"/>
                 </a:solidFill>
-                <a:effectLst/>
-                <a:uLnTx/>
-                <a:uFillTx/>
                 <a:latin typeface="Arial" panose="020B0604020202020204" pitchFamily="34" charset="0"/>
-                <a:ea typeface="+mn-ea"/>
                 <a:cs typeface="Arial" panose="020B0604020202020204" pitchFamily="34" charset="0"/>
               </a:rPr>
               <a:t>Primary IP 10.0.10.10</a:t>
             </a:r>
           </a:p>
           <a:p>
-            <a:pPr marL="0" marR="0" lvl="0" indent="0" algn="ctr" defTabSz="914240" rtl="0" eaLnBrk="1" fontAlgn="auto" latinLnBrk="0" hangingPunct="1">
+            <a:pPr algn="ctr" defTabSz="914240">
               <a:lnSpc>
                 <a:spcPct val="90000"/>
               </a:lnSpc>
-              <a:spcBef>
-                <a:spcPts val="0"/>
-              </a:spcBef>
-              <a:spcAft>
-                <a:spcPts val="0"/>
-              </a:spcAft>
-              <a:buClrTx/>
-              <a:buSzTx/>
-              <a:buFontTx/>
-              <a:buNone/>
-              <a:tabLst/>
-              <a:defRPr/>
             </a:pPr>
             <a:r>
-              <a:rPr kumimoji="0" lang="en-US" sz="800" b="1" i="0" u="none" strike="noStrike" kern="1200" cap="none" spc="0" normalizeH="0" baseline="0" noProof="0" dirty="0">
-                <a:ln>
-                  <a:noFill/>
-                </a:ln>
+              <a:rPr lang="en-US" sz="800" b="1" dirty="0">
                 <a:solidFill>
                   <a:srgbClr val="009946"/>
                 </a:solidFill>
-                <a:effectLst/>
-                <a:uLnTx/>
-                <a:uFillTx/>
                 <a:latin typeface="Arial" panose="020B0604020202020204" pitchFamily="34" charset="0"/>
-                <a:ea typeface="+mn-ea"/>
                 <a:cs typeface="Arial" panose="020B0604020202020204" pitchFamily="34" charset="0"/>
               </a:rPr>
               <a:t>Secondary IP 10.0.10.11</a:t>
@@ -11120,38 +13335,8 @@
           </a:bodyPr>
           <a:lstStyle/>
           <a:p>
-            <a:pPr marL="0" marR="0" lvl="0" indent="0" algn="l" defTabSz="914400" rtl="0" eaLnBrk="1" fontAlgn="auto" latinLnBrk="0" hangingPunct="1">
-              <a:lnSpc>
-                <a:spcPct val="100000"/>
-              </a:lnSpc>
-              <a:spcBef>
-                <a:spcPts val="0"/>
-              </a:spcBef>
-              <a:spcAft>
-                <a:spcPts val="0"/>
-              </a:spcAft>
-              <a:buClrTx/>
-              <a:buSzTx/>
-              <a:buFontTx/>
-              <a:buNone/>
-              <a:tabLst/>
-              <a:defRPr/>
-            </a:pPr>
-            <a:r>
-              <a:rPr kumimoji="0" lang="en-US" sz="800" b="1" i="0" u="none" strike="noStrike" kern="1200" cap="none" spc="0" normalizeH="0" baseline="0" noProof="0" dirty="0">
-                <a:ln>
-                  <a:noFill/>
-                </a:ln>
-                <a:solidFill>
-                  <a:srgbClr val="000000"/>
-                </a:solidFill>
-                <a:effectLst/>
-                <a:uLnTx/>
-                <a:uFillTx/>
-                <a:latin typeface="Arial"/>
-                <a:ea typeface="+mn-ea"/>
-                <a:cs typeface="+mn-cs"/>
-              </a:rPr>
+            <a:r>
+              <a:rPr lang="en-US" sz="800" b="1" dirty="0"/>
               <a:t>https://ec2.region-code.amazonaws.com</a:t>
             </a:r>
           </a:p>
@@ -11184,57 +13369,26 @@
           </a:bodyPr>
           <a:lstStyle/>
           <a:p>
-            <a:pPr marL="0" marR="0" lvl="0" indent="0" algn="ctr" defTabSz="914400" rtl="0" eaLnBrk="1" fontAlgn="auto" latinLnBrk="0" hangingPunct="1">
-              <a:lnSpc>
-                <a:spcPct val="100000"/>
-              </a:lnSpc>
-              <a:spcBef>
-                <a:spcPts val="0"/>
-              </a:spcBef>
-              <a:spcAft>
-                <a:spcPts val="0"/>
-              </a:spcAft>
-              <a:buClrTx/>
-              <a:buSzTx/>
-              <a:buFontTx/>
-              <a:buNone/>
-              <a:tabLst/>
-              <a:defRPr/>
-            </a:pPr>
-            <a:r>
-              <a:rPr kumimoji="0" lang="en-US" sz="800" b="1" i="0" u="none" strike="noStrike" kern="1200" cap="none" spc="0" normalizeH="0" baseline="0" noProof="0" dirty="0">
-                <a:ln>
-                  <a:noFill/>
-                </a:ln>
-                <a:solidFill>
-                  <a:srgbClr val="FFFFFF">
+            <a:pPr algn="ctr"/>
+            <a:r>
+              <a:rPr lang="en-US" sz="800" b="1" dirty="0">
+                <a:solidFill>
+                  <a:schemeClr val="bg1">
                     <a:lumMod val="65000"/>
-                  </a:srgbClr>
-                </a:solidFill>
-                <a:effectLst/>
-                <a:uLnTx/>
-                <a:uFillTx/>
+                  </a:schemeClr>
+                </a:solidFill>
                 <a:latin typeface="Arial" panose="020B0604020202020204" pitchFamily="34" charset="0"/>
                 <a:ea typeface="Verdana" pitchFamily="34" charset="0"/>
                 <a:cs typeface="Arial" panose="020B0604020202020204" pitchFamily="34" charset="0"/>
               </a:rPr>
               <a:t>(Cluster EIP)</a:t>
             </a:r>
-            <a:endParaRPr kumimoji="0" lang="en-US" sz="800" b="1" i="0" u="none" strike="noStrike" kern="1200" cap="none" spc="0" normalizeH="0" baseline="0" noProof="0" dirty="0">
-              <a:ln>
-                <a:noFill/>
-              </a:ln>
+            <a:endParaRPr lang="en-US" sz="800" b="1" dirty="0">
               <a:solidFill>
-                <a:srgbClr val="FFFFFF">
+                <a:schemeClr val="bg1">
                   <a:lumMod val="65000"/>
-                </a:srgbClr>
+                </a:schemeClr>
               </a:solidFill>
-              <a:effectLst/>
-              <a:uLnTx/>
-              <a:uFillTx/>
-              <a:latin typeface="Arial"/>
-              <a:ea typeface="+mn-ea"/>
-              <a:cs typeface="+mn-cs"/>
             </a:endParaRPr>
           </a:p>
         </p:txBody>
@@ -11266,54 +13420,16 @@
           </a:bodyPr>
           <a:lstStyle/>
           <a:p>
-            <a:pPr marL="0" marR="0" lvl="0" indent="0" algn="ctr" defTabSz="914400" rtl="0" eaLnBrk="1" fontAlgn="auto" latinLnBrk="0" hangingPunct="1">
-              <a:lnSpc>
-                <a:spcPct val="100000"/>
-              </a:lnSpc>
-              <a:spcBef>
-                <a:spcPts val="0"/>
-              </a:spcBef>
-              <a:spcAft>
-                <a:spcPts val="0"/>
-              </a:spcAft>
-              <a:buClrTx/>
-              <a:buSzTx/>
-              <a:buFontTx/>
-              <a:buNone/>
-              <a:tabLst/>
-              <a:defRPr/>
-            </a:pPr>
-            <a:r>
-              <a:rPr kumimoji="0" lang="en-US" sz="800" b="1" i="0" u="none" strike="noStrike" kern="1200" cap="none" spc="0" normalizeH="0" baseline="0" noProof="0" dirty="0">
-                <a:ln>
-                  <a:noFill/>
-                </a:ln>
-                <a:solidFill>
-                  <a:srgbClr val="000000"/>
-                </a:solidFill>
-                <a:effectLst/>
-                <a:uLnTx/>
-                <a:uFillTx/>
+            <a:pPr algn="ctr"/>
+            <a:r>
+              <a:rPr lang="en-US" sz="800" b="1" dirty="0">
                 <a:latin typeface="Arial" panose="020B0604020202020204" pitchFamily="34" charset="0"/>
                 <a:ea typeface="Verdana" pitchFamily="34" charset="0"/>
                 <a:cs typeface="Arial" panose="020B0604020202020204" pitchFamily="34" charset="0"/>
               </a:rPr>
               <a:t>(Cluster EIP)</a:t>
             </a:r>
-            <a:endParaRPr kumimoji="0" lang="en-US" sz="800" b="1" i="0" u="none" strike="noStrike" kern="1200" cap="none" spc="0" normalizeH="0" baseline="0" noProof="0" dirty="0">
-              <a:ln>
-                <a:noFill/>
-              </a:ln>
-              <a:solidFill>
-                <a:srgbClr val="000000"/>
-              </a:solidFill>
-              <a:effectLst/>
-              <a:uLnTx/>
-              <a:uFillTx/>
-              <a:latin typeface="Arial"/>
-              <a:ea typeface="+mn-ea"/>
-              <a:cs typeface="+mn-cs"/>
-            </a:endParaRPr>
+            <a:endParaRPr lang="en-US" sz="800" b="1" dirty="0"/>
           </a:p>
         </p:txBody>
       </p:sp>
@@ -11391,54 +13507,16 @@
           </a:bodyPr>
           <a:lstStyle/>
           <a:p>
-            <a:pPr marL="0" marR="0" lvl="0" indent="0" algn="ctr" defTabSz="914400" rtl="0" eaLnBrk="1" fontAlgn="auto" latinLnBrk="0" hangingPunct="1">
-              <a:lnSpc>
-                <a:spcPct val="100000"/>
-              </a:lnSpc>
-              <a:spcBef>
-                <a:spcPts val="0"/>
-              </a:spcBef>
-              <a:spcAft>
-                <a:spcPts val="0"/>
-              </a:spcAft>
-              <a:buClrTx/>
-              <a:buSzTx/>
-              <a:buFontTx/>
-              <a:buNone/>
-              <a:tabLst/>
-              <a:defRPr/>
-            </a:pPr>
-            <a:r>
-              <a:rPr kumimoji="0" lang="en-US" sz="800" b="1" i="0" u="none" strike="noStrike" kern="1200" cap="none" spc="0" normalizeH="0" baseline="0" noProof="0" dirty="0">
-                <a:ln>
-                  <a:noFill/>
-                </a:ln>
-                <a:solidFill>
-                  <a:srgbClr val="000000"/>
-                </a:solidFill>
-                <a:effectLst/>
-                <a:uLnTx/>
-                <a:uFillTx/>
+            <a:pPr algn="ctr"/>
+            <a:r>
+              <a:rPr lang="en-US" sz="800" b="1" dirty="0">
                 <a:latin typeface="Arial" panose="020B0604020202020204" pitchFamily="34" charset="0"/>
                 <a:ea typeface="Verdana" pitchFamily="34" charset="0"/>
                 <a:cs typeface="Arial" panose="020B0604020202020204" pitchFamily="34" charset="0"/>
               </a:rPr>
               <a:t>(Dedicated EIP)</a:t>
             </a:r>
-            <a:endParaRPr kumimoji="0" lang="en-US" sz="800" b="1" i="0" u="none" strike="noStrike" kern="1200" cap="none" spc="0" normalizeH="0" baseline="0" noProof="0" dirty="0">
-              <a:ln>
-                <a:noFill/>
-              </a:ln>
-              <a:solidFill>
-                <a:srgbClr val="000000"/>
-              </a:solidFill>
-              <a:effectLst/>
-              <a:uLnTx/>
-              <a:uFillTx/>
-              <a:latin typeface="Arial"/>
-              <a:ea typeface="+mn-ea"/>
-              <a:cs typeface="+mn-cs"/>
-            </a:endParaRPr>
+            <a:endParaRPr lang="en-US" sz="800" b="1" dirty="0"/>
           </a:p>
         </p:txBody>
       </p:sp>
@@ -11469,54 +13547,16 @@
           </a:bodyPr>
           <a:lstStyle/>
           <a:p>
-            <a:pPr marL="0" marR="0" lvl="0" indent="0" algn="ctr" defTabSz="914400" rtl="0" eaLnBrk="1" fontAlgn="auto" latinLnBrk="0" hangingPunct="1">
-              <a:lnSpc>
-                <a:spcPct val="100000"/>
-              </a:lnSpc>
-              <a:spcBef>
-                <a:spcPts val="0"/>
-              </a:spcBef>
-              <a:spcAft>
-                <a:spcPts val="0"/>
-              </a:spcAft>
-              <a:buClrTx/>
-              <a:buSzTx/>
-              <a:buFontTx/>
-              <a:buNone/>
-              <a:tabLst/>
-              <a:defRPr/>
-            </a:pPr>
-            <a:r>
-              <a:rPr kumimoji="0" lang="en-US" sz="800" b="1" i="0" u="none" strike="noStrike" kern="1200" cap="none" spc="0" normalizeH="0" baseline="0" noProof="0" dirty="0">
-                <a:ln>
-                  <a:noFill/>
-                </a:ln>
-                <a:solidFill>
-                  <a:srgbClr val="000000"/>
-                </a:solidFill>
-                <a:effectLst/>
-                <a:uLnTx/>
-                <a:uFillTx/>
+            <a:pPr algn="ctr"/>
+            <a:r>
+              <a:rPr lang="en-US" sz="800" b="1" dirty="0">
                 <a:latin typeface="Arial" panose="020B0604020202020204" pitchFamily="34" charset="0"/>
                 <a:ea typeface="Verdana" pitchFamily="34" charset="0"/>
                 <a:cs typeface="Arial" panose="020B0604020202020204" pitchFamily="34" charset="0"/>
               </a:rPr>
               <a:t>(Dedicated EIP)</a:t>
             </a:r>
-            <a:endParaRPr kumimoji="0" lang="en-US" sz="800" b="1" i="0" u="none" strike="noStrike" kern="1200" cap="none" spc="0" normalizeH="0" baseline="0" noProof="0" dirty="0">
-              <a:ln>
-                <a:noFill/>
-              </a:ln>
-              <a:solidFill>
-                <a:srgbClr val="000000"/>
-              </a:solidFill>
-              <a:effectLst/>
-              <a:uLnTx/>
-              <a:uFillTx/>
-              <a:latin typeface="Arial"/>
-              <a:ea typeface="+mn-ea"/>
-              <a:cs typeface="+mn-cs"/>
-            </a:endParaRPr>
+            <a:endParaRPr lang="en-US" sz="800" b="1" dirty="0"/>
           </a:p>
         </p:txBody>
       </p:sp>
@@ -11570,2783 +13610,7 @@
     </p:spTree>
     <p:extLst>
       <p:ext uri="{BB962C8B-B14F-4D97-AF65-F5344CB8AC3E}">
-        <p14:creationId xmlns:p14="http://schemas.microsoft.com/office/powerpoint/2010/main" val="2266240370"/>
-      </p:ext>
-    </p:extLst>
-  </p:cSld>
-  <p:clrMapOvr>
-    <a:masterClrMapping/>
-  </p:clrMapOvr>
-  <mc:AlternateContent xmlns:mc="http://schemas.openxmlformats.org/markup-compatibility/2006">
-    <mc:Choice xmlns:p14="http://schemas.microsoft.com/office/powerpoint/2010/main" Requires="p14">
-      <p:transition spd="med" p14:dur="700">
-        <p:fade/>
-      </p:transition>
-    </mc:Choice>
-    <mc:Fallback>
-      <p:transition spd="med">
-        <p:fade/>
-      </p:transition>
-    </mc:Fallback>
-  </mc:AlternateContent>
-</p:sld>
-</file>
-
-<file path=ppt/slides/slide2.xml><?xml version="1.0" encoding="utf-8"?>
-<p:sld xmlns:a="http://schemas.openxmlformats.org/drawingml/2006/main" xmlns:r="http://schemas.openxmlformats.org/officeDocument/2006/relationships" xmlns:p="http://schemas.openxmlformats.org/presentationml/2006/main">
-  <p:cSld>
-    <p:spTree>
-      <p:nvGrpSpPr>
-        <p:cNvPr id="1" name="">
-          <a:extLst>
-            <a:ext uri="{FF2B5EF4-FFF2-40B4-BE49-F238E27FC236}">
-              <a16:creationId xmlns:a16="http://schemas.microsoft.com/office/drawing/2014/main" id="{2B088C0A-F79F-1A4D-DBB3-AF40C9C7C614}"/>
-            </a:ext>
-          </a:extLst>
-        </p:cNvPr>
-        <p:cNvGrpSpPr/>
-        <p:nvPr/>
-      </p:nvGrpSpPr>
-      <p:grpSpPr>
-        <a:xfrm>
-          <a:off x="0" y="0"/>
-          <a:ext cx="0" cy="0"/>
-          <a:chOff x="0" y="0"/>
-          <a:chExt cx="0" cy="0"/>
-        </a:xfrm>
-      </p:grpSpPr>
-      <p:sp>
-        <p:nvSpPr>
-          <p:cNvPr id="19" name="TextBox 31">
-            <a:extLst>
-              <a:ext uri="{FF2B5EF4-FFF2-40B4-BE49-F238E27FC236}">
-                <a16:creationId xmlns:a16="http://schemas.microsoft.com/office/drawing/2014/main" id="{9253FC35-E904-8DE2-6160-B4F92DF390A8}"/>
-              </a:ext>
-            </a:extLst>
-          </p:cNvPr>
-          <p:cNvSpPr txBox="1">
-            <a:spLocks noChangeArrowheads="1"/>
-          </p:cNvSpPr>
-          <p:nvPr/>
-        </p:nvSpPr>
-        <p:spPr bwMode="auto">
-          <a:xfrm>
-            <a:off x="4690244" y="3604648"/>
-            <a:ext cx="2279640" cy="400110"/>
-          </a:xfrm>
-          <a:prstGeom prst="rect">
-            <a:avLst/>
-          </a:prstGeom>
-          <a:noFill/>
-          <a:ln w="9525">
-            <a:noFill/>
-            <a:miter lim="800000"/>
-            <a:headEnd/>
-            <a:tailEnd/>
-          </a:ln>
-        </p:spPr>
-        <p:txBody>
-          <a:bodyPr wrap="square">
-            <a:spAutoFit/>
-          </a:bodyPr>
-          <a:lstStyle/>
-          <a:p>
-            <a:pPr marL="0" marR="0" lvl="0" indent="0" algn="ctr" defTabSz="914240" rtl="0" eaLnBrk="1" fontAlgn="auto" latinLnBrk="0" hangingPunct="1">
-              <a:lnSpc>
-                <a:spcPct val="100000"/>
-              </a:lnSpc>
-              <a:spcBef>
-                <a:spcPts val="0"/>
-              </a:spcBef>
-              <a:spcAft>
-                <a:spcPts val="0"/>
-              </a:spcAft>
-              <a:buClrTx/>
-              <a:buSzTx/>
-              <a:buFontTx/>
-              <a:buNone/>
-              <a:tabLst/>
-              <a:defRPr/>
-            </a:pPr>
-            <a:r>
-              <a:rPr kumimoji="0" lang="en-US" sz="1000" b="1" i="0" u="none" strike="noStrike" kern="1200" cap="none" spc="0" normalizeH="0" baseline="0" noProof="0" dirty="0">
-                <a:ln>
-                  <a:noFill/>
-                </a:ln>
-                <a:solidFill>
-                  <a:srgbClr val="246090"/>
-                </a:solidFill>
-                <a:effectLst/>
-                <a:uLnTx/>
-                <a:uFillTx/>
-                <a:latin typeface="Arial" panose="020B0604020202020204" pitchFamily="34" charset="0"/>
-                <a:ea typeface="Verdana" pitchFamily="34" charset="0"/>
-                <a:cs typeface="Arial" panose="020B0604020202020204" pitchFamily="34" charset="0"/>
-              </a:rPr>
-              <a:t>Private Subnet – AZ2</a:t>
-            </a:r>
-            <a:br>
-              <a:rPr kumimoji="0" lang="en-US" sz="1000" b="1" i="0" u="none" strike="noStrike" kern="1200" cap="none" spc="0" normalizeH="0" baseline="0" noProof="0" dirty="0">
-                <a:ln>
-                  <a:noFill/>
-                </a:ln>
-                <a:solidFill>
-                  <a:srgbClr val="246090"/>
-                </a:solidFill>
-                <a:effectLst/>
-                <a:uLnTx/>
-                <a:uFillTx/>
-                <a:latin typeface="Arial" panose="020B0604020202020204" pitchFamily="34" charset="0"/>
-                <a:ea typeface="Verdana" pitchFamily="34" charset="0"/>
-                <a:cs typeface="Arial" panose="020B0604020202020204" pitchFamily="34" charset="0"/>
-              </a:rPr>
-            </a:br>
-            <a:r>
-              <a:rPr kumimoji="0" lang="en-US" sz="1000" b="1" i="0" u="none" strike="noStrike" kern="1200" cap="none" spc="0" normalizeH="0" baseline="0" noProof="0" dirty="0">
-                <a:ln>
-                  <a:noFill/>
-                </a:ln>
-                <a:solidFill>
-                  <a:srgbClr val="246090"/>
-                </a:solidFill>
-                <a:effectLst/>
-                <a:uLnTx/>
-                <a:uFillTx/>
-                <a:latin typeface="Arial" panose="020B0604020202020204" pitchFamily="34" charset="0"/>
-                <a:ea typeface="Verdana" pitchFamily="34" charset="0"/>
-                <a:cs typeface="Arial" panose="020B0604020202020204" pitchFamily="34" charset="0"/>
-              </a:rPr>
-              <a:t>10.0.20.0/24</a:t>
-            </a:r>
-          </a:p>
-        </p:txBody>
-      </p:sp>
-      <p:sp>
-        <p:nvSpPr>
-          <p:cNvPr id="92" name="TextBox 31">
-            <a:extLst>
-              <a:ext uri="{FF2B5EF4-FFF2-40B4-BE49-F238E27FC236}">
-                <a16:creationId xmlns:a16="http://schemas.microsoft.com/office/drawing/2014/main" id="{947F1F6E-58C7-3EFE-D414-2EF8719882BD}"/>
-              </a:ext>
-            </a:extLst>
-          </p:cNvPr>
-          <p:cNvSpPr txBox="1">
-            <a:spLocks noChangeArrowheads="1"/>
-          </p:cNvSpPr>
-          <p:nvPr/>
-        </p:nvSpPr>
-        <p:spPr bwMode="auto">
-          <a:xfrm>
-            <a:off x="1628799" y="2182896"/>
-            <a:ext cx="2279646" cy="400110"/>
-          </a:xfrm>
-          <a:prstGeom prst="rect">
-            <a:avLst/>
-          </a:prstGeom>
-          <a:noFill/>
-          <a:ln w="9525">
-            <a:noFill/>
-            <a:miter lim="800000"/>
-            <a:headEnd/>
-            <a:tailEnd/>
-          </a:ln>
-        </p:spPr>
-        <p:txBody>
-          <a:bodyPr wrap="square">
-            <a:spAutoFit/>
-          </a:bodyPr>
-          <a:lstStyle/>
-          <a:p>
-            <a:pPr marL="0" marR="0" lvl="0" indent="0" algn="ctr" defTabSz="914240" rtl="0" eaLnBrk="1" fontAlgn="auto" latinLnBrk="0" hangingPunct="1">
-              <a:lnSpc>
-                <a:spcPct val="100000"/>
-              </a:lnSpc>
-              <a:spcBef>
-                <a:spcPts val="0"/>
-              </a:spcBef>
-              <a:spcAft>
-                <a:spcPts val="0"/>
-              </a:spcAft>
-              <a:buClrTx/>
-              <a:buSzTx/>
-              <a:buFontTx/>
-              <a:buNone/>
-              <a:tabLst/>
-              <a:defRPr/>
-            </a:pPr>
-            <a:r>
-              <a:rPr kumimoji="0" lang="en-US" sz="1000" b="1" i="0" u="none" strike="noStrike" kern="1200" cap="none" spc="0" normalizeH="0" baseline="0" noProof="0" dirty="0">
-                <a:ln>
-                  <a:noFill/>
-                </a:ln>
-                <a:solidFill>
-                  <a:srgbClr val="009946"/>
-                </a:solidFill>
-                <a:effectLst/>
-                <a:uLnTx/>
-                <a:uFillTx/>
-                <a:latin typeface="Arial" panose="020B0604020202020204" pitchFamily="34" charset="0"/>
-                <a:ea typeface="Verdana" pitchFamily="34" charset="0"/>
-                <a:cs typeface="Arial" panose="020B0604020202020204" pitchFamily="34" charset="0"/>
-              </a:rPr>
-              <a:t>Public Subnet – AZ1</a:t>
-            </a:r>
-            <a:br>
-              <a:rPr kumimoji="0" lang="en-US" sz="1000" b="1" i="0" u="none" strike="noStrike" kern="1200" cap="none" spc="0" normalizeH="0" baseline="0" noProof="0" dirty="0">
-                <a:ln>
-                  <a:noFill/>
-                </a:ln>
-                <a:solidFill>
-                  <a:srgbClr val="009946"/>
-                </a:solidFill>
-                <a:effectLst/>
-                <a:uLnTx/>
-                <a:uFillTx/>
-                <a:latin typeface="Arial" panose="020B0604020202020204" pitchFamily="34" charset="0"/>
-                <a:ea typeface="Verdana" pitchFamily="34" charset="0"/>
-                <a:cs typeface="Arial" panose="020B0604020202020204" pitchFamily="34" charset="0"/>
-              </a:rPr>
-            </a:br>
-            <a:r>
-              <a:rPr kumimoji="0" lang="en-US" sz="1000" b="1" i="0" u="none" strike="noStrike" kern="1200" cap="none" spc="0" normalizeH="0" baseline="0" noProof="0" dirty="0">
-                <a:ln>
-                  <a:noFill/>
-                </a:ln>
-                <a:solidFill>
-                  <a:srgbClr val="009946"/>
-                </a:solidFill>
-                <a:effectLst/>
-                <a:uLnTx/>
-                <a:uFillTx/>
-                <a:latin typeface="Arial" panose="020B0604020202020204" pitchFamily="34" charset="0"/>
-                <a:ea typeface="Verdana" pitchFamily="34" charset="0"/>
-                <a:cs typeface="Arial" panose="020B0604020202020204" pitchFamily="34" charset="0"/>
-              </a:rPr>
-              <a:t>10.0.1.0/24</a:t>
-            </a:r>
-          </a:p>
-        </p:txBody>
-      </p:sp>
-      <p:pic>
-        <p:nvPicPr>
-          <p:cNvPr id="75" name="Graphic 74">
-            <a:extLst>
-              <a:ext uri="{FF2B5EF4-FFF2-40B4-BE49-F238E27FC236}">
-                <a16:creationId xmlns:a16="http://schemas.microsoft.com/office/drawing/2014/main" id="{AD9923B0-F96B-621E-7297-35FBF2067789}"/>
-              </a:ext>
-            </a:extLst>
-          </p:cNvPr>
-          <p:cNvPicPr>
-            <a:picLocks noChangeAspect="1"/>
-          </p:cNvPicPr>
-          <p:nvPr/>
-        </p:nvPicPr>
-        <p:blipFill>
-          <a:blip r:embed="rId3">
-            <a:extLst>
-              <a:ext uri="{96DAC541-7B7A-43D3-8B79-37D633B846F1}">
-                <asvg:svgBlip xmlns:asvg="http://schemas.microsoft.com/office/drawing/2016/SVG/main" r:embed="rId4"/>
-              </a:ext>
-            </a:extLst>
-          </a:blip>
-          <a:stretch>
-            <a:fillRect/>
-          </a:stretch>
-        </p:blipFill>
-        <p:spPr>
-          <a:xfrm>
-            <a:off x="1056170" y="1645792"/>
-            <a:ext cx="261100" cy="261100"/>
-          </a:xfrm>
-          <a:prstGeom prst="rect">
-            <a:avLst/>
-          </a:prstGeom>
-        </p:spPr>
-      </p:pic>
-      <p:pic>
-        <p:nvPicPr>
-          <p:cNvPr id="111" name="Graphic 110">
-            <a:extLst>
-              <a:ext uri="{FF2B5EF4-FFF2-40B4-BE49-F238E27FC236}">
-                <a16:creationId xmlns:a16="http://schemas.microsoft.com/office/drawing/2014/main" id="{4C7F9CB0-2FD0-04F5-6F94-C1960599A758}"/>
-              </a:ext>
-            </a:extLst>
-          </p:cNvPr>
-          <p:cNvPicPr>
-            <a:picLocks noChangeAspect="1"/>
-          </p:cNvPicPr>
-          <p:nvPr/>
-        </p:nvPicPr>
-        <p:blipFill>
-          <a:blip r:embed="rId5">
-            <a:extLst>
-              <a:ext uri="{96DAC541-7B7A-43D3-8B79-37D633B846F1}">
-                <asvg:svgBlip xmlns:asvg="http://schemas.microsoft.com/office/drawing/2016/SVG/main" r:embed="rId6"/>
-              </a:ext>
-            </a:extLst>
-          </a:blip>
-          <a:stretch>
-            <a:fillRect/>
-          </a:stretch>
-        </p:blipFill>
-        <p:spPr>
-          <a:xfrm>
-            <a:off x="1632293" y="3608812"/>
-            <a:ext cx="208969" cy="208969"/>
-          </a:xfrm>
-          <a:prstGeom prst="rect">
-            <a:avLst/>
-          </a:prstGeom>
-        </p:spPr>
-      </p:pic>
-      <p:pic>
-        <p:nvPicPr>
-          <p:cNvPr id="132" name="Graphic 131">
-            <a:extLst>
-              <a:ext uri="{FF2B5EF4-FFF2-40B4-BE49-F238E27FC236}">
-                <a16:creationId xmlns:a16="http://schemas.microsoft.com/office/drawing/2014/main" id="{AC91347B-BB59-D724-3D5D-81EF438133AC}"/>
-              </a:ext>
-            </a:extLst>
-          </p:cNvPr>
-          <p:cNvPicPr>
-            <a:picLocks noChangeAspect="1"/>
-          </p:cNvPicPr>
-          <p:nvPr/>
-        </p:nvPicPr>
-        <p:blipFill>
-          <a:blip r:embed="rId7">
-            <a:extLst>
-              <a:ext uri="{96DAC541-7B7A-43D3-8B79-37D633B846F1}">
-                <asvg:svgBlip xmlns:asvg="http://schemas.microsoft.com/office/drawing/2016/SVG/main" r:embed="rId8"/>
-              </a:ext>
-            </a:extLst>
-          </a:blip>
-          <a:stretch>
-            <a:fillRect/>
-          </a:stretch>
-        </p:blipFill>
-        <p:spPr>
-          <a:xfrm>
-            <a:off x="725498" y="1340996"/>
-            <a:ext cx="279290" cy="279290"/>
-          </a:xfrm>
-          <a:prstGeom prst="rect">
-            <a:avLst/>
-          </a:prstGeom>
-        </p:spPr>
-      </p:pic>
-      <p:sp>
-        <p:nvSpPr>
-          <p:cNvPr id="85" name="Rectangle 84">
-            <a:extLst>
-              <a:ext uri="{FF2B5EF4-FFF2-40B4-BE49-F238E27FC236}">
-                <a16:creationId xmlns:a16="http://schemas.microsoft.com/office/drawing/2014/main" id="{7A81CA1A-8460-DC8F-2C5D-B413B7092829}"/>
-              </a:ext>
-            </a:extLst>
-          </p:cNvPr>
-          <p:cNvSpPr/>
-          <p:nvPr/>
-        </p:nvSpPr>
-        <p:spPr>
-          <a:xfrm>
-            <a:off x="1050806" y="1638902"/>
-            <a:ext cx="6619377" cy="4642628"/>
-          </a:xfrm>
-          <a:prstGeom prst="rect">
-            <a:avLst/>
-          </a:prstGeom>
-          <a:noFill/>
-          <a:ln w="12700">
-            <a:solidFill>
-              <a:schemeClr val="tx1"/>
-            </a:solidFill>
-          </a:ln>
-        </p:spPr>
-        <p:style>
-          <a:lnRef idx="2">
-            <a:schemeClr val="accent1">
-              <a:shade val="50000"/>
-            </a:schemeClr>
-          </a:lnRef>
-          <a:fillRef idx="1">
-            <a:schemeClr val="accent1"/>
-          </a:fillRef>
-          <a:effectRef idx="0">
-            <a:schemeClr val="accent1"/>
-          </a:effectRef>
-          <a:fontRef idx="minor">
-            <a:schemeClr val="lt1"/>
-          </a:fontRef>
-        </p:style>
-        <p:txBody>
-          <a:bodyPr rot="0" spcFirstLastPara="0" vertOverflow="overflow" horzOverflow="overflow" vert="horz" wrap="square" lIns="457081" tIns="91416" rIns="91416" bIns="45708" numCol="1" spcCol="0" rtlCol="0" fromWordArt="0" anchor="t" anchorCtr="0" forceAA="0" compatLnSpc="1">
-            <a:prstTxWarp prst="textNoShape">
-              <a:avLst/>
-            </a:prstTxWarp>
-            <a:noAutofit/>
-          </a:bodyPr>
-          <a:lstStyle/>
-          <a:p>
-            <a:pPr marL="0" marR="0" lvl="0" indent="0" algn="l" defTabSz="914240" rtl="0" eaLnBrk="1" fontAlgn="auto" latinLnBrk="0" hangingPunct="1">
-              <a:lnSpc>
-                <a:spcPct val="100000"/>
-              </a:lnSpc>
-              <a:spcBef>
-                <a:spcPts val="0"/>
-              </a:spcBef>
-              <a:spcAft>
-                <a:spcPts val="0"/>
-              </a:spcAft>
-              <a:buClrTx/>
-              <a:buSzTx/>
-              <a:buFontTx/>
-              <a:buNone/>
-              <a:tabLst/>
-              <a:defRPr/>
-            </a:pPr>
-            <a:r>
-              <a:rPr kumimoji="0" lang="en-US" sz="1100" b="0" i="0" u="none" strike="noStrike" kern="1200" cap="none" spc="0" normalizeH="0" baseline="0" noProof="0" dirty="0">
-                <a:ln w="0"/>
-                <a:solidFill>
-                  <a:srgbClr val="000000"/>
-                </a:solidFill>
-                <a:effectLst/>
-                <a:uLnTx/>
-                <a:uFillTx/>
-                <a:latin typeface="Arial" panose="020B0604020202020204" pitchFamily="34" charset="0"/>
-                <a:ea typeface="+mn-ea"/>
-                <a:cs typeface="Arial" panose="020B0604020202020204" pitchFamily="34" charset="0"/>
-              </a:rPr>
-              <a:t>Example VPC  10.0.0.0/16</a:t>
-            </a:r>
-          </a:p>
-        </p:txBody>
-      </p:sp>
-      <p:sp>
-        <p:nvSpPr>
-          <p:cNvPr id="86" name="Rectangle 85">
-            <a:extLst>
-              <a:ext uri="{FF2B5EF4-FFF2-40B4-BE49-F238E27FC236}">
-                <a16:creationId xmlns:a16="http://schemas.microsoft.com/office/drawing/2014/main" id="{59625C52-E88D-54F8-766C-783B46510BF4}"/>
-              </a:ext>
-            </a:extLst>
-          </p:cNvPr>
-          <p:cNvSpPr/>
-          <p:nvPr/>
-        </p:nvSpPr>
-        <p:spPr>
-          <a:xfrm>
-            <a:off x="720781" y="1335926"/>
-            <a:ext cx="7222173" cy="5044997"/>
-          </a:xfrm>
-          <a:prstGeom prst="rect">
-            <a:avLst/>
-          </a:prstGeom>
-          <a:noFill/>
-          <a:ln w="12700">
-            <a:solidFill>
-              <a:schemeClr val="tx1"/>
-            </a:solidFill>
-            <a:prstDash val="sysDash"/>
-          </a:ln>
-        </p:spPr>
-        <p:style>
-          <a:lnRef idx="2">
-            <a:schemeClr val="accent1">
-              <a:shade val="50000"/>
-            </a:schemeClr>
-          </a:lnRef>
-          <a:fillRef idx="1">
-            <a:schemeClr val="accent1"/>
-          </a:fillRef>
-          <a:effectRef idx="0">
-            <a:schemeClr val="accent1"/>
-          </a:effectRef>
-          <a:fontRef idx="minor">
-            <a:schemeClr val="lt1"/>
-          </a:fontRef>
-        </p:style>
-        <p:txBody>
-          <a:bodyPr rot="0" spcFirstLastPara="0" vertOverflow="overflow" horzOverflow="overflow" vert="horz" wrap="square" lIns="457081" tIns="91416" rIns="91416" bIns="45708" numCol="1" spcCol="0" rtlCol="0" fromWordArt="0" anchor="t" anchorCtr="0" forceAA="0" compatLnSpc="1">
-            <a:prstTxWarp prst="textNoShape">
-              <a:avLst/>
-            </a:prstTxWarp>
-            <a:noAutofit/>
-          </a:bodyPr>
-          <a:lstStyle/>
-          <a:p>
-            <a:pPr marL="0" marR="0" lvl="0" indent="0" algn="l" defTabSz="914240" rtl="0" eaLnBrk="1" fontAlgn="auto" latinLnBrk="0" hangingPunct="1">
-              <a:lnSpc>
-                <a:spcPct val="100000"/>
-              </a:lnSpc>
-              <a:spcBef>
-                <a:spcPts val="0"/>
-              </a:spcBef>
-              <a:spcAft>
-                <a:spcPts val="0"/>
-              </a:spcAft>
-              <a:buClrTx/>
-              <a:buSzTx/>
-              <a:buFontTx/>
-              <a:buNone/>
-              <a:tabLst/>
-              <a:defRPr/>
-            </a:pPr>
-            <a:endParaRPr kumimoji="0" lang="en-US" sz="1200" b="0" i="0" u="none" strike="noStrike" kern="1200" cap="none" spc="0" normalizeH="0" baseline="0" noProof="0" dirty="0">
-              <a:ln>
-                <a:noFill/>
-              </a:ln>
-              <a:solidFill>
-                <a:srgbClr val="000000"/>
-              </a:solidFill>
-              <a:effectLst/>
-              <a:uLnTx/>
-              <a:uFillTx/>
-              <a:latin typeface="Arial" panose="020B0604020202020204" pitchFamily="34" charset="0"/>
-              <a:ea typeface="+mn-ea"/>
-              <a:cs typeface="Arial" panose="020B0604020202020204" pitchFamily="34" charset="0"/>
-            </a:endParaRPr>
-          </a:p>
-        </p:txBody>
-      </p:sp>
-      <p:sp>
-        <p:nvSpPr>
-          <p:cNvPr id="97" name="TextBox 96">
-            <a:extLst>
-              <a:ext uri="{FF2B5EF4-FFF2-40B4-BE49-F238E27FC236}">
-                <a16:creationId xmlns:a16="http://schemas.microsoft.com/office/drawing/2014/main" id="{E41436EF-2780-25C2-D19A-0BEDB226859A}"/>
-              </a:ext>
-            </a:extLst>
-          </p:cNvPr>
-          <p:cNvSpPr txBox="1"/>
-          <p:nvPr/>
-        </p:nvSpPr>
-        <p:spPr>
-          <a:xfrm>
-            <a:off x="1063561" y="1349440"/>
-            <a:ext cx="1865131" cy="296927"/>
-          </a:xfrm>
-          <a:prstGeom prst="rect">
-            <a:avLst/>
-          </a:prstGeom>
-          <a:noFill/>
-        </p:spPr>
-        <p:txBody>
-          <a:bodyPr wrap="square" rtlCol="0">
-            <a:spAutoFit/>
-          </a:bodyPr>
-          <a:lstStyle/>
-          <a:p>
-            <a:pPr marL="0" marR="0" lvl="0" indent="0" algn="l" defTabSz="457052" rtl="0" eaLnBrk="1" fontAlgn="auto" latinLnBrk="0" hangingPunct="1">
-              <a:lnSpc>
-                <a:spcPct val="95000"/>
-              </a:lnSpc>
-              <a:spcBef>
-                <a:spcPts val="0"/>
-              </a:spcBef>
-              <a:spcAft>
-                <a:spcPts val="600"/>
-              </a:spcAft>
-              <a:buClrTx/>
-              <a:buSzTx/>
-              <a:buFontTx/>
-              <a:buNone/>
-              <a:tabLst/>
-              <a:defRPr/>
-            </a:pPr>
-            <a:r>
-              <a:rPr kumimoji="0" lang="en-US" sz="1400" b="0" i="0" u="none" strike="noStrike" kern="1200" cap="none" spc="0" normalizeH="0" baseline="0" noProof="0" dirty="0">
-                <a:ln>
-                  <a:noFill/>
-                </a:ln>
-                <a:solidFill>
-                  <a:srgbClr val="000000"/>
-                </a:solidFill>
-                <a:effectLst/>
-                <a:uLnTx/>
-                <a:uFillTx/>
-                <a:latin typeface="Arial" panose="020B0604020202020204" pitchFamily="34" charset="0"/>
-                <a:ea typeface="+mn-ea"/>
-                <a:cs typeface="Arial" panose="020B0604020202020204" pitchFamily="34" charset="0"/>
-              </a:rPr>
-              <a:t>AWS Region</a:t>
-            </a:r>
-          </a:p>
-        </p:txBody>
-      </p:sp>
-      <p:sp>
-        <p:nvSpPr>
-          <p:cNvPr id="74" name="Rectangle 73">
-            <a:extLst>
-              <a:ext uri="{FF2B5EF4-FFF2-40B4-BE49-F238E27FC236}">
-                <a16:creationId xmlns:a16="http://schemas.microsoft.com/office/drawing/2014/main" id="{FD360FC0-E9B2-3907-9004-92B3F52B23A0}"/>
-              </a:ext>
-            </a:extLst>
-          </p:cNvPr>
-          <p:cNvSpPr/>
-          <p:nvPr/>
-        </p:nvSpPr>
-        <p:spPr bwMode="auto">
-          <a:xfrm>
-            <a:off x="1628799" y="3601366"/>
-            <a:ext cx="2279646" cy="1203049"/>
-          </a:xfrm>
-          <a:prstGeom prst="rect">
-            <a:avLst/>
-          </a:prstGeom>
-          <a:noFill/>
-          <a:ln w="12700">
-            <a:solidFill>
-              <a:schemeClr val="tx1"/>
-            </a:solidFill>
-            <a:prstDash val="sysDot"/>
-            <a:headEnd type="none" w="med" len="med"/>
-            <a:tailEnd type="none" w="med" len="med"/>
-          </a:ln>
-          <a:effectLst/>
-        </p:spPr>
-        <p:style>
-          <a:lnRef idx="1">
-            <a:schemeClr val="accent2"/>
-          </a:lnRef>
-          <a:fillRef idx="3">
-            <a:schemeClr val="accent2"/>
-          </a:fillRef>
-          <a:effectRef idx="2">
-            <a:schemeClr val="accent2"/>
-          </a:effectRef>
-          <a:fontRef idx="minor">
-            <a:schemeClr val="lt1"/>
-          </a:fontRef>
-        </p:style>
-        <p:txBody>
-          <a:bodyPr rot="0" spcFirstLastPara="0" vertOverflow="overflow" horzOverflow="overflow" vert="horz" wrap="square" lIns="182784" tIns="146228" rIns="182784" bIns="146228" numCol="1" spcCol="0" rtlCol="0" fromWordArt="0" anchor="t" anchorCtr="0" forceAA="0" compatLnSpc="1">
-            <a:prstTxWarp prst="textNoShape">
-              <a:avLst/>
-            </a:prstTxWarp>
-            <a:noAutofit/>
-          </a:bodyPr>
-          <a:lstStyle/>
-          <a:p>
-            <a:pPr marL="0" marR="0" lvl="0" indent="0" algn="ctr" defTabSz="931912" rtl="0" eaLnBrk="1" fontAlgn="base" latinLnBrk="0" hangingPunct="1">
-              <a:lnSpc>
-                <a:spcPct val="90000"/>
-              </a:lnSpc>
-              <a:spcBef>
-                <a:spcPct val="0"/>
-              </a:spcBef>
-              <a:spcAft>
-                <a:spcPct val="0"/>
-              </a:spcAft>
-              <a:buClrTx/>
-              <a:buSzTx/>
-              <a:buFontTx/>
-              <a:buNone/>
-              <a:tabLst/>
-              <a:defRPr/>
-            </a:pPr>
-            <a:endParaRPr kumimoji="0" lang="en-US" sz="2398" b="0" i="0" u="none" strike="noStrike" kern="1200" cap="none" spc="0" normalizeH="0" baseline="0" noProof="0" dirty="0">
-              <a:ln>
-                <a:noFill/>
-              </a:ln>
-              <a:solidFill>
-                <a:srgbClr val="000000"/>
-              </a:solidFill>
-              <a:effectLst/>
-              <a:uLnTx/>
-              <a:uFillTx/>
-              <a:latin typeface="Arial" panose="020B0604020202020204" pitchFamily="34" charset="0"/>
-              <a:ea typeface="+mn-ea"/>
-              <a:cs typeface="Arial" panose="020B0604020202020204" pitchFamily="34" charset="0"/>
-            </a:endParaRPr>
-          </a:p>
-        </p:txBody>
-      </p:sp>
-      <p:sp>
-        <p:nvSpPr>
-          <p:cNvPr id="83" name="Rectangle 82">
-            <a:extLst>
-              <a:ext uri="{FF2B5EF4-FFF2-40B4-BE49-F238E27FC236}">
-                <a16:creationId xmlns:a16="http://schemas.microsoft.com/office/drawing/2014/main" id="{226A8501-2A3B-95DE-D970-0C98CE09FD30}"/>
-              </a:ext>
-            </a:extLst>
-          </p:cNvPr>
-          <p:cNvSpPr/>
-          <p:nvPr/>
-        </p:nvSpPr>
-        <p:spPr bwMode="auto">
-          <a:xfrm>
-            <a:off x="1628799" y="2175492"/>
-            <a:ext cx="2279646" cy="1372522"/>
-          </a:xfrm>
-          <a:prstGeom prst="rect">
-            <a:avLst/>
-          </a:prstGeom>
-          <a:noFill/>
-          <a:ln w="12700">
-            <a:solidFill>
-              <a:schemeClr val="tx1"/>
-            </a:solidFill>
-            <a:prstDash val="sysDot"/>
-            <a:headEnd type="none" w="med" len="med"/>
-            <a:tailEnd type="none" w="med" len="med"/>
-          </a:ln>
-          <a:effectLst/>
-        </p:spPr>
-        <p:style>
-          <a:lnRef idx="1">
-            <a:schemeClr val="accent2"/>
-          </a:lnRef>
-          <a:fillRef idx="3">
-            <a:schemeClr val="accent2"/>
-          </a:fillRef>
-          <a:effectRef idx="2">
-            <a:schemeClr val="accent2"/>
-          </a:effectRef>
-          <a:fontRef idx="minor">
-            <a:schemeClr val="lt1"/>
-          </a:fontRef>
-        </p:style>
-        <p:txBody>
-          <a:bodyPr rot="0" spcFirstLastPara="0" vertOverflow="overflow" horzOverflow="overflow" vert="horz" wrap="square" lIns="182784" tIns="146228" rIns="182784" bIns="146228" numCol="1" spcCol="0" rtlCol="0" fromWordArt="0" anchor="t" anchorCtr="0" forceAA="0" compatLnSpc="1">
-            <a:prstTxWarp prst="textNoShape">
-              <a:avLst/>
-            </a:prstTxWarp>
-            <a:noAutofit/>
-          </a:bodyPr>
-          <a:lstStyle/>
-          <a:p>
-            <a:pPr marL="0" marR="0" lvl="0" indent="0" algn="ctr" defTabSz="931912" rtl="0" eaLnBrk="1" fontAlgn="base" latinLnBrk="0" hangingPunct="1">
-              <a:lnSpc>
-                <a:spcPct val="90000"/>
-              </a:lnSpc>
-              <a:spcBef>
-                <a:spcPct val="0"/>
-              </a:spcBef>
-              <a:spcAft>
-                <a:spcPct val="0"/>
-              </a:spcAft>
-              <a:buClrTx/>
-              <a:buSzTx/>
-              <a:buFontTx/>
-              <a:buNone/>
-              <a:tabLst/>
-              <a:defRPr/>
-            </a:pPr>
-            <a:endParaRPr kumimoji="0" lang="en-US" sz="2398" b="0" i="0" u="none" strike="noStrike" kern="1200" cap="none" spc="0" normalizeH="0" baseline="0" noProof="0" dirty="0">
-              <a:ln>
-                <a:noFill/>
-              </a:ln>
-              <a:solidFill>
-                <a:srgbClr val="000000"/>
-              </a:solidFill>
-              <a:effectLst/>
-              <a:uLnTx/>
-              <a:uFillTx/>
-              <a:latin typeface="Arial" panose="020B0604020202020204" pitchFamily="34" charset="0"/>
-              <a:ea typeface="+mn-ea"/>
-              <a:cs typeface="Arial" panose="020B0604020202020204" pitchFamily="34" charset="0"/>
-            </a:endParaRPr>
-          </a:p>
-        </p:txBody>
-      </p:sp>
-      <p:sp>
-        <p:nvSpPr>
-          <p:cNvPr id="94" name="TextBox 31">
-            <a:extLst>
-              <a:ext uri="{FF2B5EF4-FFF2-40B4-BE49-F238E27FC236}">
-                <a16:creationId xmlns:a16="http://schemas.microsoft.com/office/drawing/2014/main" id="{7526FB97-7770-63A8-B319-E83862607B1A}"/>
-              </a:ext>
-            </a:extLst>
-          </p:cNvPr>
-          <p:cNvSpPr txBox="1">
-            <a:spLocks noChangeArrowheads="1"/>
-          </p:cNvSpPr>
-          <p:nvPr/>
-        </p:nvSpPr>
-        <p:spPr bwMode="auto">
-          <a:xfrm>
-            <a:off x="1628799" y="3609478"/>
-            <a:ext cx="2279640" cy="400110"/>
-          </a:xfrm>
-          <a:prstGeom prst="rect">
-            <a:avLst/>
-          </a:prstGeom>
-          <a:noFill/>
-          <a:ln w="9525">
-            <a:noFill/>
-            <a:miter lim="800000"/>
-            <a:headEnd/>
-            <a:tailEnd/>
-          </a:ln>
-        </p:spPr>
-        <p:txBody>
-          <a:bodyPr wrap="square">
-            <a:spAutoFit/>
-          </a:bodyPr>
-          <a:lstStyle/>
-          <a:p>
-            <a:pPr marL="0" marR="0" lvl="0" indent="0" algn="ctr" defTabSz="914240" rtl="0" eaLnBrk="1" fontAlgn="auto" latinLnBrk="0" hangingPunct="1">
-              <a:lnSpc>
-                <a:spcPct val="100000"/>
-              </a:lnSpc>
-              <a:spcBef>
-                <a:spcPts val="0"/>
-              </a:spcBef>
-              <a:spcAft>
-                <a:spcPts val="0"/>
-              </a:spcAft>
-              <a:buClrTx/>
-              <a:buSzTx/>
-              <a:buFontTx/>
-              <a:buNone/>
-              <a:tabLst/>
-              <a:defRPr/>
-            </a:pPr>
-            <a:r>
-              <a:rPr kumimoji="0" lang="en-US" sz="1000" b="1" i="0" u="none" strike="noStrike" kern="1200" cap="none" spc="0" normalizeH="0" baseline="0" noProof="0" dirty="0">
-                <a:ln>
-                  <a:noFill/>
-                </a:ln>
-                <a:solidFill>
-                  <a:srgbClr val="246090"/>
-                </a:solidFill>
-                <a:effectLst/>
-                <a:uLnTx/>
-                <a:uFillTx/>
-                <a:latin typeface="Arial" panose="020B0604020202020204" pitchFamily="34" charset="0"/>
-                <a:ea typeface="Verdana" pitchFamily="34" charset="0"/>
-                <a:cs typeface="Arial" panose="020B0604020202020204" pitchFamily="34" charset="0"/>
-              </a:rPr>
-              <a:t>Private Subnet – AZ1  </a:t>
-            </a:r>
-            <a:br>
-              <a:rPr kumimoji="0" lang="en-US" sz="1000" b="1" i="0" u="none" strike="noStrike" kern="1200" cap="none" spc="0" normalizeH="0" baseline="0" noProof="0" dirty="0">
-                <a:ln>
-                  <a:noFill/>
-                </a:ln>
-                <a:solidFill>
-                  <a:srgbClr val="246090"/>
-                </a:solidFill>
-                <a:effectLst/>
-                <a:uLnTx/>
-                <a:uFillTx/>
-                <a:latin typeface="Arial" panose="020B0604020202020204" pitchFamily="34" charset="0"/>
-                <a:ea typeface="Verdana" pitchFamily="34" charset="0"/>
-                <a:cs typeface="Arial" panose="020B0604020202020204" pitchFamily="34" charset="0"/>
-              </a:rPr>
-            </a:br>
-            <a:r>
-              <a:rPr kumimoji="0" lang="en-US" sz="1000" b="1" i="0" u="none" strike="noStrike" kern="1200" cap="none" spc="0" normalizeH="0" baseline="0" noProof="0" dirty="0">
-                <a:ln>
-                  <a:noFill/>
-                </a:ln>
-                <a:solidFill>
-                  <a:srgbClr val="246090"/>
-                </a:solidFill>
-                <a:effectLst/>
-                <a:uLnTx/>
-                <a:uFillTx/>
-                <a:latin typeface="Arial" panose="020B0604020202020204" pitchFamily="34" charset="0"/>
-                <a:ea typeface="Verdana" pitchFamily="34" charset="0"/>
-                <a:cs typeface="Arial" panose="020B0604020202020204" pitchFamily="34" charset="0"/>
-              </a:rPr>
-              <a:t>10.0.2.0/24</a:t>
-            </a:r>
-          </a:p>
-        </p:txBody>
-      </p:sp>
-      <p:sp>
-        <p:nvSpPr>
-          <p:cNvPr id="104" name="Rectangle 103">
-            <a:extLst>
-              <a:ext uri="{FF2B5EF4-FFF2-40B4-BE49-F238E27FC236}">
-                <a16:creationId xmlns:a16="http://schemas.microsoft.com/office/drawing/2014/main" id="{4B0D1360-4BD5-C2C4-BD7A-D8F3FE72B125}"/>
-              </a:ext>
-            </a:extLst>
-          </p:cNvPr>
-          <p:cNvSpPr/>
-          <p:nvPr/>
-        </p:nvSpPr>
-        <p:spPr>
-          <a:xfrm>
-            <a:off x="1364637" y="1946328"/>
-            <a:ext cx="2801448" cy="3970161"/>
-          </a:xfrm>
-          <a:prstGeom prst="rect">
-            <a:avLst/>
-          </a:prstGeom>
-          <a:noFill/>
-          <a:ln w="12700">
-            <a:solidFill>
-              <a:schemeClr val="tx1"/>
-            </a:solidFill>
-            <a:prstDash val="dash"/>
-          </a:ln>
-        </p:spPr>
-        <p:style>
-          <a:lnRef idx="2">
-            <a:schemeClr val="accent1">
-              <a:shade val="50000"/>
-            </a:schemeClr>
-          </a:lnRef>
-          <a:fillRef idx="1">
-            <a:schemeClr val="accent1"/>
-          </a:fillRef>
-          <a:effectRef idx="0">
-            <a:schemeClr val="accent1"/>
-          </a:effectRef>
-          <a:fontRef idx="minor">
-            <a:schemeClr val="lt1"/>
-          </a:fontRef>
-        </p:style>
-        <p:txBody>
-          <a:bodyPr rot="0" spcFirstLastPara="0" vertOverflow="overflow" horzOverflow="overflow" vert="horz" wrap="square" lIns="91416" tIns="91416" rIns="91416" bIns="45708" numCol="1" spcCol="0" rtlCol="0" fromWordArt="0" anchor="t" anchorCtr="0" forceAA="0" compatLnSpc="1">
-            <a:prstTxWarp prst="textNoShape">
-              <a:avLst/>
-            </a:prstTxWarp>
-            <a:noAutofit/>
-          </a:bodyPr>
-          <a:lstStyle/>
-          <a:p>
-            <a:pPr marL="0" marR="0" lvl="0" indent="0" algn="ctr" defTabSz="914240" rtl="0" eaLnBrk="1" fontAlgn="auto" latinLnBrk="0" hangingPunct="1">
-              <a:lnSpc>
-                <a:spcPct val="100000"/>
-              </a:lnSpc>
-              <a:spcBef>
-                <a:spcPts val="0"/>
-              </a:spcBef>
-              <a:spcAft>
-                <a:spcPts val="0"/>
-              </a:spcAft>
-              <a:buClrTx/>
-              <a:buSzTx/>
-              <a:buFontTx/>
-              <a:buNone/>
-              <a:tabLst/>
-              <a:defRPr/>
-            </a:pPr>
-            <a:endParaRPr kumimoji="0" lang="en-US" sz="1200" b="0" i="0" u="none" strike="noStrike" kern="1200" cap="none" spc="0" normalizeH="0" baseline="0" noProof="0" dirty="0">
-              <a:ln>
-                <a:noFill/>
-              </a:ln>
-              <a:solidFill>
-                <a:srgbClr val="000000"/>
-              </a:solidFill>
-              <a:effectLst/>
-              <a:uLnTx/>
-              <a:uFillTx/>
-              <a:latin typeface="Arial" panose="020B0604020202020204" pitchFamily="34" charset="0"/>
-              <a:ea typeface="+mn-ea"/>
-              <a:cs typeface="Arial" panose="020B0604020202020204" pitchFamily="34" charset="0"/>
-            </a:endParaRPr>
-          </a:p>
-        </p:txBody>
-      </p:sp>
-      <p:sp>
-        <p:nvSpPr>
-          <p:cNvPr id="142" name="Rectangle 141">
-            <a:extLst>
-              <a:ext uri="{FF2B5EF4-FFF2-40B4-BE49-F238E27FC236}">
-                <a16:creationId xmlns:a16="http://schemas.microsoft.com/office/drawing/2014/main" id="{680B9517-1510-66C8-D8EB-09CC66B78A39}"/>
-              </a:ext>
-            </a:extLst>
-          </p:cNvPr>
-          <p:cNvSpPr/>
-          <p:nvPr/>
-        </p:nvSpPr>
-        <p:spPr>
-          <a:xfrm>
-            <a:off x="2137558" y="5975900"/>
-            <a:ext cx="1255472" cy="246221"/>
-          </a:xfrm>
-          <a:prstGeom prst="rect">
-            <a:avLst/>
-          </a:prstGeom>
-        </p:spPr>
-        <p:txBody>
-          <a:bodyPr wrap="none">
-            <a:spAutoFit/>
-          </a:bodyPr>
-          <a:lstStyle/>
-          <a:p>
-            <a:pPr marL="0" marR="0" lvl="0" indent="0" algn="l" defTabSz="914240" rtl="0" eaLnBrk="1" fontAlgn="auto" latinLnBrk="0" hangingPunct="1">
-              <a:lnSpc>
-                <a:spcPct val="100000"/>
-              </a:lnSpc>
-              <a:spcBef>
-                <a:spcPts val="0"/>
-              </a:spcBef>
-              <a:spcAft>
-                <a:spcPts val="0"/>
-              </a:spcAft>
-              <a:buClrTx/>
-              <a:buSzTx/>
-              <a:buFontTx/>
-              <a:buNone/>
-              <a:tabLst/>
-              <a:defRPr/>
-            </a:pPr>
-            <a:r>
-              <a:rPr kumimoji="0" lang="en-US" sz="1000" b="0" i="0" u="none" strike="noStrike" kern="1200" cap="none" spc="0" normalizeH="0" baseline="0" noProof="0" dirty="0">
-                <a:ln>
-                  <a:noFill/>
-                </a:ln>
-                <a:solidFill>
-                  <a:srgbClr val="000000"/>
-                </a:solidFill>
-                <a:effectLst/>
-                <a:uLnTx/>
-                <a:uFillTx/>
-                <a:latin typeface="Arial" panose="020B0604020202020204" pitchFamily="34" charset="0"/>
-                <a:ea typeface="+mn-ea"/>
-                <a:cs typeface="Arial" panose="020B0604020202020204" pitchFamily="34" charset="0"/>
-              </a:rPr>
-              <a:t> Availability Zone 1</a:t>
-            </a:r>
-          </a:p>
-        </p:txBody>
-      </p:sp>
-      <p:pic>
-        <p:nvPicPr>
-          <p:cNvPr id="100" name="Graphic 99">
-            <a:extLst>
-              <a:ext uri="{FF2B5EF4-FFF2-40B4-BE49-F238E27FC236}">
-                <a16:creationId xmlns:a16="http://schemas.microsoft.com/office/drawing/2014/main" id="{ADCDADF2-ED4E-A86E-CF30-047AA414F0A2}"/>
-              </a:ext>
-            </a:extLst>
-          </p:cNvPr>
-          <p:cNvPicPr>
-            <a:picLocks noChangeAspect="1"/>
-          </p:cNvPicPr>
-          <p:nvPr/>
-        </p:nvPicPr>
-        <p:blipFill>
-          <a:blip r:embed="rId9">
-            <a:extLst>
-              <a:ext uri="{96DAC541-7B7A-43D3-8B79-37D633B846F1}">
-                <asvg:svgBlip xmlns:asvg="http://schemas.microsoft.com/office/drawing/2016/SVG/main" r:embed="rId10"/>
-              </a:ext>
-            </a:extLst>
-          </a:blip>
-          <a:stretch>
-            <a:fillRect/>
-          </a:stretch>
-        </p:blipFill>
-        <p:spPr>
-          <a:xfrm>
-            <a:off x="1638139" y="2177665"/>
-            <a:ext cx="197276" cy="197276"/>
-          </a:xfrm>
-          <a:prstGeom prst="rect">
-            <a:avLst/>
-          </a:prstGeom>
-        </p:spPr>
-      </p:pic>
-      <p:sp>
-        <p:nvSpPr>
-          <p:cNvPr id="11" name="TextBox 10">
-            <a:extLst>
-              <a:ext uri="{FF2B5EF4-FFF2-40B4-BE49-F238E27FC236}">
-                <a16:creationId xmlns:a16="http://schemas.microsoft.com/office/drawing/2014/main" id="{B87B297C-AFA7-A523-5D3D-A2753E9A083D}"/>
-              </a:ext>
-            </a:extLst>
-          </p:cNvPr>
-          <p:cNvSpPr txBox="1"/>
-          <p:nvPr/>
-        </p:nvSpPr>
-        <p:spPr>
-          <a:xfrm>
-            <a:off x="3164947" y="-384911"/>
-            <a:ext cx="184683" cy="296927"/>
-          </a:xfrm>
-          <a:prstGeom prst="rect">
-            <a:avLst/>
-          </a:prstGeom>
-          <a:noFill/>
-        </p:spPr>
-        <p:txBody>
-          <a:bodyPr wrap="none" rtlCol="0">
-            <a:spAutoFit/>
-          </a:bodyPr>
-          <a:lstStyle/>
-          <a:p>
-            <a:pPr marL="0" marR="0" lvl="0" indent="0" algn="ctr" defTabSz="457052" rtl="0" eaLnBrk="1" fontAlgn="auto" latinLnBrk="0" hangingPunct="1">
-              <a:lnSpc>
-                <a:spcPct val="95000"/>
-              </a:lnSpc>
-              <a:spcBef>
-                <a:spcPts val="0"/>
-              </a:spcBef>
-              <a:spcAft>
-                <a:spcPts val="600"/>
-              </a:spcAft>
-              <a:buClrTx/>
-              <a:buSzTx/>
-              <a:buFontTx/>
-              <a:buNone/>
-              <a:tabLst/>
-              <a:defRPr/>
-            </a:pPr>
-            <a:endParaRPr kumimoji="0" lang="en-US" sz="1400" b="0" i="0" u="none" strike="noStrike" kern="1200" cap="none" spc="0" normalizeH="0" baseline="0" noProof="0" dirty="0">
-              <a:ln>
-                <a:noFill/>
-              </a:ln>
-              <a:solidFill>
-                <a:srgbClr val="000000"/>
-              </a:solidFill>
-              <a:effectLst/>
-              <a:uLnTx/>
-              <a:uFillTx/>
-              <a:latin typeface="Arial"/>
-              <a:ea typeface="+mn-ea"/>
-              <a:cs typeface="Arial" panose="020B0604020202020204" pitchFamily="34" charset="0"/>
-            </a:endParaRPr>
-          </a:p>
-        </p:txBody>
-      </p:sp>
-      <p:graphicFrame>
-        <p:nvGraphicFramePr>
-          <p:cNvPr id="65" name="Table 64">
-            <a:extLst>
-              <a:ext uri="{FF2B5EF4-FFF2-40B4-BE49-F238E27FC236}">
-                <a16:creationId xmlns:a16="http://schemas.microsoft.com/office/drawing/2014/main" id="{BCCB33A1-9643-B154-D172-D8429FE47DBE}"/>
-              </a:ext>
-            </a:extLst>
-          </p:cNvPr>
-          <p:cNvGraphicFramePr>
-            <a:graphicFrameLocks noGrp="1"/>
-          </p:cNvGraphicFramePr>
-          <p:nvPr/>
-        </p:nvGraphicFramePr>
-        <p:xfrm>
-          <a:off x="1950382" y="5169457"/>
-          <a:ext cx="1571854" cy="678209"/>
-        </p:xfrm>
-        <a:graphic>
-          <a:graphicData uri="http://schemas.openxmlformats.org/drawingml/2006/table">
-            <a:tbl>
-              <a:tblPr firstRow="1" bandRow="1">
-                <a:tableStyleId>{073A0DAA-6AF3-43AB-8588-CEC1D06C72B9}</a:tableStyleId>
-              </a:tblPr>
-              <a:tblGrid>
-                <a:gridCol w="761706">
-                  <a:extLst>
-                    <a:ext uri="{9D8B030D-6E8A-4147-A177-3AD203B41FA5}">
-                      <a16:colId xmlns:a16="http://schemas.microsoft.com/office/drawing/2014/main" val="1496157643"/>
-                    </a:ext>
-                  </a:extLst>
-                </a:gridCol>
-                <a:gridCol w="810148">
-                  <a:extLst>
-                    <a:ext uri="{9D8B030D-6E8A-4147-A177-3AD203B41FA5}">
-                      <a16:colId xmlns:a16="http://schemas.microsoft.com/office/drawing/2014/main" val="1555211470"/>
-                    </a:ext>
-                  </a:extLst>
-                </a:gridCol>
-              </a:tblGrid>
-              <a:tr h="213304">
-                <a:tc>
-                  <a:txBody>
-                    <a:bodyPr/>
-                    <a:lstStyle/>
-                    <a:p>
-                      <a:pPr algn="ctr"/>
-                      <a:r>
-                        <a:rPr lang="en-US" sz="800" dirty="0"/>
-                        <a:t>Destination</a:t>
-                      </a:r>
-                    </a:p>
-                  </a:txBody>
-                  <a:tcPr marL="91416" marR="91416" marT="45708" marB="45708" anchor="ctr"/>
-                </a:tc>
-                <a:tc>
-                  <a:txBody>
-                    <a:bodyPr/>
-                    <a:lstStyle/>
-                    <a:p>
-                      <a:pPr algn="ctr"/>
-                      <a:r>
-                        <a:rPr lang="en-US" sz="800" dirty="0"/>
-                        <a:t>Target</a:t>
-                      </a:r>
-                    </a:p>
-                  </a:txBody>
-                  <a:tcPr marL="91416" marR="91416" marT="45708" marB="45708" anchor="ctr"/>
-                </a:tc>
-                <a:extLst>
-                  <a:ext uri="{0D108BD9-81ED-4DB2-BD59-A6C34878D82A}">
-                    <a16:rowId xmlns:a16="http://schemas.microsoft.com/office/drawing/2014/main" val="3762613218"/>
-                  </a:ext>
-                </a:extLst>
-              </a:tr>
-              <a:tr h="213304">
-                <a:tc>
-                  <a:txBody>
-                    <a:bodyPr/>
-                    <a:lstStyle/>
-                    <a:p>
-                      <a:pPr algn="ctr"/>
-                      <a:r>
-                        <a:rPr lang="en-US" sz="800" dirty="0"/>
-                        <a:t>10.0.0.0/16</a:t>
-                      </a:r>
-                    </a:p>
-                  </a:txBody>
-                  <a:tcPr marL="91416" marR="91416" marT="45708" marB="45708" anchor="ctr"/>
-                </a:tc>
-                <a:tc>
-                  <a:txBody>
-                    <a:bodyPr/>
-                    <a:lstStyle/>
-                    <a:p>
-                      <a:pPr algn="ctr"/>
-                      <a:r>
-                        <a:rPr lang="en-US" sz="800" dirty="0"/>
-                        <a:t>Local</a:t>
-                      </a:r>
-                    </a:p>
-                  </a:txBody>
-                  <a:tcPr marL="91416" marR="91416" marT="45708" marB="45708" anchor="ctr"/>
-                </a:tc>
-                <a:extLst>
-                  <a:ext uri="{0D108BD9-81ED-4DB2-BD59-A6C34878D82A}">
-                    <a16:rowId xmlns:a16="http://schemas.microsoft.com/office/drawing/2014/main" val="2464361127"/>
-                  </a:ext>
-                </a:extLst>
-              </a:tr>
-              <a:tr h="251537">
-                <a:tc>
-                  <a:txBody>
-                    <a:bodyPr/>
-                    <a:lstStyle/>
-                    <a:p>
-                      <a:pPr algn="ctr"/>
-                      <a:r>
-                        <a:rPr lang="en-US" sz="800" dirty="0"/>
-                        <a:t>0.0.0.0/0</a:t>
-                      </a:r>
-                    </a:p>
-                  </a:txBody>
-                  <a:tcPr marL="91416" marR="91416" marT="45708" marB="45708" anchor="ctr"/>
-                </a:tc>
-                <a:tc>
-                  <a:txBody>
-                    <a:bodyPr/>
-                    <a:lstStyle/>
-                    <a:p>
-                      <a:pPr algn="ctr"/>
-                      <a:r>
-                        <a:rPr lang="en-US" sz="800" b="1" u="none" dirty="0">
-                          <a:solidFill>
-                            <a:srgbClr val="C00000"/>
-                          </a:solidFill>
-                        </a:rPr>
-                        <a:t>Internet GW</a:t>
-                      </a:r>
-                    </a:p>
-                  </a:txBody>
-                  <a:tcPr marL="91416" marR="91416" marT="45708" marB="45708" anchor="ctr"/>
-                </a:tc>
-                <a:extLst>
-                  <a:ext uri="{0D108BD9-81ED-4DB2-BD59-A6C34878D82A}">
-                    <a16:rowId xmlns:a16="http://schemas.microsoft.com/office/drawing/2014/main" val="505317756"/>
-                  </a:ext>
-                </a:extLst>
-              </a:tr>
-            </a:tbl>
-          </a:graphicData>
-        </a:graphic>
-      </p:graphicFrame>
-      <p:pic>
-        <p:nvPicPr>
-          <p:cNvPr id="79" name="Graphic 78">
-            <a:extLst>
-              <a:ext uri="{FF2B5EF4-FFF2-40B4-BE49-F238E27FC236}">
-                <a16:creationId xmlns:a16="http://schemas.microsoft.com/office/drawing/2014/main" id="{3BA0F3C2-71AB-B73D-366A-FE5E1CA06586}"/>
-              </a:ext>
-            </a:extLst>
-          </p:cNvPr>
-          <p:cNvPicPr>
-            <a:picLocks noChangeAspect="1"/>
-          </p:cNvPicPr>
-          <p:nvPr/>
-        </p:nvPicPr>
-        <p:blipFill>
-          <a:blip r:embed="rId11">
-            <a:extLst>
-              <a:ext uri="{96DAC541-7B7A-43D3-8B79-37D633B846F1}">
-                <asvg:svgBlip xmlns:asvg="http://schemas.microsoft.com/office/drawing/2016/SVG/main" r:embed="rId12"/>
-              </a:ext>
-            </a:extLst>
-          </a:blip>
-          <a:stretch>
-            <a:fillRect/>
-          </a:stretch>
-        </p:blipFill>
-        <p:spPr>
-          <a:xfrm>
-            <a:off x="7140770" y="1407835"/>
-            <a:ext cx="469778" cy="469778"/>
-          </a:xfrm>
-          <a:prstGeom prst="rect">
-            <a:avLst/>
-          </a:prstGeom>
-        </p:spPr>
-      </p:pic>
-      <p:sp>
-        <p:nvSpPr>
-          <p:cNvPr id="91" name="Rectangle 90">
-            <a:extLst>
-              <a:ext uri="{FF2B5EF4-FFF2-40B4-BE49-F238E27FC236}">
-                <a16:creationId xmlns:a16="http://schemas.microsoft.com/office/drawing/2014/main" id="{E7D35CF6-B73F-18A2-C2D6-58E0318CB38B}"/>
-              </a:ext>
-            </a:extLst>
-          </p:cNvPr>
-          <p:cNvSpPr/>
-          <p:nvPr/>
-        </p:nvSpPr>
-        <p:spPr>
-          <a:xfrm>
-            <a:off x="6977275" y="1123553"/>
-            <a:ext cx="766357" cy="215388"/>
-          </a:xfrm>
-          <a:prstGeom prst="rect">
-            <a:avLst/>
-          </a:prstGeom>
-        </p:spPr>
-        <p:txBody>
-          <a:bodyPr wrap="none">
-            <a:spAutoFit/>
-          </a:bodyPr>
-          <a:lstStyle/>
-          <a:p>
-            <a:pPr marL="0" marR="0" lvl="0" indent="0" algn="l" defTabSz="914240" rtl="0" eaLnBrk="1" fontAlgn="auto" latinLnBrk="0" hangingPunct="1">
-              <a:lnSpc>
-                <a:spcPct val="100000"/>
-              </a:lnSpc>
-              <a:spcBef>
-                <a:spcPts val="0"/>
-              </a:spcBef>
-              <a:spcAft>
-                <a:spcPts val="0"/>
-              </a:spcAft>
-              <a:buClrTx/>
-              <a:buSzTx/>
-              <a:buFontTx/>
-              <a:buNone/>
-              <a:tabLst/>
-              <a:defRPr/>
-            </a:pPr>
-            <a:r>
-              <a:rPr kumimoji="0" lang="en-US" sz="800" b="1" i="0" u="none" strike="noStrike" kern="1200" cap="none" spc="0" normalizeH="0" baseline="0" noProof="0" dirty="0">
-                <a:ln>
-                  <a:noFill/>
-                </a:ln>
-                <a:solidFill>
-                  <a:srgbClr val="000000"/>
-                </a:solidFill>
-                <a:effectLst/>
-                <a:uLnTx/>
-                <a:uFillTx/>
-                <a:latin typeface="Arial"/>
-                <a:ea typeface="+mn-ea"/>
-                <a:cs typeface="+mn-cs"/>
-              </a:rPr>
-              <a:t>Internet GW</a:t>
-            </a:r>
-          </a:p>
-        </p:txBody>
-      </p:sp>
-      <p:sp>
-        <p:nvSpPr>
-          <p:cNvPr id="15" name="TextBox 31">
-            <a:extLst>
-              <a:ext uri="{FF2B5EF4-FFF2-40B4-BE49-F238E27FC236}">
-                <a16:creationId xmlns:a16="http://schemas.microsoft.com/office/drawing/2014/main" id="{C6FF4A0C-B86C-4479-C01B-FC11C6B48925}"/>
-              </a:ext>
-            </a:extLst>
-          </p:cNvPr>
-          <p:cNvSpPr txBox="1">
-            <a:spLocks noChangeArrowheads="1"/>
-          </p:cNvSpPr>
-          <p:nvPr/>
-        </p:nvSpPr>
-        <p:spPr bwMode="auto">
-          <a:xfrm>
-            <a:off x="4690244" y="2197944"/>
-            <a:ext cx="2279646" cy="400110"/>
-          </a:xfrm>
-          <a:prstGeom prst="rect">
-            <a:avLst/>
-          </a:prstGeom>
-          <a:noFill/>
-          <a:ln w="9525">
-            <a:noFill/>
-            <a:miter lim="800000"/>
-            <a:headEnd/>
-            <a:tailEnd/>
-          </a:ln>
-        </p:spPr>
-        <p:txBody>
-          <a:bodyPr wrap="square">
-            <a:spAutoFit/>
-          </a:bodyPr>
-          <a:lstStyle/>
-          <a:p>
-            <a:pPr marL="0" marR="0" lvl="0" indent="0" algn="ctr" defTabSz="914240" rtl="0" eaLnBrk="1" fontAlgn="auto" latinLnBrk="0" hangingPunct="1">
-              <a:lnSpc>
-                <a:spcPct val="100000"/>
-              </a:lnSpc>
-              <a:spcBef>
-                <a:spcPts val="0"/>
-              </a:spcBef>
-              <a:spcAft>
-                <a:spcPts val="0"/>
-              </a:spcAft>
-              <a:buClrTx/>
-              <a:buSzTx/>
-              <a:buFontTx/>
-              <a:buNone/>
-              <a:tabLst/>
-              <a:defRPr/>
-            </a:pPr>
-            <a:r>
-              <a:rPr kumimoji="0" lang="en-US" sz="1000" b="1" i="0" u="none" strike="noStrike" kern="1200" cap="none" spc="0" normalizeH="0" baseline="0" noProof="0" dirty="0">
-                <a:ln>
-                  <a:noFill/>
-                </a:ln>
-                <a:solidFill>
-                  <a:srgbClr val="009946"/>
-                </a:solidFill>
-                <a:effectLst/>
-                <a:uLnTx/>
-                <a:uFillTx/>
-                <a:latin typeface="Arial" panose="020B0604020202020204" pitchFamily="34" charset="0"/>
-                <a:ea typeface="Verdana" pitchFamily="34" charset="0"/>
-                <a:cs typeface="Arial" panose="020B0604020202020204" pitchFamily="34" charset="0"/>
-              </a:rPr>
-              <a:t>Public Subnet – AZ2</a:t>
-            </a:r>
-            <a:br>
-              <a:rPr kumimoji="0" lang="en-US" sz="1000" b="1" i="0" u="none" strike="noStrike" kern="1200" cap="none" spc="0" normalizeH="0" baseline="0" noProof="0" dirty="0">
-                <a:ln>
-                  <a:noFill/>
-                </a:ln>
-                <a:solidFill>
-                  <a:srgbClr val="009946"/>
-                </a:solidFill>
-                <a:effectLst/>
-                <a:uLnTx/>
-                <a:uFillTx/>
-                <a:latin typeface="Arial" panose="020B0604020202020204" pitchFamily="34" charset="0"/>
-                <a:ea typeface="Verdana" pitchFamily="34" charset="0"/>
-                <a:cs typeface="Arial" panose="020B0604020202020204" pitchFamily="34" charset="0"/>
-              </a:rPr>
-            </a:br>
-            <a:r>
-              <a:rPr kumimoji="0" lang="en-US" sz="1000" b="1" i="0" u="none" strike="noStrike" kern="1200" cap="none" spc="0" normalizeH="0" baseline="0" noProof="0" dirty="0">
-                <a:ln>
-                  <a:noFill/>
-                </a:ln>
-                <a:solidFill>
-                  <a:srgbClr val="009946"/>
-                </a:solidFill>
-                <a:effectLst/>
-                <a:uLnTx/>
-                <a:uFillTx/>
-                <a:latin typeface="Arial" panose="020B0604020202020204" pitchFamily="34" charset="0"/>
-                <a:ea typeface="Verdana" pitchFamily="34" charset="0"/>
-                <a:cs typeface="Arial" panose="020B0604020202020204" pitchFamily="34" charset="0"/>
-              </a:rPr>
-              <a:t>10.0.10.0/24</a:t>
-            </a:r>
-          </a:p>
-        </p:txBody>
-      </p:sp>
-      <p:pic>
-        <p:nvPicPr>
-          <p:cNvPr id="16" name="Graphic 15">
-            <a:extLst>
-              <a:ext uri="{FF2B5EF4-FFF2-40B4-BE49-F238E27FC236}">
-                <a16:creationId xmlns:a16="http://schemas.microsoft.com/office/drawing/2014/main" id="{4DFD12BF-19FA-3AFB-DD25-53200B14E938}"/>
-              </a:ext>
-            </a:extLst>
-          </p:cNvPr>
-          <p:cNvPicPr>
-            <a:picLocks noChangeAspect="1"/>
-          </p:cNvPicPr>
-          <p:nvPr/>
-        </p:nvPicPr>
-        <p:blipFill>
-          <a:blip r:embed="rId5">
-            <a:extLst>
-              <a:ext uri="{96DAC541-7B7A-43D3-8B79-37D633B846F1}">
-                <asvg:svgBlip xmlns:asvg="http://schemas.microsoft.com/office/drawing/2016/SVG/main" r:embed="rId6"/>
-              </a:ext>
-            </a:extLst>
-          </a:blip>
-          <a:stretch>
-            <a:fillRect/>
-          </a:stretch>
-        </p:blipFill>
-        <p:spPr>
-          <a:xfrm>
-            <a:off x="4693738" y="3603982"/>
-            <a:ext cx="208969" cy="208969"/>
-          </a:xfrm>
-          <a:prstGeom prst="rect">
-            <a:avLst/>
-          </a:prstGeom>
-        </p:spPr>
-      </p:pic>
-      <p:sp>
-        <p:nvSpPr>
-          <p:cNvPr id="17" name="Rectangle 16">
-            <a:extLst>
-              <a:ext uri="{FF2B5EF4-FFF2-40B4-BE49-F238E27FC236}">
-                <a16:creationId xmlns:a16="http://schemas.microsoft.com/office/drawing/2014/main" id="{85EDB78E-5829-4D57-E055-F49CEFCF001E}"/>
-              </a:ext>
-            </a:extLst>
-          </p:cNvPr>
-          <p:cNvSpPr/>
-          <p:nvPr/>
-        </p:nvSpPr>
-        <p:spPr bwMode="auto">
-          <a:xfrm>
-            <a:off x="4690244" y="3599194"/>
-            <a:ext cx="2279646" cy="1205221"/>
-          </a:xfrm>
-          <a:prstGeom prst="rect">
-            <a:avLst/>
-          </a:prstGeom>
-          <a:noFill/>
-          <a:ln w="12700">
-            <a:solidFill>
-              <a:schemeClr val="tx1"/>
-            </a:solidFill>
-            <a:prstDash val="sysDot"/>
-            <a:headEnd type="none" w="med" len="med"/>
-            <a:tailEnd type="none" w="med" len="med"/>
-          </a:ln>
-          <a:effectLst/>
-        </p:spPr>
-        <p:style>
-          <a:lnRef idx="1">
-            <a:schemeClr val="accent2"/>
-          </a:lnRef>
-          <a:fillRef idx="3">
-            <a:schemeClr val="accent2"/>
-          </a:fillRef>
-          <a:effectRef idx="2">
-            <a:schemeClr val="accent2"/>
-          </a:effectRef>
-          <a:fontRef idx="minor">
-            <a:schemeClr val="lt1"/>
-          </a:fontRef>
-        </p:style>
-        <p:txBody>
-          <a:bodyPr rot="0" spcFirstLastPara="0" vertOverflow="overflow" horzOverflow="overflow" vert="horz" wrap="square" lIns="182784" tIns="146228" rIns="182784" bIns="146228" numCol="1" spcCol="0" rtlCol="0" fromWordArt="0" anchor="t" anchorCtr="0" forceAA="0" compatLnSpc="1">
-            <a:prstTxWarp prst="textNoShape">
-              <a:avLst/>
-            </a:prstTxWarp>
-            <a:noAutofit/>
-          </a:bodyPr>
-          <a:lstStyle/>
-          <a:p>
-            <a:pPr marL="0" marR="0" lvl="0" indent="0" algn="ctr" defTabSz="931912" rtl="0" eaLnBrk="1" fontAlgn="base" latinLnBrk="0" hangingPunct="1">
-              <a:lnSpc>
-                <a:spcPct val="90000"/>
-              </a:lnSpc>
-              <a:spcBef>
-                <a:spcPct val="0"/>
-              </a:spcBef>
-              <a:spcAft>
-                <a:spcPct val="0"/>
-              </a:spcAft>
-              <a:buClrTx/>
-              <a:buSzTx/>
-              <a:buFontTx/>
-              <a:buNone/>
-              <a:tabLst/>
-              <a:defRPr/>
-            </a:pPr>
-            <a:endParaRPr kumimoji="0" lang="en-US" sz="2398" b="0" i="0" u="none" strike="noStrike" kern="1200" cap="none" spc="0" normalizeH="0" baseline="0" noProof="0" dirty="0">
-              <a:ln>
-                <a:noFill/>
-              </a:ln>
-              <a:solidFill>
-                <a:srgbClr val="000000"/>
-              </a:solidFill>
-              <a:effectLst/>
-              <a:uLnTx/>
-              <a:uFillTx/>
-              <a:latin typeface="Arial" panose="020B0604020202020204" pitchFamily="34" charset="0"/>
-              <a:ea typeface="+mn-ea"/>
-              <a:cs typeface="Arial" panose="020B0604020202020204" pitchFamily="34" charset="0"/>
-            </a:endParaRPr>
-          </a:p>
-        </p:txBody>
-      </p:sp>
-      <p:sp>
-        <p:nvSpPr>
-          <p:cNvPr id="18" name="Rectangle 17">
-            <a:extLst>
-              <a:ext uri="{FF2B5EF4-FFF2-40B4-BE49-F238E27FC236}">
-                <a16:creationId xmlns:a16="http://schemas.microsoft.com/office/drawing/2014/main" id="{69230712-5DBA-B1BB-012D-2AE53D59E9B9}"/>
-              </a:ext>
-            </a:extLst>
-          </p:cNvPr>
-          <p:cNvSpPr/>
-          <p:nvPr/>
-        </p:nvSpPr>
-        <p:spPr bwMode="auto">
-          <a:xfrm>
-            <a:off x="4690244" y="2190540"/>
-            <a:ext cx="2279646" cy="1354472"/>
-          </a:xfrm>
-          <a:prstGeom prst="rect">
-            <a:avLst/>
-          </a:prstGeom>
-          <a:noFill/>
-          <a:ln w="12700">
-            <a:solidFill>
-              <a:schemeClr val="tx1"/>
-            </a:solidFill>
-            <a:prstDash val="sysDot"/>
-            <a:headEnd type="none" w="med" len="med"/>
-            <a:tailEnd type="none" w="med" len="med"/>
-          </a:ln>
-          <a:effectLst/>
-        </p:spPr>
-        <p:style>
-          <a:lnRef idx="1">
-            <a:schemeClr val="accent2"/>
-          </a:lnRef>
-          <a:fillRef idx="3">
-            <a:schemeClr val="accent2"/>
-          </a:fillRef>
-          <a:effectRef idx="2">
-            <a:schemeClr val="accent2"/>
-          </a:effectRef>
-          <a:fontRef idx="minor">
-            <a:schemeClr val="lt1"/>
-          </a:fontRef>
-        </p:style>
-        <p:txBody>
-          <a:bodyPr rot="0" spcFirstLastPara="0" vertOverflow="overflow" horzOverflow="overflow" vert="horz" wrap="square" lIns="182784" tIns="146228" rIns="182784" bIns="146228" numCol="1" spcCol="0" rtlCol="0" fromWordArt="0" anchor="t" anchorCtr="0" forceAA="0" compatLnSpc="1">
-            <a:prstTxWarp prst="textNoShape">
-              <a:avLst/>
-            </a:prstTxWarp>
-            <a:noAutofit/>
-          </a:bodyPr>
-          <a:lstStyle/>
-          <a:p>
-            <a:pPr marL="0" marR="0" lvl="0" indent="0" algn="ctr" defTabSz="931912" rtl="0" eaLnBrk="1" fontAlgn="base" latinLnBrk="0" hangingPunct="1">
-              <a:lnSpc>
-                <a:spcPct val="90000"/>
-              </a:lnSpc>
-              <a:spcBef>
-                <a:spcPct val="0"/>
-              </a:spcBef>
-              <a:spcAft>
-                <a:spcPct val="0"/>
-              </a:spcAft>
-              <a:buClrTx/>
-              <a:buSzTx/>
-              <a:buFontTx/>
-              <a:buNone/>
-              <a:tabLst/>
-              <a:defRPr/>
-            </a:pPr>
-            <a:endParaRPr kumimoji="0" lang="en-US" sz="2398" b="0" i="0" u="none" strike="noStrike" kern="1200" cap="none" spc="0" normalizeH="0" baseline="0" noProof="0" dirty="0">
-              <a:ln>
-                <a:noFill/>
-              </a:ln>
-              <a:solidFill>
-                <a:srgbClr val="000000"/>
-              </a:solidFill>
-              <a:effectLst/>
-              <a:uLnTx/>
-              <a:uFillTx/>
-              <a:latin typeface="Arial" panose="020B0604020202020204" pitchFamily="34" charset="0"/>
-              <a:ea typeface="+mn-ea"/>
-              <a:cs typeface="Arial" panose="020B0604020202020204" pitchFamily="34" charset="0"/>
-            </a:endParaRPr>
-          </a:p>
-        </p:txBody>
-      </p:sp>
-      <p:sp>
-        <p:nvSpPr>
-          <p:cNvPr id="20" name="Rectangle 19">
-            <a:extLst>
-              <a:ext uri="{FF2B5EF4-FFF2-40B4-BE49-F238E27FC236}">
-                <a16:creationId xmlns:a16="http://schemas.microsoft.com/office/drawing/2014/main" id="{2D4780EE-8516-E1A8-8627-D903BC1414DA}"/>
-              </a:ext>
-            </a:extLst>
-          </p:cNvPr>
-          <p:cNvSpPr/>
-          <p:nvPr/>
-        </p:nvSpPr>
-        <p:spPr>
-          <a:xfrm>
-            <a:off x="4426082" y="1946898"/>
-            <a:ext cx="2801448" cy="3969591"/>
-          </a:xfrm>
-          <a:prstGeom prst="rect">
-            <a:avLst/>
-          </a:prstGeom>
-          <a:noFill/>
-          <a:ln w="12700">
-            <a:solidFill>
-              <a:schemeClr val="tx1"/>
-            </a:solidFill>
-            <a:prstDash val="dash"/>
-          </a:ln>
-        </p:spPr>
-        <p:style>
-          <a:lnRef idx="2">
-            <a:schemeClr val="accent1">
-              <a:shade val="50000"/>
-            </a:schemeClr>
-          </a:lnRef>
-          <a:fillRef idx="1">
-            <a:schemeClr val="accent1"/>
-          </a:fillRef>
-          <a:effectRef idx="0">
-            <a:schemeClr val="accent1"/>
-          </a:effectRef>
-          <a:fontRef idx="minor">
-            <a:schemeClr val="lt1"/>
-          </a:fontRef>
-        </p:style>
-        <p:txBody>
-          <a:bodyPr rot="0" spcFirstLastPara="0" vertOverflow="overflow" horzOverflow="overflow" vert="horz" wrap="square" lIns="91416" tIns="91416" rIns="91416" bIns="45708" numCol="1" spcCol="0" rtlCol="0" fromWordArt="0" anchor="t" anchorCtr="0" forceAA="0" compatLnSpc="1">
-            <a:prstTxWarp prst="textNoShape">
-              <a:avLst/>
-            </a:prstTxWarp>
-            <a:noAutofit/>
-          </a:bodyPr>
-          <a:lstStyle/>
-          <a:p>
-            <a:pPr marL="0" marR="0" lvl="0" indent="0" algn="ctr" defTabSz="914240" rtl="0" eaLnBrk="1" fontAlgn="auto" latinLnBrk="0" hangingPunct="1">
-              <a:lnSpc>
-                <a:spcPct val="100000"/>
-              </a:lnSpc>
-              <a:spcBef>
-                <a:spcPts val="0"/>
-              </a:spcBef>
-              <a:spcAft>
-                <a:spcPts val="0"/>
-              </a:spcAft>
-              <a:buClrTx/>
-              <a:buSzTx/>
-              <a:buFontTx/>
-              <a:buNone/>
-              <a:tabLst/>
-              <a:defRPr/>
-            </a:pPr>
-            <a:endParaRPr kumimoji="0" lang="en-US" sz="1200" b="0" i="0" u="none" strike="noStrike" kern="1200" cap="none" spc="0" normalizeH="0" baseline="0" noProof="0" dirty="0">
-              <a:ln>
-                <a:noFill/>
-              </a:ln>
-              <a:solidFill>
-                <a:srgbClr val="000000"/>
-              </a:solidFill>
-              <a:effectLst/>
-              <a:uLnTx/>
-              <a:uFillTx/>
-              <a:latin typeface="Arial" panose="020B0604020202020204" pitchFamily="34" charset="0"/>
-              <a:ea typeface="+mn-ea"/>
-              <a:cs typeface="Arial" panose="020B0604020202020204" pitchFamily="34" charset="0"/>
-            </a:endParaRPr>
-          </a:p>
-        </p:txBody>
-      </p:sp>
-      <p:sp>
-        <p:nvSpPr>
-          <p:cNvPr id="21" name="Rectangle 20">
-            <a:extLst>
-              <a:ext uri="{FF2B5EF4-FFF2-40B4-BE49-F238E27FC236}">
-                <a16:creationId xmlns:a16="http://schemas.microsoft.com/office/drawing/2014/main" id="{AA41E242-C437-5AFB-C031-5A44709F1F6B}"/>
-              </a:ext>
-            </a:extLst>
-          </p:cNvPr>
-          <p:cNvSpPr/>
-          <p:nvPr/>
-        </p:nvSpPr>
-        <p:spPr>
-          <a:xfrm>
-            <a:off x="5192704" y="5970670"/>
-            <a:ext cx="1255472" cy="246221"/>
-          </a:xfrm>
-          <a:prstGeom prst="rect">
-            <a:avLst/>
-          </a:prstGeom>
-        </p:spPr>
-        <p:txBody>
-          <a:bodyPr wrap="none">
-            <a:spAutoFit/>
-          </a:bodyPr>
-          <a:lstStyle/>
-          <a:p>
-            <a:pPr marL="0" marR="0" lvl="0" indent="0" algn="l" defTabSz="914240" rtl="0" eaLnBrk="1" fontAlgn="auto" latinLnBrk="0" hangingPunct="1">
-              <a:lnSpc>
-                <a:spcPct val="100000"/>
-              </a:lnSpc>
-              <a:spcBef>
-                <a:spcPts val="0"/>
-              </a:spcBef>
-              <a:spcAft>
-                <a:spcPts val="0"/>
-              </a:spcAft>
-              <a:buClrTx/>
-              <a:buSzTx/>
-              <a:buFontTx/>
-              <a:buNone/>
-              <a:tabLst/>
-              <a:defRPr/>
-            </a:pPr>
-            <a:r>
-              <a:rPr kumimoji="0" lang="en-US" sz="1000" b="0" i="0" u="none" strike="noStrike" kern="1200" cap="none" spc="0" normalizeH="0" baseline="0" noProof="0" dirty="0">
-                <a:ln>
-                  <a:noFill/>
-                </a:ln>
-                <a:solidFill>
-                  <a:srgbClr val="000000"/>
-                </a:solidFill>
-                <a:effectLst/>
-                <a:uLnTx/>
-                <a:uFillTx/>
-                <a:latin typeface="Arial" panose="020B0604020202020204" pitchFamily="34" charset="0"/>
-                <a:ea typeface="+mn-ea"/>
-                <a:cs typeface="Arial" panose="020B0604020202020204" pitchFamily="34" charset="0"/>
-              </a:rPr>
-              <a:t> Availability Zone 2</a:t>
-            </a:r>
-          </a:p>
-        </p:txBody>
-      </p:sp>
-      <p:pic>
-        <p:nvPicPr>
-          <p:cNvPr id="22" name="Graphic 21">
-            <a:extLst>
-              <a:ext uri="{FF2B5EF4-FFF2-40B4-BE49-F238E27FC236}">
-                <a16:creationId xmlns:a16="http://schemas.microsoft.com/office/drawing/2014/main" id="{D4779618-4218-3F96-BF53-75B2FE4C7806}"/>
-              </a:ext>
-            </a:extLst>
-          </p:cNvPr>
-          <p:cNvPicPr>
-            <a:picLocks noChangeAspect="1"/>
-          </p:cNvPicPr>
-          <p:nvPr/>
-        </p:nvPicPr>
-        <p:blipFill>
-          <a:blip r:embed="rId9">
-            <a:extLst>
-              <a:ext uri="{96DAC541-7B7A-43D3-8B79-37D633B846F1}">
-                <asvg:svgBlip xmlns:asvg="http://schemas.microsoft.com/office/drawing/2016/SVG/main" r:embed="rId10"/>
-              </a:ext>
-            </a:extLst>
-          </a:blip>
-          <a:stretch>
-            <a:fillRect/>
-          </a:stretch>
-        </p:blipFill>
-        <p:spPr>
-          <a:xfrm>
-            <a:off x="4699584" y="2192713"/>
-            <a:ext cx="197276" cy="197276"/>
-          </a:xfrm>
-          <a:prstGeom prst="rect">
-            <a:avLst/>
-          </a:prstGeom>
-        </p:spPr>
-      </p:pic>
-      <p:graphicFrame>
-        <p:nvGraphicFramePr>
-          <p:cNvPr id="23" name="Table 22">
-            <a:extLst>
-              <a:ext uri="{FF2B5EF4-FFF2-40B4-BE49-F238E27FC236}">
-                <a16:creationId xmlns:a16="http://schemas.microsoft.com/office/drawing/2014/main" id="{81874237-9BD6-9CB1-6782-6D3D91020EFB}"/>
-              </a:ext>
-            </a:extLst>
-          </p:cNvPr>
-          <p:cNvGraphicFramePr>
-            <a:graphicFrameLocks noGrp="1"/>
-          </p:cNvGraphicFramePr>
-          <p:nvPr/>
-        </p:nvGraphicFramePr>
-        <p:xfrm>
-          <a:off x="5011827" y="5184505"/>
-          <a:ext cx="1571854" cy="678209"/>
-        </p:xfrm>
-        <a:graphic>
-          <a:graphicData uri="http://schemas.openxmlformats.org/drawingml/2006/table">
-            <a:tbl>
-              <a:tblPr firstRow="1" bandRow="1">
-                <a:tableStyleId>{073A0DAA-6AF3-43AB-8588-CEC1D06C72B9}</a:tableStyleId>
-              </a:tblPr>
-              <a:tblGrid>
-                <a:gridCol w="761706">
-                  <a:extLst>
-                    <a:ext uri="{9D8B030D-6E8A-4147-A177-3AD203B41FA5}">
-                      <a16:colId xmlns:a16="http://schemas.microsoft.com/office/drawing/2014/main" val="1496157643"/>
-                    </a:ext>
-                  </a:extLst>
-                </a:gridCol>
-                <a:gridCol w="810148">
-                  <a:extLst>
-                    <a:ext uri="{9D8B030D-6E8A-4147-A177-3AD203B41FA5}">
-                      <a16:colId xmlns:a16="http://schemas.microsoft.com/office/drawing/2014/main" val="1555211470"/>
-                    </a:ext>
-                  </a:extLst>
-                </a:gridCol>
-              </a:tblGrid>
-              <a:tr h="213304">
-                <a:tc>
-                  <a:txBody>
-                    <a:bodyPr/>
-                    <a:lstStyle/>
-                    <a:p>
-                      <a:pPr algn="ctr"/>
-                      <a:r>
-                        <a:rPr lang="en-US" sz="800" dirty="0"/>
-                        <a:t>Destination</a:t>
-                      </a:r>
-                    </a:p>
-                  </a:txBody>
-                  <a:tcPr marL="91416" marR="91416" marT="45708" marB="45708" anchor="ctr"/>
-                </a:tc>
-                <a:tc>
-                  <a:txBody>
-                    <a:bodyPr/>
-                    <a:lstStyle/>
-                    <a:p>
-                      <a:pPr algn="ctr"/>
-                      <a:r>
-                        <a:rPr lang="en-US" sz="800" dirty="0"/>
-                        <a:t>Target</a:t>
-                      </a:r>
-                    </a:p>
-                  </a:txBody>
-                  <a:tcPr marL="91416" marR="91416" marT="45708" marB="45708" anchor="ctr"/>
-                </a:tc>
-                <a:extLst>
-                  <a:ext uri="{0D108BD9-81ED-4DB2-BD59-A6C34878D82A}">
-                    <a16:rowId xmlns:a16="http://schemas.microsoft.com/office/drawing/2014/main" val="3762613218"/>
-                  </a:ext>
-                </a:extLst>
-              </a:tr>
-              <a:tr h="213304">
-                <a:tc>
-                  <a:txBody>
-                    <a:bodyPr/>
-                    <a:lstStyle/>
-                    <a:p>
-                      <a:pPr algn="ctr"/>
-                      <a:r>
-                        <a:rPr lang="en-US" sz="800" dirty="0"/>
-                        <a:t>10.0.0.0/16</a:t>
-                      </a:r>
-                    </a:p>
-                  </a:txBody>
-                  <a:tcPr marL="91416" marR="91416" marT="45708" marB="45708" anchor="ctr"/>
-                </a:tc>
-                <a:tc>
-                  <a:txBody>
-                    <a:bodyPr/>
-                    <a:lstStyle/>
-                    <a:p>
-                      <a:pPr algn="ctr"/>
-                      <a:r>
-                        <a:rPr lang="en-US" sz="800" dirty="0"/>
-                        <a:t>Local</a:t>
-                      </a:r>
-                    </a:p>
-                  </a:txBody>
-                  <a:tcPr marL="91416" marR="91416" marT="45708" marB="45708" anchor="ctr"/>
-                </a:tc>
-                <a:extLst>
-                  <a:ext uri="{0D108BD9-81ED-4DB2-BD59-A6C34878D82A}">
-                    <a16:rowId xmlns:a16="http://schemas.microsoft.com/office/drawing/2014/main" val="2464361127"/>
-                  </a:ext>
-                </a:extLst>
-              </a:tr>
-              <a:tr h="251537">
-                <a:tc>
-                  <a:txBody>
-                    <a:bodyPr/>
-                    <a:lstStyle/>
-                    <a:p>
-                      <a:pPr algn="ctr"/>
-                      <a:r>
-                        <a:rPr lang="en-US" sz="800" dirty="0"/>
-                        <a:t>0.0.0.0/0</a:t>
-                      </a:r>
-                    </a:p>
-                  </a:txBody>
-                  <a:tcPr marL="91416" marR="91416" marT="45708" marB="45708" anchor="ctr"/>
-                </a:tc>
-                <a:tc>
-                  <a:txBody>
-                    <a:bodyPr/>
-                    <a:lstStyle/>
-                    <a:p>
-                      <a:pPr algn="ctr"/>
-                      <a:r>
-                        <a:rPr lang="en-US" sz="800" b="1" u="none" dirty="0">
-                          <a:solidFill>
-                            <a:srgbClr val="C00000"/>
-                          </a:solidFill>
-                        </a:rPr>
-                        <a:t>FGT-Port2</a:t>
-                      </a:r>
-                    </a:p>
-                  </a:txBody>
-                  <a:tcPr marL="91416" marR="91416" marT="45708" marB="45708" anchor="ctr"/>
-                </a:tc>
-                <a:extLst>
-                  <a:ext uri="{0D108BD9-81ED-4DB2-BD59-A6C34878D82A}">
-                    <a16:rowId xmlns:a16="http://schemas.microsoft.com/office/drawing/2014/main" val="505317756"/>
-                  </a:ext>
-                </a:extLst>
-              </a:tr>
-            </a:tbl>
-          </a:graphicData>
-        </a:graphic>
-      </p:graphicFrame>
-      <p:sp>
-        <p:nvSpPr>
-          <p:cNvPr id="27" name="TextBox 31">
-            <a:extLst>
-              <a:ext uri="{FF2B5EF4-FFF2-40B4-BE49-F238E27FC236}">
-                <a16:creationId xmlns:a16="http://schemas.microsoft.com/office/drawing/2014/main" id="{E7234504-F7A9-6B6B-A308-33B9A415C7AE}"/>
-              </a:ext>
-            </a:extLst>
-          </p:cNvPr>
-          <p:cNvSpPr txBox="1">
-            <a:spLocks noChangeArrowheads="1"/>
-          </p:cNvSpPr>
-          <p:nvPr/>
-        </p:nvSpPr>
-        <p:spPr bwMode="auto">
-          <a:xfrm>
-            <a:off x="1948826" y="4950691"/>
-            <a:ext cx="1632937" cy="246221"/>
-          </a:xfrm>
-          <a:prstGeom prst="rect">
-            <a:avLst/>
-          </a:prstGeom>
-          <a:noFill/>
-          <a:ln w="9525">
-            <a:noFill/>
-            <a:miter lim="800000"/>
-            <a:headEnd/>
-            <a:tailEnd/>
-          </a:ln>
-        </p:spPr>
-        <p:txBody>
-          <a:bodyPr wrap="square">
-            <a:spAutoFit/>
-          </a:bodyPr>
-          <a:lstStyle/>
-          <a:p>
-            <a:pPr marL="0" marR="0" lvl="0" indent="0" algn="ctr" defTabSz="914240" rtl="0" eaLnBrk="1" fontAlgn="auto" latinLnBrk="0" hangingPunct="1">
-              <a:lnSpc>
-                <a:spcPct val="100000"/>
-              </a:lnSpc>
-              <a:spcBef>
-                <a:spcPts val="0"/>
-              </a:spcBef>
-              <a:spcAft>
-                <a:spcPts val="0"/>
-              </a:spcAft>
-              <a:buClrTx/>
-              <a:buSzTx/>
-              <a:buFontTx/>
-              <a:buNone/>
-              <a:tabLst/>
-              <a:defRPr/>
-            </a:pPr>
-            <a:r>
-              <a:rPr kumimoji="0" lang="en-US" sz="1000" b="1" i="0" u="none" strike="noStrike" kern="1200" cap="none" spc="0" normalizeH="0" baseline="0" noProof="0" dirty="0">
-                <a:ln>
-                  <a:noFill/>
-                </a:ln>
-                <a:solidFill>
-                  <a:srgbClr val="009946"/>
-                </a:solidFill>
-                <a:effectLst/>
-                <a:uLnTx/>
-                <a:uFillTx/>
-                <a:latin typeface="Arial" panose="020B0604020202020204" pitchFamily="34" charset="0"/>
-                <a:ea typeface="Verdana" pitchFamily="34" charset="0"/>
-                <a:cs typeface="Arial" panose="020B0604020202020204" pitchFamily="34" charset="0"/>
-              </a:rPr>
-              <a:t>Public Subnets RTB</a:t>
-            </a:r>
-          </a:p>
-        </p:txBody>
-      </p:sp>
-      <p:pic>
-        <p:nvPicPr>
-          <p:cNvPr id="28" name="Graphic 27">
-            <a:extLst>
-              <a:ext uri="{FF2B5EF4-FFF2-40B4-BE49-F238E27FC236}">
-                <a16:creationId xmlns:a16="http://schemas.microsoft.com/office/drawing/2014/main" id="{D6E95C1E-342F-A75B-B177-B9D043AB1A7B}"/>
-              </a:ext>
-            </a:extLst>
-          </p:cNvPr>
-          <p:cNvPicPr>
-            <a:picLocks noChangeAspect="1"/>
-          </p:cNvPicPr>
-          <p:nvPr/>
-        </p:nvPicPr>
-        <p:blipFill>
-          <a:blip r:embed="rId9">
-            <a:extLst>
-              <a:ext uri="{96DAC541-7B7A-43D3-8B79-37D633B846F1}">
-                <asvg:svgBlip xmlns:asvg="http://schemas.microsoft.com/office/drawing/2016/SVG/main" r:embed="rId10"/>
-              </a:ext>
-            </a:extLst>
-          </a:blip>
-          <a:stretch>
-            <a:fillRect/>
-          </a:stretch>
-        </p:blipFill>
-        <p:spPr>
-          <a:xfrm>
-            <a:off x="1960321" y="4955314"/>
-            <a:ext cx="197276" cy="197276"/>
-          </a:xfrm>
-          <a:prstGeom prst="rect">
-            <a:avLst/>
-          </a:prstGeom>
-        </p:spPr>
-      </p:pic>
-      <p:pic>
-        <p:nvPicPr>
-          <p:cNvPr id="29" name="Graphic 28">
-            <a:extLst>
-              <a:ext uri="{FF2B5EF4-FFF2-40B4-BE49-F238E27FC236}">
-                <a16:creationId xmlns:a16="http://schemas.microsoft.com/office/drawing/2014/main" id="{EEC9492C-B98D-6B78-EF5B-BF70672475E9}"/>
-              </a:ext>
-            </a:extLst>
-          </p:cNvPr>
-          <p:cNvPicPr>
-            <a:picLocks noChangeAspect="1"/>
-          </p:cNvPicPr>
-          <p:nvPr/>
-        </p:nvPicPr>
-        <p:blipFill>
-          <a:blip r:embed="rId5">
-            <a:extLst>
-              <a:ext uri="{96DAC541-7B7A-43D3-8B79-37D633B846F1}">
-                <asvg:svgBlip xmlns:asvg="http://schemas.microsoft.com/office/drawing/2016/SVG/main" r:embed="rId6"/>
-              </a:ext>
-            </a:extLst>
-          </a:blip>
-          <a:stretch>
-            <a:fillRect/>
-          </a:stretch>
-        </p:blipFill>
-        <p:spPr>
-          <a:xfrm>
-            <a:off x="5021767" y="4957001"/>
-            <a:ext cx="208969" cy="208969"/>
-          </a:xfrm>
-          <a:prstGeom prst="rect">
-            <a:avLst/>
-          </a:prstGeom>
-        </p:spPr>
-      </p:pic>
-      <p:sp>
-        <p:nvSpPr>
-          <p:cNvPr id="30" name="TextBox 31">
-            <a:extLst>
-              <a:ext uri="{FF2B5EF4-FFF2-40B4-BE49-F238E27FC236}">
-                <a16:creationId xmlns:a16="http://schemas.microsoft.com/office/drawing/2014/main" id="{81B53712-9894-C57F-EC15-E94810AB54BB}"/>
-              </a:ext>
-            </a:extLst>
-          </p:cNvPr>
-          <p:cNvSpPr txBox="1">
-            <a:spLocks noChangeArrowheads="1"/>
-          </p:cNvSpPr>
-          <p:nvPr/>
-        </p:nvSpPr>
-        <p:spPr bwMode="auto">
-          <a:xfrm>
-            <a:off x="5058020" y="4945140"/>
-            <a:ext cx="1622967" cy="246221"/>
-          </a:xfrm>
-          <a:prstGeom prst="rect">
-            <a:avLst/>
-          </a:prstGeom>
-          <a:noFill/>
-          <a:ln w="9525">
-            <a:noFill/>
-            <a:miter lim="800000"/>
-            <a:headEnd/>
-            <a:tailEnd/>
-          </a:ln>
-        </p:spPr>
-        <p:txBody>
-          <a:bodyPr wrap="square">
-            <a:spAutoFit/>
-          </a:bodyPr>
-          <a:lstStyle/>
-          <a:p>
-            <a:pPr marL="0" marR="0" lvl="0" indent="0" algn="ctr" defTabSz="914240" rtl="0" eaLnBrk="1" fontAlgn="auto" latinLnBrk="0" hangingPunct="1">
-              <a:lnSpc>
-                <a:spcPct val="100000"/>
-              </a:lnSpc>
-              <a:spcBef>
-                <a:spcPts val="0"/>
-              </a:spcBef>
-              <a:spcAft>
-                <a:spcPts val="0"/>
-              </a:spcAft>
-              <a:buClrTx/>
-              <a:buSzTx/>
-              <a:buFontTx/>
-              <a:buNone/>
-              <a:tabLst/>
-              <a:defRPr/>
-            </a:pPr>
-            <a:r>
-              <a:rPr kumimoji="0" lang="en-US" sz="1000" b="1" i="0" u="none" strike="noStrike" kern="1200" cap="none" spc="0" normalizeH="0" baseline="0" noProof="0" dirty="0">
-                <a:ln>
-                  <a:noFill/>
-                </a:ln>
-                <a:solidFill>
-                  <a:srgbClr val="246090"/>
-                </a:solidFill>
-                <a:effectLst/>
-                <a:uLnTx/>
-                <a:uFillTx/>
-                <a:latin typeface="Arial" panose="020B0604020202020204" pitchFamily="34" charset="0"/>
-                <a:ea typeface="Verdana" pitchFamily="34" charset="0"/>
-                <a:cs typeface="Arial" panose="020B0604020202020204" pitchFamily="34" charset="0"/>
-              </a:rPr>
-              <a:t>Private Subnets RTB</a:t>
-            </a:r>
-          </a:p>
-        </p:txBody>
-      </p:sp>
-      <p:sp>
-        <p:nvSpPr>
-          <p:cNvPr id="14" name="TextBox 16">
-            <a:extLst>
-              <a:ext uri="{FF2B5EF4-FFF2-40B4-BE49-F238E27FC236}">
-                <a16:creationId xmlns:a16="http://schemas.microsoft.com/office/drawing/2014/main" id="{F37DD910-C76A-20BA-03B5-B4A538465702}"/>
-              </a:ext>
-              <a:ext uri="{C183D7F6-B498-43B3-948B-1728B52AA6E4}">
-                <adec:decorative xmlns:adec="http://schemas.microsoft.com/office/drawing/2017/decorative" val="1"/>
-              </a:ext>
-            </a:extLst>
-          </p:cNvPr>
-          <p:cNvSpPr txBox="1">
-            <a:spLocks noChangeArrowheads="1"/>
-          </p:cNvSpPr>
-          <p:nvPr/>
-        </p:nvSpPr>
-        <p:spPr bwMode="auto">
-          <a:xfrm>
-            <a:off x="2202842" y="3080826"/>
-            <a:ext cx="1115568" cy="261610"/>
-          </a:xfrm>
-          <a:prstGeom prst="rect">
-            <a:avLst/>
-          </a:prstGeom>
-          <a:noFill/>
-          <a:ln>
-            <a:noFill/>
-          </a:ln>
-          <a:extLst>
-            <a:ext uri="{909E8E84-426E-40DD-AFC4-6F175D3DCCD1}">
-              <a14:hiddenFill xmlns:a14="http://schemas.microsoft.com/office/drawing/2010/main">
-                <a:solidFill>
-                  <a:srgbClr val="FFFFFF"/>
-                </a:solidFill>
-              </a14:hiddenFill>
-            </a:ext>
-            <a:ext uri="{91240B29-F687-4F45-9708-019B960494DF}">
-              <a14:hiddenLine xmlns:a14="http://schemas.microsoft.com/office/drawing/2010/main" w="9525">
-                <a:solidFill>
-                  <a:srgbClr val="000000"/>
-                </a:solidFill>
-                <a:miter lim="800000"/>
-                <a:headEnd/>
-                <a:tailEnd/>
-              </a14:hiddenLine>
-            </a:ext>
-          </a:extLst>
-        </p:spPr>
-        <p:txBody>
-          <a:bodyPr wrap="square" lIns="0" rIns="0">
-            <a:spAutoFit/>
-          </a:bodyPr>
-          <a:lstStyle>
-            <a:lvl1pPr>
-              <a:defRPr>
-                <a:solidFill>
-                  <a:schemeClr val="tx1"/>
-                </a:solidFill>
-                <a:latin typeface="Calibri" panose="020F0502020204030204" pitchFamily="34" charset="0"/>
-              </a:defRPr>
-            </a:lvl1pPr>
-            <a:lvl2pPr marL="742950" indent="-285750">
-              <a:defRPr>
-                <a:solidFill>
-                  <a:schemeClr val="tx1"/>
-                </a:solidFill>
-                <a:latin typeface="Calibri" panose="020F0502020204030204" pitchFamily="34" charset="0"/>
-              </a:defRPr>
-            </a:lvl2pPr>
-            <a:lvl3pPr marL="1143000" indent="-228600">
-              <a:defRPr>
-                <a:solidFill>
-                  <a:schemeClr val="tx1"/>
-                </a:solidFill>
-                <a:latin typeface="Calibri" panose="020F0502020204030204" pitchFamily="34" charset="0"/>
-              </a:defRPr>
-            </a:lvl3pPr>
-            <a:lvl4pPr marL="1600200" indent="-228600">
-              <a:defRPr>
-                <a:solidFill>
-                  <a:schemeClr val="tx1"/>
-                </a:solidFill>
-                <a:latin typeface="Calibri" panose="020F0502020204030204" pitchFamily="34" charset="0"/>
-              </a:defRPr>
-            </a:lvl4pPr>
-            <a:lvl5pPr marL="2057400" indent="-228600">
-              <a:defRPr>
-                <a:solidFill>
-                  <a:schemeClr val="tx1"/>
-                </a:solidFill>
-                <a:latin typeface="Calibri" panose="020F0502020204030204" pitchFamily="34" charset="0"/>
-              </a:defRPr>
-            </a:lvl5pPr>
-            <a:lvl6pPr marL="2514600" indent="-228600" eaLnBrk="0" fontAlgn="base" hangingPunct="0">
-              <a:spcBef>
-                <a:spcPct val="0"/>
-              </a:spcBef>
-              <a:spcAft>
-                <a:spcPct val="0"/>
-              </a:spcAft>
-              <a:defRPr>
-                <a:solidFill>
-                  <a:schemeClr val="tx1"/>
-                </a:solidFill>
-                <a:latin typeface="Calibri" panose="020F0502020204030204" pitchFamily="34" charset="0"/>
-              </a:defRPr>
-            </a:lvl6pPr>
-            <a:lvl7pPr marL="2971800" indent="-228600" eaLnBrk="0" fontAlgn="base" hangingPunct="0">
-              <a:spcBef>
-                <a:spcPct val="0"/>
-              </a:spcBef>
-              <a:spcAft>
-                <a:spcPct val="0"/>
-              </a:spcAft>
-              <a:defRPr>
-                <a:solidFill>
-                  <a:schemeClr val="tx1"/>
-                </a:solidFill>
-                <a:latin typeface="Calibri" panose="020F0502020204030204" pitchFamily="34" charset="0"/>
-              </a:defRPr>
-            </a:lvl7pPr>
-            <a:lvl8pPr marL="3429000" indent="-228600" eaLnBrk="0" fontAlgn="base" hangingPunct="0">
-              <a:spcBef>
-                <a:spcPct val="0"/>
-              </a:spcBef>
-              <a:spcAft>
-                <a:spcPct val="0"/>
-              </a:spcAft>
-              <a:defRPr>
-                <a:solidFill>
-                  <a:schemeClr val="tx1"/>
-                </a:solidFill>
-                <a:latin typeface="Calibri" panose="020F0502020204030204" pitchFamily="34" charset="0"/>
-              </a:defRPr>
-            </a:lvl8pPr>
-            <a:lvl9pPr marL="3886200" indent="-228600" eaLnBrk="0" fontAlgn="base" hangingPunct="0">
-              <a:spcBef>
-                <a:spcPct val="0"/>
-              </a:spcBef>
-              <a:spcAft>
-                <a:spcPct val="0"/>
-              </a:spcAft>
-              <a:defRPr>
-                <a:solidFill>
-                  <a:schemeClr val="tx1"/>
-                </a:solidFill>
-                <a:latin typeface="Calibri" panose="020F0502020204030204" pitchFamily="34" charset="0"/>
-              </a:defRPr>
-            </a:lvl9pPr>
-          </a:lstStyle>
-          <a:p>
-            <a:pPr marL="0" marR="0" lvl="0" indent="0" algn="ctr" defTabSz="914240" rtl="0" eaLnBrk="1" fontAlgn="auto" latinLnBrk="0" hangingPunct="1">
-              <a:lnSpc>
-                <a:spcPct val="100000"/>
-              </a:lnSpc>
-              <a:spcBef>
-                <a:spcPts val="0"/>
-              </a:spcBef>
-              <a:spcAft>
-                <a:spcPts val="0"/>
-              </a:spcAft>
-              <a:buClrTx/>
-              <a:buSzTx/>
-              <a:buFontTx/>
-              <a:buNone/>
-              <a:tabLst/>
-              <a:defRPr/>
-            </a:pPr>
-            <a:r>
-              <a:rPr kumimoji="0" lang="en-US" altLang="en-US" sz="1100" b="0" i="0" u="none" strike="noStrike" kern="1200" cap="none" spc="0" normalizeH="0" baseline="0" noProof="0" dirty="0">
-                <a:ln>
-                  <a:noFill/>
-                </a:ln>
-                <a:solidFill>
-                  <a:srgbClr val="000000"/>
-                </a:solidFill>
-                <a:effectLst/>
-                <a:uLnTx/>
-                <a:uFillTx/>
-                <a:latin typeface="Arial" panose="020B0604020202020204" pitchFamily="34" charset="0"/>
-                <a:ea typeface="Amazon Ember" panose="020B0603020204020204" pitchFamily="34" charset="0"/>
-                <a:cs typeface="Arial" panose="020B0604020202020204" pitchFamily="34" charset="0"/>
-              </a:rPr>
-              <a:t>FortiAnalyzer</a:t>
-            </a:r>
-          </a:p>
-        </p:txBody>
-      </p:sp>
-      <p:pic>
-        <p:nvPicPr>
-          <p:cNvPr id="4" name="Graphic 3">
-            <a:extLst>
-              <a:ext uri="{FF2B5EF4-FFF2-40B4-BE49-F238E27FC236}">
-                <a16:creationId xmlns:a16="http://schemas.microsoft.com/office/drawing/2014/main" id="{F93CCC00-1776-EAB3-4683-359EFE204063}"/>
-              </a:ext>
-            </a:extLst>
-          </p:cNvPr>
-          <p:cNvPicPr>
-            <a:picLocks noChangeAspect="1"/>
-          </p:cNvPicPr>
-          <p:nvPr/>
-        </p:nvPicPr>
-        <p:blipFill>
-          <a:blip r:embed="rId13">
-            <a:extLst>
-              <a:ext uri="{96DAC541-7B7A-43D3-8B79-37D633B846F1}">
-                <asvg:svgBlip xmlns:asvg="http://schemas.microsoft.com/office/drawing/2016/SVG/main" r:embed="rId14"/>
-              </a:ext>
-            </a:extLst>
-          </a:blip>
-          <a:stretch>
-            <a:fillRect/>
-          </a:stretch>
-        </p:blipFill>
-        <p:spPr>
-          <a:xfrm>
-            <a:off x="3318410" y="2717590"/>
-            <a:ext cx="407652" cy="407652"/>
-          </a:xfrm>
-          <a:prstGeom prst="rect">
-            <a:avLst/>
-          </a:prstGeom>
-        </p:spPr>
-      </p:pic>
-      <p:sp>
-        <p:nvSpPr>
-          <p:cNvPr id="5" name="TextBox 4">
-            <a:extLst>
-              <a:ext uri="{FF2B5EF4-FFF2-40B4-BE49-F238E27FC236}">
-                <a16:creationId xmlns:a16="http://schemas.microsoft.com/office/drawing/2014/main" id="{ADBF7F4C-9FFA-52A8-758B-F3E58C448F1C}"/>
-              </a:ext>
-            </a:extLst>
-          </p:cNvPr>
-          <p:cNvSpPr txBox="1"/>
-          <p:nvPr/>
-        </p:nvSpPr>
-        <p:spPr>
-          <a:xfrm>
-            <a:off x="3155891" y="3110659"/>
-            <a:ext cx="732689" cy="313850"/>
-          </a:xfrm>
-          <a:prstGeom prst="rect">
-            <a:avLst/>
-          </a:prstGeom>
-          <a:noFill/>
-        </p:spPr>
-        <p:txBody>
-          <a:bodyPr wrap="square" rtlCol="0">
-            <a:spAutoFit/>
-          </a:bodyPr>
-          <a:lstStyle/>
-          <a:p>
-            <a:pPr marL="0" marR="0" lvl="0" indent="0" algn="ctr" defTabSz="914240" rtl="0" eaLnBrk="1" fontAlgn="auto" latinLnBrk="0" hangingPunct="1">
-              <a:lnSpc>
-                <a:spcPct val="90000"/>
-              </a:lnSpc>
-              <a:spcBef>
-                <a:spcPts val="0"/>
-              </a:spcBef>
-              <a:spcAft>
-                <a:spcPts val="0"/>
-              </a:spcAft>
-              <a:buClrTx/>
-              <a:buSzTx/>
-              <a:buFontTx/>
-              <a:buNone/>
-              <a:tabLst/>
-              <a:defRPr/>
-            </a:pPr>
-            <a:r>
-              <a:rPr kumimoji="0" lang="en-US" sz="800" b="1" i="0" u="none" strike="noStrike" kern="1200" cap="none" spc="0" normalizeH="0" baseline="0" noProof="0" dirty="0">
-                <a:ln>
-                  <a:noFill/>
-                </a:ln>
-                <a:solidFill>
-                  <a:srgbClr val="009946"/>
-                </a:solidFill>
-                <a:effectLst/>
-                <a:uLnTx/>
-                <a:uFillTx/>
-                <a:latin typeface="Arial" panose="020B0604020202020204" pitchFamily="34" charset="0"/>
-                <a:ea typeface="+mn-ea"/>
-                <a:cs typeface="Arial" panose="020B0604020202020204" pitchFamily="34" charset="0"/>
-              </a:rPr>
-              <a:t>Port1</a:t>
-            </a:r>
-          </a:p>
-          <a:p>
-            <a:pPr marL="0" marR="0" lvl="0" indent="0" algn="ctr" defTabSz="914240" rtl="0" eaLnBrk="1" fontAlgn="auto" latinLnBrk="0" hangingPunct="1">
-              <a:lnSpc>
-                <a:spcPct val="90000"/>
-              </a:lnSpc>
-              <a:spcBef>
-                <a:spcPts val="0"/>
-              </a:spcBef>
-              <a:spcAft>
-                <a:spcPts val="0"/>
-              </a:spcAft>
-              <a:buClrTx/>
-              <a:buSzTx/>
-              <a:buFontTx/>
-              <a:buNone/>
-              <a:tabLst/>
-              <a:defRPr/>
-            </a:pPr>
-            <a:r>
-              <a:rPr kumimoji="0" lang="en-US" sz="800" b="1" i="0" u="none" strike="noStrike" kern="1200" cap="none" spc="0" normalizeH="0" baseline="0" noProof="0" dirty="0">
-                <a:ln>
-                  <a:noFill/>
-                </a:ln>
-                <a:solidFill>
-                  <a:srgbClr val="009946"/>
-                </a:solidFill>
-                <a:effectLst/>
-                <a:uLnTx/>
-                <a:uFillTx/>
-                <a:latin typeface="Arial" panose="020B0604020202020204" pitchFamily="34" charset="0"/>
-                <a:ea typeface="+mn-ea"/>
-                <a:cs typeface="Arial" panose="020B0604020202020204" pitchFamily="34" charset="0"/>
-              </a:rPr>
-              <a:t>10.0.1.10</a:t>
-            </a:r>
-          </a:p>
-        </p:txBody>
-      </p:sp>
-      <p:sp>
-        <p:nvSpPr>
-          <p:cNvPr id="6" name="Rectangle 5">
-            <a:extLst>
-              <a:ext uri="{FF2B5EF4-FFF2-40B4-BE49-F238E27FC236}">
-                <a16:creationId xmlns:a16="http://schemas.microsoft.com/office/drawing/2014/main" id="{E399391A-70FA-F6F0-E052-5743440C0DA7}"/>
-              </a:ext>
-            </a:extLst>
-          </p:cNvPr>
-          <p:cNvSpPr/>
-          <p:nvPr/>
-        </p:nvSpPr>
-        <p:spPr>
-          <a:xfrm>
-            <a:off x="3086109" y="2563547"/>
-            <a:ext cx="872252" cy="215388"/>
-          </a:xfrm>
-          <a:prstGeom prst="rect">
-            <a:avLst/>
-          </a:prstGeom>
-        </p:spPr>
-        <p:txBody>
-          <a:bodyPr wrap="square">
-            <a:spAutoFit/>
-          </a:bodyPr>
-          <a:lstStyle/>
-          <a:p>
-            <a:pPr marL="0" marR="0" lvl="0" indent="0" algn="ctr" defTabSz="914240" rtl="0" eaLnBrk="1" fontAlgn="auto" latinLnBrk="0" hangingPunct="1">
-              <a:lnSpc>
-                <a:spcPct val="100000"/>
-              </a:lnSpc>
-              <a:spcBef>
-                <a:spcPts val="0"/>
-              </a:spcBef>
-              <a:spcAft>
-                <a:spcPts val="0"/>
-              </a:spcAft>
-              <a:buClrTx/>
-              <a:buSzTx/>
-              <a:buFontTx/>
-              <a:buNone/>
-              <a:tabLst/>
-              <a:defRPr/>
-            </a:pPr>
-            <a:r>
-              <a:rPr kumimoji="0" lang="en-US" sz="800" b="1" i="0" u="none" strike="noStrike" kern="1200" cap="none" spc="0" normalizeH="0" baseline="0" noProof="0" dirty="0">
-                <a:ln>
-                  <a:noFill/>
-                </a:ln>
-                <a:solidFill>
-                  <a:srgbClr val="000000"/>
-                </a:solidFill>
-                <a:effectLst/>
-                <a:uLnTx/>
-                <a:uFillTx/>
-                <a:latin typeface="Arial" panose="020B0604020202020204" pitchFamily="34" charset="0"/>
-                <a:ea typeface="Verdana" pitchFamily="34" charset="0"/>
-                <a:cs typeface="Arial" panose="020B0604020202020204" pitchFamily="34" charset="0"/>
-              </a:rPr>
-              <a:t>(Public EIP)</a:t>
-            </a:r>
-            <a:endParaRPr kumimoji="0" lang="en-US" sz="800" b="1" i="0" u="none" strike="noStrike" kern="1200" cap="none" spc="0" normalizeH="0" baseline="0" noProof="0" dirty="0">
-              <a:ln>
-                <a:noFill/>
-              </a:ln>
-              <a:solidFill>
-                <a:srgbClr val="000000"/>
-              </a:solidFill>
-              <a:effectLst/>
-              <a:uLnTx/>
-              <a:uFillTx/>
-              <a:latin typeface="Arial"/>
-              <a:ea typeface="+mn-ea"/>
-              <a:cs typeface="+mn-cs"/>
-            </a:endParaRPr>
-          </a:p>
-        </p:txBody>
-      </p:sp>
-      <p:cxnSp>
-        <p:nvCxnSpPr>
-          <p:cNvPr id="7" name="Straight Connector 6">
-            <a:extLst>
-              <a:ext uri="{FF2B5EF4-FFF2-40B4-BE49-F238E27FC236}">
-                <a16:creationId xmlns:a16="http://schemas.microsoft.com/office/drawing/2014/main" id="{67FA2D77-BF8D-BF08-72DD-F1B9CD7CA907}"/>
-              </a:ext>
-            </a:extLst>
-          </p:cNvPr>
-          <p:cNvCxnSpPr>
-            <a:cxnSpLocks/>
-            <a:stCxn id="4" idx="1"/>
-          </p:cNvCxnSpPr>
-          <p:nvPr/>
-        </p:nvCxnSpPr>
-        <p:spPr>
-          <a:xfrm flipH="1" flipV="1">
-            <a:off x="2991375" y="2918781"/>
-            <a:ext cx="327035" cy="2635"/>
-          </a:xfrm>
-          <a:prstGeom prst="line">
-            <a:avLst/>
-          </a:prstGeom>
-          <a:ln w="25400">
-            <a:solidFill>
-              <a:srgbClr val="009946"/>
-            </a:solidFill>
-          </a:ln>
-        </p:spPr>
-        <p:style>
-          <a:lnRef idx="1">
-            <a:schemeClr val="accent1"/>
-          </a:lnRef>
-          <a:fillRef idx="0">
-            <a:schemeClr val="accent1"/>
-          </a:fillRef>
-          <a:effectRef idx="0">
-            <a:schemeClr val="accent1"/>
-          </a:effectRef>
-          <a:fontRef idx="minor">
-            <a:schemeClr val="tx1"/>
-          </a:fontRef>
-        </p:style>
-      </p:cxnSp>
-      <p:pic>
-        <p:nvPicPr>
-          <p:cNvPr id="8" name="Graphic 60">
-            <a:extLst>
-              <a:ext uri="{FF2B5EF4-FFF2-40B4-BE49-F238E27FC236}">
-                <a16:creationId xmlns:a16="http://schemas.microsoft.com/office/drawing/2014/main" id="{C0F16873-63BD-6032-5003-D1AE9B6B4365}"/>
-              </a:ext>
-              <a:ext uri="{C183D7F6-B498-43B3-948B-1728B52AA6E4}">
-                <adec:decorative xmlns:adec="http://schemas.microsoft.com/office/drawing/2017/decorative" val="1"/>
-              </a:ext>
-            </a:extLst>
-          </p:cNvPr>
-          <p:cNvPicPr>
-            <a:picLocks noChangeAspect="1" noChangeArrowheads="1"/>
-          </p:cNvPicPr>
-          <p:nvPr/>
-        </p:nvPicPr>
-        <p:blipFill>
-          <a:blip r:embed="rId15">
-            <a:extLst>
-              <a:ext uri="{96DAC541-7B7A-43D3-8B79-37D633B846F1}">
-                <asvg:svgBlip xmlns:asvg="http://schemas.microsoft.com/office/drawing/2016/SVG/main" r:embed="rId16"/>
-              </a:ext>
-            </a:extLst>
-          </a:blip>
-          <a:srcRect/>
-          <a:stretch/>
-        </p:blipFill>
-        <p:spPr bwMode="auto">
-          <a:xfrm>
-            <a:off x="2514596" y="2658577"/>
-            <a:ext cx="512893" cy="512893"/>
-          </a:xfrm>
-          <a:prstGeom prst="rect">
-            <a:avLst/>
-          </a:prstGeom>
-          <a:noFill/>
-          <a:ln>
-            <a:noFill/>
-          </a:ln>
-          <a:extLst>
-            <a:ext uri="{909E8E84-426E-40DD-AFC4-6F175D3DCCD1}">
-              <a14:hiddenFill xmlns:a14="http://schemas.microsoft.com/office/drawing/2010/main">
-                <a:solidFill>
-                  <a:srgbClr val="FFFFFF"/>
-                </a:solidFill>
-              </a14:hiddenFill>
-            </a:ext>
-            <a:ext uri="{91240B29-F687-4F45-9708-019B960494DF}">
-              <a14:hiddenLine xmlns:a14="http://schemas.microsoft.com/office/drawing/2010/main" w="9525">
-                <a:solidFill>
-                  <a:srgbClr val="000000"/>
-                </a:solidFill>
-                <a:miter lim="800000"/>
-                <a:headEnd/>
-                <a:tailEnd/>
-              </a14:hiddenLine>
-            </a:ext>
-          </a:extLst>
-        </p:spPr>
-      </p:pic>
-    </p:spTree>
-    <p:extLst>
-      <p:ext uri="{BB962C8B-B14F-4D97-AF65-F5344CB8AC3E}">
-        <p14:creationId xmlns:p14="http://schemas.microsoft.com/office/powerpoint/2010/main" val="3918496552"/>
+        <p14:creationId xmlns:p14="http://schemas.microsoft.com/office/powerpoint/2010/main" val="3752374167"/>
       </p:ext>
     </p:extLst>
   </p:cSld>

--- a/content/diagrams.pptx
+++ b/content/diagrams.pptx
@@ -8727,7 +8727,13 @@
           <p:cNvGraphicFramePr>
             <a:graphicFrameLocks noGrp="1"/>
           </p:cNvGraphicFramePr>
-          <p:nvPr/>
+          <p:nvPr>
+            <p:extLst>
+              <p:ext uri="{D42A27DB-BD31-4B8C-83A1-F6EECF244321}">
+                <p14:modId xmlns:p14="http://schemas.microsoft.com/office/powerpoint/2010/main" val="72093018"/>
+              </p:ext>
+            </p:extLst>
+          </p:nvPr>
         </p:nvGraphicFramePr>
         <p:xfrm>
           <a:off x="1950382" y="5169457"/>
@@ -8833,7 +8839,7 @@
                     <a:p>
                       <a:pPr algn="ctr"/>
                       <a:r>
-                        <a:rPr lang="en-US" sz="800" dirty="0"/>
+                        <a:rPr lang="en-US" sz="800" b="1" dirty="0"/>
                         <a:t>0.0.0.0/0</a:t>
                       </a:r>
                     </a:p>
@@ -9357,7 +9363,13 @@
           <p:cNvGraphicFramePr>
             <a:graphicFrameLocks noGrp="1"/>
           </p:cNvGraphicFramePr>
-          <p:nvPr/>
+          <p:nvPr>
+            <p:extLst>
+              <p:ext uri="{D42A27DB-BD31-4B8C-83A1-F6EECF244321}">
+                <p14:modId xmlns:p14="http://schemas.microsoft.com/office/powerpoint/2010/main" val="2303048234"/>
+              </p:ext>
+            </p:extLst>
+          </p:nvPr>
         </p:nvGraphicFramePr>
         <p:xfrm>
           <a:off x="5011827" y="5184505"/>
@@ -13617,13 +13629,13 @@
   <p:clrMapOvr>
     <a:masterClrMapping/>
   </p:clrMapOvr>
-  <mc:AlternateContent xmlns:mc="http://schemas.openxmlformats.org/markup-compatibility/2006">
-    <mc:Choice xmlns:p14="http://schemas.microsoft.com/office/powerpoint/2010/main" Requires="p14">
+  <mc:AlternateContent xmlns:mc="http://schemas.openxmlformats.org/markup-compatibility/2006" xmlns:p14="http://schemas.microsoft.com/office/powerpoint/2010/main">
+    <mc:Choice Requires="p14">
       <p:transition spd="med" p14:dur="700">
         <p:fade/>
       </p:transition>
     </mc:Choice>
-    <mc:Fallback>
+    <mc:Fallback xmlns="">
       <p:transition spd="med">
         <p:fade/>
       </p:transition>
